--- a/Presentation 3.pptx
+++ b/Presentation 3.pptx
@@ -119,6 +119,18 @@
 </p:presentation>
 </file>
 
+<file path=ppt/commentAuthors.xml><?xml version="1.0" encoding="utf-8"?>
+<p:cmAuthorLst xmlns:a="http://schemas.openxmlformats.org/drawingml/2006/main" xmlns:r="http://schemas.openxmlformats.org/officeDocument/2006/relationships" xmlns:p="http://schemas.openxmlformats.org/presentationml/2006/main">
+  <p:cmAuthor id="1" name="20071494" initials="2" lastIdx="1" clrIdx="0">
+    <p:extLst>
+      <p:ext uri="{19B8F6BF-5375-455C-9EA6-DF929625EA0E}">
+        <p15:presenceInfo xmlns:p15="http://schemas.microsoft.com/office/powerpoint/2012/main" userId="S-1-5-21-2998004179-3154177361-935675202-1001" providerId="AD"/>
+      </p:ext>
+    </p:extLst>
+  </p:cmAuthor>
+</p:cmAuthorLst>
+</file>
+
 <file path=ppt/revisionInfo.xml><?xml version="1.0" encoding="utf-8"?>
 <p1510:revInfo xmlns:a="http://schemas.openxmlformats.org/drawingml/2006/main" xmlns:r="http://schemas.openxmlformats.org/officeDocument/2006/relationships" xmlns:p1510="http://schemas.microsoft.com/office/powerpoint/2015/10/main"/>
 </file>
@@ -173,7 +185,7 @@
           <a:noFill/>
           <a:extLst>
             <a:ext uri="{909E8E84-426E-40dd-AFC4-6F175D3DCCD1}">
-              <a14:hiddenFill xmlns:a14="http://schemas.microsoft.com/office/drawing/2010/main" xmlns="">
+              <a14:hiddenFill xmlns="" xmlns:a14="http://schemas.microsoft.com/office/drawing/2010/main">
                 <a:solidFill>
                   <a:srgbClr val="FFFFFF"/>
                 </a:solidFill>
@@ -233,7 +245,7 @@
             </a:ln>
             <a:extLst>
               <a:ext uri="{91240B29-F687-4f45-9708-019B960494DF}">
-                <a14:hiddenLine xmlns:a14="http://schemas.microsoft.com/office/drawing/2010/main" xmlns="" w="9525">
+                <a14:hiddenLine xmlns="" xmlns:a14="http://schemas.microsoft.com/office/drawing/2010/main" w="9525">
                   <a:solidFill>
                     <a:srgbClr val="000000"/>
                   </a:solidFill>
@@ -323,7 +335,7 @@
             </a:ln>
             <a:extLst>
               <a:ext uri="{91240B29-F687-4f45-9708-019B960494DF}">
-                <a14:hiddenLine xmlns:a14="http://schemas.microsoft.com/office/drawing/2010/main" xmlns="" w="9525">
+                <a14:hiddenLine xmlns="" xmlns:a14="http://schemas.microsoft.com/office/drawing/2010/main" w="9525">
                   <a:solidFill>
                     <a:srgbClr val="000000"/>
                   </a:solidFill>
@@ -413,7 +425,7 @@
             </a:ln>
             <a:extLst>
               <a:ext uri="{91240B29-F687-4f45-9708-019B960494DF}">
-                <a14:hiddenLine xmlns:a14="http://schemas.microsoft.com/office/drawing/2010/main" xmlns="" w="9525">
+                <a14:hiddenLine xmlns="" xmlns:a14="http://schemas.microsoft.com/office/drawing/2010/main" w="9525">
                   <a:solidFill>
                     <a:srgbClr val="000000"/>
                   </a:solidFill>
@@ -447,7 +459,7 @@
             </a:ln>
             <a:extLst>
               <a:ext uri="{91240B29-F687-4f45-9708-019B960494DF}">
-                <a14:hiddenLine xmlns:a14="http://schemas.microsoft.com/office/drawing/2010/main" xmlns="" w="9525">
+                <a14:hiddenLine xmlns="" xmlns:a14="http://schemas.microsoft.com/office/drawing/2010/main" w="9525">
                   <a:solidFill>
                     <a:srgbClr val="000000"/>
                   </a:solidFill>
@@ -537,7 +549,7 @@
             </a:ln>
             <a:extLst>
               <a:ext uri="{91240B29-F687-4f45-9708-019B960494DF}">
-                <a14:hiddenLine xmlns:a14="http://schemas.microsoft.com/office/drawing/2010/main" xmlns="" w="9525">
+                <a14:hiddenLine xmlns="" xmlns:a14="http://schemas.microsoft.com/office/drawing/2010/main" w="9525">
                   <a:solidFill>
                     <a:srgbClr val="000000"/>
                   </a:solidFill>
@@ -599,7 +611,7 @@
             </a:ln>
             <a:extLst>
               <a:ext uri="{91240B29-F687-4f45-9708-019B960494DF}">
-                <a14:hiddenLine xmlns:a14="http://schemas.microsoft.com/office/drawing/2010/main" xmlns="" w="9525">
+                <a14:hiddenLine xmlns="" xmlns:a14="http://schemas.microsoft.com/office/drawing/2010/main" w="9525">
                   <a:solidFill>
                     <a:srgbClr val="000000"/>
                   </a:solidFill>
@@ -661,7 +673,7 @@
             </a:ln>
             <a:extLst>
               <a:ext uri="{91240B29-F687-4f45-9708-019B960494DF}">
-                <a14:hiddenLine xmlns:a14="http://schemas.microsoft.com/office/drawing/2010/main" xmlns="" w="9525">
+                <a14:hiddenLine xmlns="" xmlns:a14="http://schemas.microsoft.com/office/drawing/2010/main" w="9525">
                   <a:solidFill>
                     <a:srgbClr val="000000"/>
                   </a:solidFill>
@@ -751,7 +763,7 @@
             </a:ln>
             <a:extLst>
               <a:ext uri="{91240B29-F687-4f45-9708-019B960494DF}">
-                <a14:hiddenLine xmlns:a14="http://schemas.microsoft.com/office/drawing/2010/main" xmlns="" w="9525">
+                <a14:hiddenLine xmlns="" xmlns:a14="http://schemas.microsoft.com/office/drawing/2010/main" w="9525">
                   <a:solidFill>
                     <a:srgbClr val="000000"/>
                   </a:solidFill>
@@ -813,7 +825,7 @@
             </a:ln>
             <a:extLst>
               <a:ext uri="{91240B29-F687-4f45-9708-019B960494DF}">
-                <a14:hiddenLine xmlns:a14="http://schemas.microsoft.com/office/drawing/2010/main" xmlns="" w="9525">
+                <a14:hiddenLine xmlns="" xmlns:a14="http://schemas.microsoft.com/office/drawing/2010/main" w="9525">
                   <a:solidFill>
                     <a:srgbClr val="000000"/>
                   </a:solidFill>
@@ -875,7 +887,7 @@
             </a:ln>
             <a:extLst>
               <a:ext uri="{91240B29-F687-4f45-9708-019B960494DF}">
-                <a14:hiddenLine xmlns:a14="http://schemas.microsoft.com/office/drawing/2010/main" xmlns="" w="9525">
+                <a14:hiddenLine xmlns="" xmlns:a14="http://schemas.microsoft.com/office/drawing/2010/main" w="9525">
                   <a:solidFill>
                     <a:srgbClr val="000000"/>
                   </a:solidFill>
@@ -965,7 +977,7 @@
             </a:ln>
             <a:extLst>
               <a:ext uri="{91240B29-F687-4f45-9708-019B960494DF}">
-                <a14:hiddenLine xmlns:a14="http://schemas.microsoft.com/office/drawing/2010/main" xmlns="" w="9525">
+                <a14:hiddenLine xmlns="" xmlns:a14="http://schemas.microsoft.com/office/drawing/2010/main" w="9525">
                   <a:solidFill>
                     <a:srgbClr val="000000"/>
                   </a:solidFill>
@@ -1055,7 +1067,7 @@
             </a:ln>
             <a:extLst>
               <a:ext uri="{91240B29-F687-4f45-9708-019B960494DF}">
-                <a14:hiddenLine xmlns:a14="http://schemas.microsoft.com/office/drawing/2010/main" xmlns="" w="9525">
+                <a14:hiddenLine xmlns="" xmlns:a14="http://schemas.microsoft.com/office/drawing/2010/main" w="9525">
                   <a:solidFill>
                     <a:srgbClr val="000000"/>
                   </a:solidFill>
@@ -1117,7 +1129,7 @@
             </a:ln>
             <a:extLst>
               <a:ext uri="{91240B29-F687-4f45-9708-019B960494DF}">
-                <a14:hiddenLine xmlns:a14="http://schemas.microsoft.com/office/drawing/2010/main" xmlns="" w="9525">
+                <a14:hiddenLine xmlns="" xmlns:a14="http://schemas.microsoft.com/office/drawing/2010/main" w="9525">
                   <a:solidFill>
                     <a:srgbClr val="000000"/>
                   </a:solidFill>
@@ -1227,7 +1239,7 @@
             </a:ln>
             <a:extLst>
               <a:ext uri="{91240B29-F687-4f45-9708-019B960494DF}">
-                <a14:hiddenLine xmlns:a14="http://schemas.microsoft.com/office/drawing/2010/main" xmlns="" w="9525">
+                <a14:hiddenLine xmlns="" xmlns:a14="http://schemas.microsoft.com/office/drawing/2010/main" w="9525">
                   <a:solidFill>
                     <a:srgbClr val="000000"/>
                   </a:solidFill>
@@ -1289,7 +1301,7 @@
             </a:ln>
             <a:extLst>
               <a:ext uri="{91240B29-F687-4f45-9708-019B960494DF}">
-                <a14:hiddenLine xmlns:a14="http://schemas.microsoft.com/office/drawing/2010/main" xmlns="" w="9525">
+                <a14:hiddenLine xmlns="" xmlns:a14="http://schemas.microsoft.com/office/drawing/2010/main" w="9525">
                   <a:solidFill>
                     <a:srgbClr val="000000"/>
                   </a:solidFill>
@@ -1379,7 +1391,7 @@
             </a:ln>
             <a:extLst>
               <a:ext uri="{91240B29-F687-4f45-9708-019B960494DF}">
-                <a14:hiddenLine xmlns:a14="http://schemas.microsoft.com/office/drawing/2010/main" xmlns="" w="9525">
+                <a14:hiddenLine xmlns="" xmlns:a14="http://schemas.microsoft.com/office/drawing/2010/main" w="9525">
                   <a:solidFill>
                     <a:srgbClr val="000000"/>
                   </a:solidFill>
@@ -1469,7 +1481,7 @@
             </a:ln>
             <a:extLst>
               <a:ext uri="{91240B29-F687-4f45-9708-019B960494DF}">
-                <a14:hiddenLine xmlns:a14="http://schemas.microsoft.com/office/drawing/2010/main" xmlns="" w="9525">
+                <a14:hiddenLine xmlns="" xmlns:a14="http://schemas.microsoft.com/office/drawing/2010/main" w="9525">
                   <a:solidFill>
                     <a:srgbClr val="000000"/>
                   </a:solidFill>
@@ -1531,7 +1543,7 @@
             </a:ln>
             <a:extLst>
               <a:ext uri="{91240B29-F687-4f45-9708-019B960494DF}">
-                <a14:hiddenLine xmlns:a14="http://schemas.microsoft.com/office/drawing/2010/main" xmlns="" w="9525">
+                <a14:hiddenLine xmlns="" xmlns:a14="http://schemas.microsoft.com/office/drawing/2010/main" w="9525">
                   <a:solidFill>
                     <a:srgbClr val="000000"/>
                   </a:solidFill>
@@ -1621,7 +1633,7 @@
             </a:ln>
             <a:extLst>
               <a:ext uri="{91240B29-F687-4f45-9708-019B960494DF}">
-                <a14:hiddenLine xmlns:a14="http://schemas.microsoft.com/office/drawing/2010/main" xmlns="" w="9525">
+                <a14:hiddenLine xmlns="" xmlns:a14="http://schemas.microsoft.com/office/drawing/2010/main" w="9525">
                   <a:solidFill>
                     <a:srgbClr val="000000"/>
                   </a:solidFill>
@@ -1711,7 +1723,7 @@
             </a:ln>
             <a:extLst>
               <a:ext uri="{91240B29-F687-4f45-9708-019B960494DF}">
-                <a14:hiddenLine xmlns:a14="http://schemas.microsoft.com/office/drawing/2010/main" xmlns="" w="9525">
+                <a14:hiddenLine xmlns="" xmlns:a14="http://schemas.microsoft.com/office/drawing/2010/main" w="9525">
                   <a:solidFill>
                     <a:srgbClr val="000000"/>
                   </a:solidFill>
@@ -1767,7 +1779,7 @@
             </a:ln>
             <a:extLst>
               <a:ext uri="{91240B29-F687-4f45-9708-019B960494DF}">
-                <a14:hiddenLine xmlns:a14="http://schemas.microsoft.com/office/drawing/2010/main" xmlns="" w="9525">
+                <a14:hiddenLine xmlns="" xmlns:a14="http://schemas.microsoft.com/office/drawing/2010/main" w="9525">
                   <a:solidFill>
                     <a:srgbClr val="000000"/>
                   </a:solidFill>
@@ -1857,7 +1869,7 @@
             </a:ln>
             <a:extLst>
               <a:ext uri="{91240B29-F687-4f45-9708-019B960494DF}">
-                <a14:hiddenLine xmlns:a14="http://schemas.microsoft.com/office/drawing/2010/main" xmlns="" w="9525">
+                <a14:hiddenLine xmlns="" xmlns:a14="http://schemas.microsoft.com/office/drawing/2010/main" w="9525">
                   <a:solidFill>
                     <a:srgbClr val="000000"/>
                   </a:solidFill>
@@ -1913,7 +1925,7 @@
             </a:ln>
             <a:extLst>
               <a:ext uri="{91240B29-F687-4f45-9708-019B960494DF}">
-                <a14:hiddenLine xmlns:a14="http://schemas.microsoft.com/office/drawing/2010/main" xmlns="" w="9525">
+                <a14:hiddenLine xmlns="" xmlns:a14="http://schemas.microsoft.com/office/drawing/2010/main" w="9525">
                   <a:solidFill>
                     <a:srgbClr val="000000"/>
                   </a:solidFill>
@@ -2003,7 +2015,7 @@
             </a:ln>
             <a:extLst>
               <a:ext uri="{91240B29-F687-4f45-9708-019B960494DF}">
-                <a14:hiddenLine xmlns:a14="http://schemas.microsoft.com/office/drawing/2010/main" xmlns="" w="9525">
+                <a14:hiddenLine xmlns="" xmlns:a14="http://schemas.microsoft.com/office/drawing/2010/main" w="9525">
                   <a:solidFill>
                     <a:srgbClr val="000000"/>
                   </a:solidFill>
@@ -2071,7 +2083,7 @@
             </a:ln>
             <a:extLst>
               <a:ext uri="{91240B29-F687-4f45-9708-019B960494DF}">
-                <a14:hiddenLine xmlns:a14="http://schemas.microsoft.com/office/drawing/2010/main" xmlns="" w="9525">
+                <a14:hiddenLine xmlns="" xmlns:a14="http://schemas.microsoft.com/office/drawing/2010/main" w="9525">
                   <a:solidFill>
                     <a:srgbClr val="000000"/>
                   </a:solidFill>
@@ -2161,7 +2173,7 @@
             </a:ln>
             <a:extLst>
               <a:ext uri="{91240B29-F687-4f45-9708-019B960494DF}">
-                <a14:hiddenLine xmlns:a14="http://schemas.microsoft.com/office/drawing/2010/main" xmlns="" w="9525">
+                <a14:hiddenLine xmlns="" xmlns:a14="http://schemas.microsoft.com/office/drawing/2010/main" w="9525">
                   <a:solidFill>
                     <a:srgbClr val="000000"/>
                   </a:solidFill>
@@ -2229,7 +2241,7 @@
             </a:ln>
             <a:extLst>
               <a:ext uri="{91240B29-F687-4f45-9708-019B960494DF}">
-                <a14:hiddenLine xmlns:a14="http://schemas.microsoft.com/office/drawing/2010/main" xmlns="" w="9525">
+                <a14:hiddenLine xmlns="" xmlns:a14="http://schemas.microsoft.com/office/drawing/2010/main" w="9525">
                   <a:solidFill>
                     <a:srgbClr val="000000"/>
                   </a:solidFill>
@@ -2319,7 +2331,7 @@
             </a:ln>
             <a:extLst>
               <a:ext uri="{91240B29-F687-4f45-9708-019B960494DF}">
-                <a14:hiddenLine xmlns:a14="http://schemas.microsoft.com/office/drawing/2010/main" xmlns="" w="9525">
+                <a14:hiddenLine xmlns="" xmlns:a14="http://schemas.microsoft.com/office/drawing/2010/main" w="9525">
                   <a:solidFill>
                     <a:srgbClr val="000000"/>
                   </a:solidFill>
@@ -2353,7 +2365,7 @@
             </a:ln>
             <a:extLst>
               <a:ext uri="{91240B29-F687-4f45-9708-019B960494DF}">
-                <a14:hiddenLine xmlns:a14="http://schemas.microsoft.com/office/drawing/2010/main" xmlns="" w="9525">
+                <a14:hiddenLine xmlns="" xmlns:a14="http://schemas.microsoft.com/office/drawing/2010/main" w="9525">
                   <a:solidFill>
                     <a:srgbClr val="000000"/>
                   </a:solidFill>
@@ -2443,7 +2455,7 @@
             </a:ln>
             <a:extLst>
               <a:ext uri="{91240B29-F687-4f45-9708-019B960494DF}">
-                <a14:hiddenLine xmlns:a14="http://schemas.microsoft.com/office/drawing/2010/main" xmlns="" w="9525">
+                <a14:hiddenLine xmlns="" xmlns:a14="http://schemas.microsoft.com/office/drawing/2010/main" w="9525">
                   <a:solidFill>
                     <a:srgbClr val="000000"/>
                   </a:solidFill>
@@ -2505,7 +2517,7 @@
             </a:ln>
             <a:extLst>
               <a:ext uri="{91240B29-F687-4f45-9708-019B960494DF}">
-                <a14:hiddenLine xmlns:a14="http://schemas.microsoft.com/office/drawing/2010/main" xmlns="" w="9525">
+                <a14:hiddenLine xmlns="" xmlns:a14="http://schemas.microsoft.com/office/drawing/2010/main" w="9525">
                   <a:solidFill>
                     <a:srgbClr val="000000"/>
                   </a:solidFill>
@@ -2567,7 +2579,7 @@
             </a:ln>
             <a:extLst>
               <a:ext uri="{91240B29-F687-4f45-9708-019B960494DF}">
-                <a14:hiddenLine xmlns:a14="http://schemas.microsoft.com/office/drawing/2010/main" xmlns="" w="9525">
+                <a14:hiddenLine xmlns="" xmlns:a14="http://schemas.microsoft.com/office/drawing/2010/main" w="9525">
                   <a:solidFill>
                     <a:srgbClr val="000000"/>
                   </a:solidFill>
@@ -2657,7 +2669,7 @@
             </a:ln>
             <a:extLst>
               <a:ext uri="{91240B29-F687-4f45-9708-019B960494DF}">
-                <a14:hiddenLine xmlns:a14="http://schemas.microsoft.com/office/drawing/2010/main" xmlns="" w="9525">
+                <a14:hiddenLine xmlns="" xmlns:a14="http://schemas.microsoft.com/office/drawing/2010/main" w="9525">
                   <a:solidFill>
                     <a:srgbClr val="000000"/>
                   </a:solidFill>
@@ -2725,7 +2737,7 @@
             </a:ln>
             <a:extLst>
               <a:ext uri="{91240B29-F687-4f45-9708-019B960494DF}">
-                <a14:hiddenLine xmlns:a14="http://schemas.microsoft.com/office/drawing/2010/main" xmlns="" w="9525">
+                <a14:hiddenLine xmlns="" xmlns:a14="http://schemas.microsoft.com/office/drawing/2010/main" w="9525">
                   <a:solidFill>
                     <a:srgbClr val="000000"/>
                   </a:solidFill>
@@ -2787,7 +2799,7 @@
             </a:ln>
             <a:extLst>
               <a:ext uri="{91240B29-F687-4f45-9708-019B960494DF}">
-                <a14:hiddenLine xmlns:a14="http://schemas.microsoft.com/office/drawing/2010/main" xmlns="" w="9525">
+                <a14:hiddenLine xmlns="" xmlns:a14="http://schemas.microsoft.com/office/drawing/2010/main" w="9525">
                   <a:solidFill>
                     <a:srgbClr val="000000"/>
                   </a:solidFill>
@@ -2877,7 +2889,7 @@
             </a:ln>
             <a:extLst>
               <a:ext uri="{91240B29-F687-4f45-9708-019B960494DF}">
-                <a14:hiddenLine xmlns:a14="http://schemas.microsoft.com/office/drawing/2010/main" xmlns="" w="9525">
+                <a14:hiddenLine xmlns="" xmlns:a14="http://schemas.microsoft.com/office/drawing/2010/main" w="9525">
                   <a:solidFill>
                     <a:srgbClr val="000000"/>
                   </a:solidFill>
@@ -2939,7 +2951,7 @@
             </a:ln>
             <a:extLst>
               <a:ext uri="{91240B29-F687-4f45-9708-019B960494DF}">
-                <a14:hiddenLine xmlns:a14="http://schemas.microsoft.com/office/drawing/2010/main" xmlns="" w="9525">
+                <a14:hiddenLine xmlns="" xmlns:a14="http://schemas.microsoft.com/office/drawing/2010/main" w="9525">
                   <a:solidFill>
                     <a:srgbClr val="000000"/>
                   </a:solidFill>
@@ -3029,7 +3041,7 @@
             </a:ln>
             <a:extLst>
               <a:ext uri="{91240B29-F687-4f45-9708-019B960494DF}">
-                <a14:hiddenLine xmlns:a14="http://schemas.microsoft.com/office/drawing/2010/main" xmlns="" w="9525">
+                <a14:hiddenLine xmlns="" xmlns:a14="http://schemas.microsoft.com/office/drawing/2010/main" w="9525">
                   <a:solidFill>
                     <a:srgbClr val="000000"/>
                   </a:solidFill>
@@ -3091,7 +3103,7 @@
             </a:ln>
             <a:extLst>
               <a:ext uri="{91240B29-F687-4f45-9708-019B960494DF}">
-                <a14:hiddenLine xmlns:a14="http://schemas.microsoft.com/office/drawing/2010/main" xmlns="" w="9525">
+                <a14:hiddenLine xmlns="" xmlns:a14="http://schemas.microsoft.com/office/drawing/2010/main" w="9525">
                   <a:solidFill>
                     <a:srgbClr val="000000"/>
                   </a:solidFill>
@@ -3181,7 +3193,7 @@
             </a:ln>
             <a:extLst>
               <a:ext uri="{91240B29-F687-4f45-9708-019B960494DF}">
-                <a14:hiddenLine xmlns:a14="http://schemas.microsoft.com/office/drawing/2010/main" xmlns="" w="9525">
+                <a14:hiddenLine xmlns="" xmlns:a14="http://schemas.microsoft.com/office/drawing/2010/main" w="9525">
                   <a:solidFill>
                     <a:srgbClr val="000000"/>
                   </a:solidFill>
@@ -3215,7 +3227,7 @@
             </a:ln>
             <a:extLst>
               <a:ext uri="{91240B29-F687-4f45-9708-019B960494DF}">
-                <a14:hiddenLine xmlns:a14="http://schemas.microsoft.com/office/drawing/2010/main" xmlns="" w="9525">
+                <a14:hiddenLine xmlns="" xmlns:a14="http://schemas.microsoft.com/office/drawing/2010/main" w="9525">
                   <a:solidFill>
                     <a:srgbClr val="000000"/>
                   </a:solidFill>
@@ -3280,7 +3292,7 @@
             </a:ln>
             <a:extLst>
               <a:ext uri="{91240B29-F687-4f45-9708-019B960494DF}">
-                <a14:hiddenLine xmlns:a14="http://schemas.microsoft.com/office/drawing/2010/main" xmlns="" w="9525">
+                <a14:hiddenLine xmlns="" xmlns:a14="http://schemas.microsoft.com/office/drawing/2010/main" w="9525">
                   <a:solidFill>
                     <a:srgbClr val="000000"/>
                   </a:solidFill>
@@ -3370,7 +3382,7 @@
             </a:ln>
             <a:extLst>
               <a:ext uri="{91240B29-F687-4f45-9708-019B960494DF}">
-                <a14:hiddenLine xmlns:a14="http://schemas.microsoft.com/office/drawing/2010/main" xmlns="" w="9525">
+                <a14:hiddenLine xmlns="" xmlns:a14="http://schemas.microsoft.com/office/drawing/2010/main" w="9525">
                   <a:solidFill>
                     <a:srgbClr val="000000"/>
                   </a:solidFill>
@@ -3432,7 +3444,7 @@
             </a:ln>
             <a:extLst>
               <a:ext uri="{91240B29-F687-4f45-9708-019B960494DF}">
-                <a14:hiddenLine xmlns:a14="http://schemas.microsoft.com/office/drawing/2010/main" xmlns="" w="9525">
+                <a14:hiddenLine xmlns="" xmlns:a14="http://schemas.microsoft.com/office/drawing/2010/main" w="9525">
                   <a:solidFill>
                     <a:srgbClr val="000000"/>
                   </a:solidFill>
@@ -3522,7 +3534,7 @@
             </a:ln>
             <a:extLst>
               <a:ext uri="{91240B29-F687-4f45-9708-019B960494DF}">
-                <a14:hiddenLine xmlns:a14="http://schemas.microsoft.com/office/drawing/2010/main" xmlns="" w="9525">
+                <a14:hiddenLine xmlns="" xmlns:a14="http://schemas.microsoft.com/office/drawing/2010/main" w="9525">
                   <a:solidFill>
                     <a:srgbClr val="000000"/>
                   </a:solidFill>
@@ -3612,7 +3624,7 @@
             </a:ln>
             <a:extLst>
               <a:ext uri="{91240B29-F687-4f45-9708-019B960494DF}">
-                <a14:hiddenLine xmlns:a14="http://schemas.microsoft.com/office/drawing/2010/main" xmlns="" w="9525">
+                <a14:hiddenLine xmlns="" xmlns:a14="http://schemas.microsoft.com/office/drawing/2010/main" w="9525">
                   <a:solidFill>
                     <a:srgbClr val="000000"/>
                   </a:solidFill>
@@ -3677,7 +3689,7 @@
             </a:ln>
             <a:extLst>
               <a:ext uri="{91240B29-F687-4f45-9708-019B960494DF}">
-                <a14:hiddenLine xmlns:a14="http://schemas.microsoft.com/office/drawing/2010/main" xmlns="" w="9525">
+                <a14:hiddenLine xmlns="" xmlns:a14="http://schemas.microsoft.com/office/drawing/2010/main" w="9525">
                   <a:solidFill>
                     <a:srgbClr val="000000"/>
                   </a:solidFill>
@@ -3739,7 +3751,7 @@
             </a:ln>
             <a:extLst>
               <a:ext uri="{91240B29-F687-4f45-9708-019B960494DF}">
-                <a14:hiddenLine xmlns:a14="http://schemas.microsoft.com/office/drawing/2010/main" xmlns="" w="9525">
+                <a14:hiddenLine xmlns="" xmlns:a14="http://schemas.microsoft.com/office/drawing/2010/main" w="9525">
                   <a:solidFill>
                     <a:srgbClr val="000000"/>
                   </a:solidFill>
@@ -3829,7 +3841,7 @@
             </a:ln>
             <a:extLst>
               <a:ext uri="{91240B29-F687-4f45-9708-019B960494DF}">
-                <a14:hiddenLine xmlns:a14="http://schemas.microsoft.com/office/drawing/2010/main" xmlns="" w="9525">
+                <a14:hiddenLine xmlns="" xmlns:a14="http://schemas.microsoft.com/office/drawing/2010/main" w="9525">
                   <a:solidFill>
                     <a:srgbClr val="000000"/>
                   </a:solidFill>
@@ -3919,7 +3931,7 @@
             </a:ln>
             <a:extLst>
               <a:ext uri="{91240B29-F687-4f45-9708-019B960494DF}">
-                <a14:hiddenLine xmlns:a14="http://schemas.microsoft.com/office/drawing/2010/main" xmlns="" w="9525">
+                <a14:hiddenLine xmlns="" xmlns:a14="http://schemas.microsoft.com/office/drawing/2010/main" w="9525">
                   <a:solidFill>
                     <a:srgbClr val="000000"/>
                   </a:solidFill>
@@ -3981,7 +3993,7 @@
             </a:ln>
             <a:extLst>
               <a:ext uri="{91240B29-F687-4f45-9708-019B960494DF}">
-                <a14:hiddenLine xmlns:a14="http://schemas.microsoft.com/office/drawing/2010/main" xmlns="" w="9525">
+                <a14:hiddenLine xmlns="" xmlns:a14="http://schemas.microsoft.com/office/drawing/2010/main" w="9525">
                   <a:solidFill>
                     <a:srgbClr val="000000"/>
                   </a:solidFill>
@@ -4101,7 +4113,7 @@
             </a:ln>
             <a:extLst>
               <a:ext uri="{91240B29-F687-4f45-9708-019B960494DF}">
-                <a14:hiddenLine xmlns:a14="http://schemas.microsoft.com/office/drawing/2010/main" xmlns="" w="9525">
+                <a14:hiddenLine xmlns="" xmlns:a14="http://schemas.microsoft.com/office/drawing/2010/main" w="9525">
                   <a:solidFill>
                     <a:srgbClr val="000000"/>
                   </a:solidFill>
@@ -4169,7 +4181,7 @@
             </a:ln>
             <a:extLst>
               <a:ext uri="{91240B29-F687-4f45-9708-019B960494DF}">
-                <a14:hiddenLine xmlns:a14="http://schemas.microsoft.com/office/drawing/2010/main" xmlns="" w="9525">
+                <a14:hiddenLine xmlns="" xmlns:a14="http://schemas.microsoft.com/office/drawing/2010/main" w="9525">
                   <a:solidFill>
                     <a:srgbClr val="000000"/>
                   </a:solidFill>
@@ -4259,7 +4271,7 @@
             </a:ln>
             <a:extLst>
               <a:ext uri="{91240B29-F687-4f45-9708-019B960494DF}">
-                <a14:hiddenLine xmlns:a14="http://schemas.microsoft.com/office/drawing/2010/main" xmlns="" w="9525">
+                <a14:hiddenLine xmlns="" xmlns:a14="http://schemas.microsoft.com/office/drawing/2010/main" w="9525">
                   <a:solidFill>
                     <a:srgbClr val="000000"/>
                   </a:solidFill>
@@ -9061,7 +9073,7 @@
           <a:noFill/>
           <a:extLst>
             <a:ext uri="{909E8E84-426E-40dd-AFC4-6F175D3DCCD1}">
-              <a14:hiddenFill xmlns:a14="http://schemas.microsoft.com/office/drawing/2010/main" xmlns="">
+              <a14:hiddenFill xmlns="" xmlns:a14="http://schemas.microsoft.com/office/drawing/2010/main">
                 <a:solidFill>
                   <a:srgbClr val="FFFFFF"/>
                 </a:solidFill>
@@ -9135,7 +9147,7 @@
               </a:ln>
               <a:extLst>
                 <a:ext uri="{91240B29-F687-4f45-9708-019B960494DF}">
-                  <a14:hiddenLine xmlns:a14="http://schemas.microsoft.com/office/drawing/2010/main" xmlns="" w="9525">
+                  <a14:hiddenLine xmlns="" xmlns:a14="http://schemas.microsoft.com/office/drawing/2010/main" w="9525">
                     <a:solidFill>
                       <a:srgbClr val="000000"/>
                     </a:solidFill>
@@ -9225,7 +9237,7 @@
               </a:ln>
               <a:extLst>
                 <a:ext uri="{91240B29-F687-4f45-9708-019B960494DF}">
-                  <a14:hiddenLine xmlns:a14="http://schemas.microsoft.com/office/drawing/2010/main" xmlns="" w="9525">
+                  <a14:hiddenLine xmlns="" xmlns:a14="http://schemas.microsoft.com/office/drawing/2010/main" w="9525">
                     <a:solidFill>
                       <a:srgbClr val="000000"/>
                     </a:solidFill>
@@ -9315,7 +9327,7 @@
               </a:ln>
               <a:extLst>
                 <a:ext uri="{91240B29-F687-4f45-9708-019B960494DF}">
-                  <a14:hiddenLine xmlns:a14="http://schemas.microsoft.com/office/drawing/2010/main" xmlns="" w="9525">
+                  <a14:hiddenLine xmlns="" xmlns:a14="http://schemas.microsoft.com/office/drawing/2010/main" w="9525">
                     <a:solidFill>
                       <a:srgbClr val="000000"/>
                     </a:solidFill>
@@ -9377,7 +9389,7 @@
               </a:ln>
               <a:extLst>
                 <a:ext uri="{91240B29-F687-4f45-9708-019B960494DF}">
-                  <a14:hiddenLine xmlns:a14="http://schemas.microsoft.com/office/drawing/2010/main" xmlns="" w="9525">
+                  <a14:hiddenLine xmlns="" xmlns:a14="http://schemas.microsoft.com/office/drawing/2010/main" w="9525">
                     <a:solidFill>
                       <a:srgbClr val="000000"/>
                     </a:solidFill>
@@ -9467,7 +9479,7 @@
               </a:ln>
               <a:extLst>
                 <a:ext uri="{91240B29-F687-4f45-9708-019B960494DF}">
-                  <a14:hiddenLine xmlns:a14="http://schemas.microsoft.com/office/drawing/2010/main" xmlns="" w="9525">
+                  <a14:hiddenLine xmlns="" xmlns:a14="http://schemas.microsoft.com/office/drawing/2010/main" w="9525">
                     <a:solidFill>
                       <a:srgbClr val="000000"/>
                     </a:solidFill>
@@ -9529,7 +9541,7 @@
               </a:ln>
               <a:extLst>
                 <a:ext uri="{91240B29-F687-4f45-9708-019B960494DF}">
-                  <a14:hiddenLine xmlns:a14="http://schemas.microsoft.com/office/drawing/2010/main" xmlns="" w="9525">
+                  <a14:hiddenLine xmlns="" xmlns:a14="http://schemas.microsoft.com/office/drawing/2010/main" w="9525">
                     <a:solidFill>
                       <a:srgbClr val="000000"/>
                     </a:solidFill>
@@ -9591,7 +9603,7 @@
               </a:ln>
               <a:extLst>
                 <a:ext uri="{91240B29-F687-4f45-9708-019B960494DF}">
-                  <a14:hiddenLine xmlns:a14="http://schemas.microsoft.com/office/drawing/2010/main" xmlns="" w="9525">
+                  <a14:hiddenLine xmlns="" xmlns:a14="http://schemas.microsoft.com/office/drawing/2010/main" w="9525">
                     <a:solidFill>
                       <a:srgbClr val="000000"/>
                     </a:solidFill>
@@ -9681,7 +9693,7 @@
               </a:ln>
               <a:extLst>
                 <a:ext uri="{91240B29-F687-4f45-9708-019B960494DF}">
-                  <a14:hiddenLine xmlns:a14="http://schemas.microsoft.com/office/drawing/2010/main" xmlns="" w="9525">
+                  <a14:hiddenLine xmlns="" xmlns:a14="http://schemas.microsoft.com/office/drawing/2010/main" w="9525">
                     <a:solidFill>
                       <a:srgbClr val="000000"/>
                     </a:solidFill>
@@ -9771,7 +9783,7 @@
               </a:ln>
               <a:extLst>
                 <a:ext uri="{91240B29-F687-4f45-9708-019B960494DF}">
-                  <a14:hiddenLine xmlns:a14="http://schemas.microsoft.com/office/drawing/2010/main" xmlns="" w="9525">
+                  <a14:hiddenLine xmlns="" xmlns:a14="http://schemas.microsoft.com/office/drawing/2010/main" w="9525">
                     <a:solidFill>
                       <a:srgbClr val="000000"/>
                     </a:solidFill>
@@ -9833,7 +9845,7 @@
               </a:ln>
               <a:extLst>
                 <a:ext uri="{91240B29-F687-4f45-9708-019B960494DF}">
-                  <a14:hiddenLine xmlns:a14="http://schemas.microsoft.com/office/drawing/2010/main" xmlns="" w="9525">
+                  <a14:hiddenLine xmlns="" xmlns:a14="http://schemas.microsoft.com/office/drawing/2010/main" w="9525">
                     <a:solidFill>
                       <a:srgbClr val="000000"/>
                     </a:solidFill>
@@ -9943,7 +9955,7 @@
               </a:ln>
               <a:extLst>
                 <a:ext uri="{91240B29-F687-4f45-9708-019B960494DF}">
-                  <a14:hiddenLine xmlns:a14="http://schemas.microsoft.com/office/drawing/2010/main" xmlns="" w="9525">
+                  <a14:hiddenLine xmlns="" xmlns:a14="http://schemas.microsoft.com/office/drawing/2010/main" w="9525">
                     <a:solidFill>
                       <a:srgbClr val="000000"/>
                     </a:solidFill>
@@ -10027,7 +10039,7 @@
               </a:ln>
               <a:extLst>
                 <a:ext uri="{91240B29-F687-4f45-9708-019B960494DF}">
-                  <a14:hiddenLine xmlns:a14="http://schemas.microsoft.com/office/drawing/2010/main" xmlns="" w="9525">
+                  <a14:hiddenLine xmlns="" xmlns:a14="http://schemas.microsoft.com/office/drawing/2010/main" w="9525">
                     <a:solidFill>
                       <a:srgbClr val="000000"/>
                     </a:solidFill>
@@ -10089,7 +10101,7 @@
               </a:ln>
               <a:extLst>
                 <a:ext uri="{91240B29-F687-4f45-9708-019B960494DF}">
-                  <a14:hiddenLine xmlns:a14="http://schemas.microsoft.com/office/drawing/2010/main" xmlns="" w="9525">
+                  <a14:hiddenLine xmlns="" xmlns:a14="http://schemas.microsoft.com/office/drawing/2010/main" w="9525">
                     <a:solidFill>
                       <a:srgbClr val="000000"/>
                     </a:solidFill>
@@ -10151,7 +10163,7 @@
               </a:ln>
               <a:extLst>
                 <a:ext uri="{91240B29-F687-4f45-9708-019B960494DF}">
-                  <a14:hiddenLine xmlns:a14="http://schemas.microsoft.com/office/drawing/2010/main" xmlns="" w="9525">
+                  <a14:hiddenLine xmlns="" xmlns:a14="http://schemas.microsoft.com/office/drawing/2010/main" w="9525">
                     <a:solidFill>
                       <a:srgbClr val="000000"/>
                     </a:solidFill>
@@ -10241,7 +10253,7 @@
               </a:ln>
               <a:extLst>
                 <a:ext uri="{91240B29-F687-4f45-9708-019B960494DF}">
-                  <a14:hiddenLine xmlns:a14="http://schemas.microsoft.com/office/drawing/2010/main" xmlns="" w="9525">
+                  <a14:hiddenLine xmlns="" xmlns:a14="http://schemas.microsoft.com/office/drawing/2010/main" w="9525">
                     <a:solidFill>
                       <a:srgbClr val="000000"/>
                     </a:solidFill>
@@ -10275,7 +10287,7 @@
               </a:ln>
               <a:extLst>
                 <a:ext uri="{91240B29-F687-4f45-9708-019B960494DF}">
-                  <a14:hiddenLine xmlns:a14="http://schemas.microsoft.com/office/drawing/2010/main" xmlns="" w="9525">
+                  <a14:hiddenLine xmlns="" xmlns:a14="http://schemas.microsoft.com/office/drawing/2010/main" w="9525">
                     <a:solidFill>
                       <a:srgbClr val="000000"/>
                     </a:solidFill>
@@ -10340,7 +10352,7 @@
               </a:ln>
               <a:extLst>
                 <a:ext uri="{91240B29-F687-4f45-9708-019B960494DF}">
-                  <a14:hiddenLine xmlns:a14="http://schemas.microsoft.com/office/drawing/2010/main" xmlns="" w="9525">
+                  <a14:hiddenLine xmlns="" xmlns:a14="http://schemas.microsoft.com/office/drawing/2010/main" w="9525">
                     <a:solidFill>
                       <a:srgbClr val="000000"/>
                     </a:solidFill>
@@ -10430,7 +10442,7 @@
               </a:ln>
               <a:extLst>
                 <a:ext uri="{91240B29-F687-4f45-9708-019B960494DF}">
-                  <a14:hiddenLine xmlns:a14="http://schemas.microsoft.com/office/drawing/2010/main" xmlns="" w="9525">
+                  <a14:hiddenLine xmlns="" xmlns:a14="http://schemas.microsoft.com/office/drawing/2010/main" w="9525">
                     <a:solidFill>
                       <a:srgbClr val="000000"/>
                     </a:solidFill>
@@ -10492,7 +10504,7 @@
               </a:ln>
               <a:extLst>
                 <a:ext uri="{91240B29-F687-4f45-9708-019B960494DF}">
-                  <a14:hiddenLine xmlns:a14="http://schemas.microsoft.com/office/drawing/2010/main" xmlns="" w="9525">
+                  <a14:hiddenLine xmlns="" xmlns:a14="http://schemas.microsoft.com/office/drawing/2010/main" w="9525">
                     <a:solidFill>
                       <a:srgbClr val="000000"/>
                     </a:solidFill>
@@ -10582,7 +10594,7 @@
               </a:ln>
               <a:extLst>
                 <a:ext uri="{91240B29-F687-4f45-9708-019B960494DF}">
-                  <a14:hiddenLine xmlns:a14="http://schemas.microsoft.com/office/drawing/2010/main" xmlns="" w="9525">
+                  <a14:hiddenLine xmlns="" xmlns:a14="http://schemas.microsoft.com/office/drawing/2010/main" w="9525">
                     <a:solidFill>
                       <a:srgbClr val="000000"/>
                     </a:solidFill>
@@ -10647,7 +10659,7 @@
               </a:ln>
               <a:extLst>
                 <a:ext uri="{91240B29-F687-4f45-9708-019B960494DF}">
-                  <a14:hiddenLine xmlns:a14="http://schemas.microsoft.com/office/drawing/2010/main" xmlns="" w="9525">
+                  <a14:hiddenLine xmlns="" xmlns:a14="http://schemas.microsoft.com/office/drawing/2010/main" w="9525">
                     <a:solidFill>
                       <a:srgbClr val="000000"/>
                     </a:solidFill>
@@ -10709,7 +10721,7 @@
               </a:ln>
               <a:extLst>
                 <a:ext uri="{91240B29-F687-4f45-9708-019B960494DF}">
-                  <a14:hiddenLine xmlns:a14="http://schemas.microsoft.com/office/drawing/2010/main" xmlns="" w="9525">
+                  <a14:hiddenLine xmlns="" xmlns:a14="http://schemas.microsoft.com/office/drawing/2010/main" w="9525">
                     <a:solidFill>
                       <a:srgbClr val="000000"/>
                     </a:solidFill>
@@ -10799,7 +10811,7 @@
               </a:ln>
               <a:extLst>
                 <a:ext uri="{91240B29-F687-4f45-9708-019B960494DF}">
-                  <a14:hiddenLine xmlns:a14="http://schemas.microsoft.com/office/drawing/2010/main" xmlns="" w="9525">
+                  <a14:hiddenLine xmlns="" xmlns:a14="http://schemas.microsoft.com/office/drawing/2010/main" w="9525">
                     <a:solidFill>
                       <a:srgbClr val="000000"/>
                     </a:solidFill>
@@ -10889,7 +10901,7 @@
               </a:ln>
               <a:extLst>
                 <a:ext uri="{91240B29-F687-4f45-9708-019B960494DF}">
-                  <a14:hiddenLine xmlns:a14="http://schemas.microsoft.com/office/drawing/2010/main" xmlns="" w="9525">
+                  <a14:hiddenLine xmlns="" xmlns:a14="http://schemas.microsoft.com/office/drawing/2010/main" w="9525">
                     <a:solidFill>
                       <a:srgbClr val="000000"/>
                     </a:solidFill>
@@ -10954,7 +10966,7 @@
               </a:ln>
               <a:extLst>
                 <a:ext uri="{91240B29-F687-4f45-9708-019B960494DF}">
-                  <a14:hiddenLine xmlns:a14="http://schemas.microsoft.com/office/drawing/2010/main" xmlns="" w="9525">
+                  <a14:hiddenLine xmlns="" xmlns:a14="http://schemas.microsoft.com/office/drawing/2010/main" w="9525">
                     <a:solidFill>
                       <a:srgbClr val="000000"/>
                     </a:solidFill>
@@ -11074,7 +11086,7 @@
               </a:ln>
               <a:extLst>
                 <a:ext uri="{91240B29-F687-4f45-9708-019B960494DF}">
-                  <a14:hiddenLine xmlns:a14="http://schemas.microsoft.com/office/drawing/2010/main" xmlns="" w="9525">
+                  <a14:hiddenLine xmlns="" xmlns:a14="http://schemas.microsoft.com/office/drawing/2010/main" w="9525">
                     <a:solidFill>
                       <a:srgbClr val="000000"/>
                     </a:solidFill>
@@ -11172,7 +11184,7 @@
               </a:ln>
               <a:extLst>
                 <a:ext uri="{91240B29-F687-4f45-9708-019B960494DF}">
-                  <a14:hiddenLine xmlns:a14="http://schemas.microsoft.com/office/drawing/2010/main" xmlns="" w="9525">
+                  <a14:hiddenLine xmlns="" xmlns:a14="http://schemas.microsoft.com/office/drawing/2010/main" w="9525">
                     <a:solidFill>
                       <a:srgbClr val="000000"/>
                     </a:solidFill>
@@ -11287,7 +11299,7 @@
               </a:ln>
               <a:extLst>
                 <a:ext uri="{91240B29-F687-4f45-9708-019B960494DF}">
-                  <a14:hiddenLine xmlns:a14="http://schemas.microsoft.com/office/drawing/2010/main" xmlns="" w="9525">
+                  <a14:hiddenLine xmlns="" xmlns:a14="http://schemas.microsoft.com/office/drawing/2010/main" w="9525">
                     <a:solidFill>
                       <a:srgbClr val="000000"/>
                     </a:solidFill>
@@ -11377,7 +11389,7 @@
               </a:ln>
               <a:extLst>
                 <a:ext uri="{91240B29-F687-4f45-9708-019B960494DF}">
-                  <a14:hiddenLine xmlns:a14="http://schemas.microsoft.com/office/drawing/2010/main" xmlns="" w="9525">
+                  <a14:hiddenLine xmlns="" xmlns:a14="http://schemas.microsoft.com/office/drawing/2010/main" w="9525">
                     <a:solidFill>
                       <a:srgbClr val="000000"/>
                     </a:solidFill>
@@ -11442,7 +11454,7 @@
               </a:ln>
               <a:extLst>
                 <a:ext uri="{91240B29-F687-4f45-9708-019B960494DF}">
-                  <a14:hiddenLine xmlns:a14="http://schemas.microsoft.com/office/drawing/2010/main" xmlns="" w="9525">
+                  <a14:hiddenLine xmlns="" xmlns:a14="http://schemas.microsoft.com/office/drawing/2010/main" w="9525">
                     <a:solidFill>
                       <a:srgbClr val="000000"/>
                     </a:solidFill>
@@ -11532,7 +11544,7 @@
               </a:ln>
               <a:extLst>
                 <a:ext uri="{91240B29-F687-4f45-9708-019B960494DF}">
-                  <a14:hiddenLine xmlns:a14="http://schemas.microsoft.com/office/drawing/2010/main" xmlns="" w="9525">
+                  <a14:hiddenLine xmlns="" xmlns:a14="http://schemas.microsoft.com/office/drawing/2010/main" w="9525">
                     <a:solidFill>
                       <a:srgbClr val="000000"/>
                     </a:solidFill>
@@ -11600,7 +11612,7 @@
               </a:ln>
               <a:extLst>
                 <a:ext uri="{91240B29-F687-4f45-9708-019B960494DF}">
-                  <a14:hiddenLine xmlns:a14="http://schemas.microsoft.com/office/drawing/2010/main" xmlns="" w="9525">
+                  <a14:hiddenLine xmlns="" xmlns:a14="http://schemas.microsoft.com/office/drawing/2010/main" w="9525">
                     <a:solidFill>
                       <a:srgbClr val="000000"/>
                     </a:solidFill>
@@ -11690,7 +11702,7 @@
               </a:ln>
               <a:extLst>
                 <a:ext uri="{91240B29-F687-4f45-9708-019B960494DF}">
-                  <a14:hiddenLine xmlns:a14="http://schemas.microsoft.com/office/drawing/2010/main" xmlns="" w="9525">
+                  <a14:hiddenLine xmlns="" xmlns:a14="http://schemas.microsoft.com/office/drawing/2010/main" w="9525">
                     <a:solidFill>
                       <a:srgbClr val="000000"/>
                     </a:solidFill>
@@ -11758,7 +11770,7 @@
               </a:ln>
               <a:extLst>
                 <a:ext uri="{91240B29-F687-4f45-9708-019B960494DF}">
-                  <a14:hiddenLine xmlns:a14="http://schemas.microsoft.com/office/drawing/2010/main" xmlns="" w="9525">
+                  <a14:hiddenLine xmlns="" xmlns:a14="http://schemas.microsoft.com/office/drawing/2010/main" w="9525">
                     <a:solidFill>
                       <a:srgbClr val="000000"/>
                     </a:solidFill>
@@ -11848,7 +11860,7 @@
               </a:ln>
               <a:extLst>
                 <a:ext uri="{91240B29-F687-4f45-9708-019B960494DF}">
-                  <a14:hiddenLine xmlns:a14="http://schemas.microsoft.com/office/drawing/2010/main" xmlns="" w="9525">
+                  <a14:hiddenLine xmlns="" xmlns:a14="http://schemas.microsoft.com/office/drawing/2010/main" w="9525">
                     <a:solidFill>
                       <a:srgbClr val="000000"/>
                     </a:solidFill>
@@ -11882,7 +11894,7 @@
               </a:ln>
               <a:extLst>
                 <a:ext uri="{91240B29-F687-4f45-9708-019B960494DF}">
-                  <a14:hiddenLine xmlns:a14="http://schemas.microsoft.com/office/drawing/2010/main" xmlns="" w="9525">
+                  <a14:hiddenLine xmlns="" xmlns:a14="http://schemas.microsoft.com/office/drawing/2010/main" w="9525">
                     <a:solidFill>
                       <a:srgbClr val="000000"/>
                     </a:solidFill>
@@ -12575,12 +12587,34 @@
             <p:ph idx="1"/>
           </p:nvPr>
         </p:nvSpPr>
-        <p:spPr/>
+        <p:spPr>
+          <a:xfrm>
+            <a:off x="1141412" y="2249486"/>
+            <a:ext cx="9905999" cy="4087145"/>
+          </a:xfrm>
+        </p:spPr>
         <p:txBody>
-          <a:bodyPr/>
+          <a:bodyPr>
+            <a:normAutofit/>
+          </a:bodyPr>
           <a:lstStyle/>
           <a:p>
-            <a:endParaRPr lang="en-IE"/>
+            <a:r>
+              <a:rPr lang="pl-PL" dirty="0"/>
+              <a:t>In this assignment we had two robots that were fighting, and all of the battles were simulated, we had 1000 battles that took place. The expected result of this assignment is that we will obtain a result of two robots as they are trained so that we find out their strenghts and weeknesses.</a:t>
+            </a:r>
+          </a:p>
+          <a:p>
+            <a:r>
+              <a:rPr lang="pl-PL" dirty="0"/>
+              <a:t>We will use the encog library and we use a main class of BattlefieldParameterEvaluator to get the results.</a:t>
+            </a:r>
+          </a:p>
+          <a:p>
+            <a:r>
+              <a:rPr lang="pl-PL" dirty="0"/>
+              <a:t>The matrix will be written as a grayscale png, allowing for the results of the estimation to be evaluated visably.</a:t>
+            </a:r>
           </a:p>
         </p:txBody>
       </p:sp>
@@ -12659,12 +12693,64 @@
             <p:ph idx="1"/>
           </p:nvPr>
         </p:nvSpPr>
-        <p:spPr/>
+        <p:spPr>
+          <a:xfrm>
+            <a:off x="1141412" y="1684422"/>
+            <a:ext cx="9905999" cy="4700336"/>
+          </a:xfrm>
+        </p:spPr>
         <p:txBody>
-          <a:bodyPr/>
+          <a:bodyPr>
+            <a:normAutofit fontScale="85000" lnSpcReduction="20000"/>
+          </a:bodyPr>
           <a:lstStyle/>
           <a:p>
-            <a:endParaRPr lang="en-IE"/>
+            <a:r>
+              <a:rPr lang="pl-PL" dirty="0"/>
+              <a:t>There is three classes in this class:</a:t>
+            </a:r>
+          </a:p>
+          <a:p>
+            <a:pPr lvl="2"/>
+            <a:r>
+              <a:rPr lang="pl-PL" dirty="0"/>
+              <a:t>Environment</a:t>
+            </a:r>
+          </a:p>
+          <a:p>
+            <a:pPr lvl="2"/>
+            <a:r>
+              <a:rPr lang="pl-PL" dirty="0"/>
+              <a:t>BattlefieldParameterEvaluator</a:t>
+            </a:r>
+          </a:p>
+          <a:p>
+            <a:pPr lvl="2"/>
+            <a:r>
+              <a:rPr lang="pl-PL" dirty="0"/>
+              <a:t>BattleObserver</a:t>
+            </a:r>
+          </a:p>
+          <a:p>
+            <a:r>
+              <a:rPr lang="pl-PL" dirty="0"/>
+              <a:t>The class Environment is responsible for running the Battlefield.</a:t>
+            </a:r>
+          </a:p>
+          <a:p>
+            <a:r>
+              <a:rPr lang="pl-PL" dirty="0"/>
+              <a:t>The Battlefield Parameter Evaluator creates a dataset for the robots, it created a network to be trained, it trains the dataset and does this over the sample specified, it then creates samples and evaluates them. The samples are used for plotting the graph i.e. The image at the end we obtain. In this class the image is created also.</a:t>
+            </a:r>
+          </a:p>
+          <a:p>
+            <a:r>
+              <a:rPr lang="pl-PL" dirty="0"/>
+              <a:t>Batlle observer is the battle listener for handing the battle events we are interested in,. Whenever a battle has finished, the class provideds an output of the scores of the robots in the console. This class is also responsible for creating the battlefield as it calls the robocode library to run.</a:t>
+            </a:r>
+          </a:p>
+          <a:p>
+            <a:endParaRPr lang="pl-PL" dirty="0"/>
           </a:p>
         </p:txBody>
       </p:sp>
@@ -12748,7 +12834,42 @@
           <a:bodyPr/>
           <a:lstStyle/>
           <a:p>
-            <a:endParaRPr lang="en-IE"/>
+            <a:r>
+              <a:rPr lang="pl-PL" dirty="0"/>
+              <a:t>The Encog Library is a Java library responsible for machine learning in Java.</a:t>
+            </a:r>
+          </a:p>
+          <a:p>
+            <a:r>
+              <a:rPr lang="pl-PL" dirty="0"/>
+              <a:t>Encog’s main strenght is that it supports neural network algorithms.</a:t>
+            </a:r>
+          </a:p>
+          <a:p>
+            <a:r>
+              <a:rPr lang="pl-PL" dirty="0"/>
+              <a:t>Encog allows us to use </a:t>
+            </a:r>
+            <a:r>
+              <a:rPr lang="en-GB" dirty="0"/>
+              <a:t>classes to normalize and process data for these neural networks.</a:t>
+            </a:r>
+            <a:endParaRPr lang="pl-PL" dirty="0"/>
+          </a:p>
+          <a:p>
+            <a:r>
+              <a:rPr lang="en-GB" dirty="0"/>
+              <a:t>Nearly all neural networks contain layers. A layer is a group of neurons that behave similarly. There are many different layer types used by the different types of neural networks that are supported by </a:t>
+            </a:r>
+            <a:r>
+              <a:rPr lang="en-GB" dirty="0" err="1"/>
+              <a:t>Encog</a:t>
+            </a:r>
+            <a:r>
+              <a:rPr lang="en-GB" dirty="0"/>
+              <a:t>.</a:t>
+            </a:r>
+            <a:endParaRPr lang="en-IE" dirty="0"/>
           </a:p>
         </p:txBody>
       </p:sp>
@@ -12827,12 +12948,43 @@
             <p:ph idx="1"/>
           </p:nvPr>
         </p:nvSpPr>
-        <p:spPr/>
+        <p:spPr>
+          <a:xfrm>
+            <a:off x="1141412" y="2249486"/>
+            <a:ext cx="9905999" cy="4167355"/>
+          </a:xfrm>
+        </p:spPr>
         <p:txBody>
-          <a:bodyPr/>
+          <a:bodyPr>
+            <a:normAutofit lnSpcReduction="10000"/>
+          </a:bodyPr>
           <a:lstStyle/>
           <a:p>
-            <a:endParaRPr lang="en-IE"/>
+            <a:r>
+              <a:rPr lang="pl-PL" dirty="0"/>
+              <a:t>We create a dataset and we normalize the inputs of the dataset to have an interval of the form [0,1].</a:t>
+            </a:r>
+          </a:p>
+          <a:p>
+            <a:r>
+              <a:rPr lang="pl-PL" dirty="0"/>
+              <a:t>We use an Activation Sigmoid function to predict our outcomes, and we use it to create the training network. The Sigmoid function is part of the Encog library. The range for sigmoid is set from 0 to 1.</a:t>
+            </a:r>
+          </a:p>
+          <a:p>
+            <a:r>
+              <a:rPr lang="pl-PL" dirty="0"/>
+              <a:t>The Propagation is then used to train the network that we have created and also the dataset. </a:t>
+            </a:r>
+          </a:p>
+          <a:p>
+            <a:r>
+              <a:rPr lang="pl-PL" dirty="0"/>
+              <a:t>The synapses and weights are adjusted in this project to find the robot’s strenght and weaknesses.</a:t>
+            </a:r>
+          </a:p>
+          <a:p>
+            <a:endParaRPr lang="en-IE" dirty="0"/>
           </a:p>
         </p:txBody>
       </p:sp>
@@ -12882,7 +13034,12 @@
             <p:ph type="title"/>
           </p:nvPr>
         </p:nvSpPr>
-        <p:spPr/>
+        <p:spPr>
+          <a:xfrm>
+            <a:off x="1157455" y="-311924"/>
+            <a:ext cx="9905998" cy="1478570"/>
+          </a:xfrm>
+        </p:spPr>
         <p:txBody>
           <a:bodyPr/>
           <a:lstStyle/>
@@ -12895,31 +13052,38 @@
           </a:p>
         </p:txBody>
       </p:sp>
-      <p:sp>
-        <p:nvSpPr>
-          <p:cNvPr id="3" name="Content Placeholder 2">
+      <p:pic>
+        <p:nvPicPr>
+          <p:cNvPr id="4" name="Content Placeholder 3">
             <a:extLst>
               <a:ext uri="{FF2B5EF4-FFF2-40B4-BE49-F238E27FC236}">
-                <a16:creationId xmlns:a16="http://schemas.microsoft.com/office/drawing/2014/main" id="{1219FF33-2315-4D04-A34B-BE3D1BFEE269}"/>
+                <a16:creationId xmlns:a16="http://schemas.microsoft.com/office/drawing/2014/main" id="{283F64C4-98A6-43BA-9F27-BA0A3E27E0E6}"/>
               </a:ext>
             </a:extLst>
           </p:cNvPr>
-          <p:cNvSpPr>
-            <a:spLocks noGrp="1"/>
-          </p:cNvSpPr>
+          <p:cNvPicPr>
+            <a:picLocks noGrp="1" noChangeAspect="1"/>
+          </p:cNvPicPr>
           <p:nvPr>
             <p:ph idx="1"/>
           </p:nvPr>
-        </p:nvSpPr>
-        <p:spPr/>
-        <p:txBody>
-          <a:bodyPr/>
-          <a:lstStyle/>
-          <a:p>
-            <a:endParaRPr lang="en-IE"/>
-          </a:p>
-        </p:txBody>
-      </p:sp>
+        </p:nvPicPr>
+        <p:blipFill>
+          <a:blip r:embed="rId2"/>
+          <a:stretch>
+            <a:fillRect/>
+          </a:stretch>
+        </p:blipFill>
+        <p:spPr>
+          <a:xfrm>
+            <a:off x="4267201" y="755499"/>
+            <a:ext cx="4200892" cy="6102501"/>
+          </a:xfrm>
+          <a:prstGeom prst="rect">
+            <a:avLst/>
+          </a:prstGeom>
+        </p:spPr>
+      </p:pic>
     </p:spTree>
     <p:extLst>
       <p:ext uri="{BB962C8B-B14F-4D97-AF65-F5344CB8AC3E}">

--- a/Presentation 3.pptx
+++ b/Presentation 3.pptx
@@ -12701,7 +12701,7 @@
         </p:spPr>
         <p:txBody>
           <a:bodyPr>
-            <a:normAutofit fontScale="85000" lnSpcReduction="20000"/>
+            <a:normAutofit fontScale="77500" lnSpcReduction="20000"/>
           </a:bodyPr>
           <a:lstStyle/>
           <a:p>
@@ -12734,7 +12734,7 @@
           <a:p>
             <a:r>
               <a:rPr lang="pl-PL" dirty="0"/>
-              <a:t>The class Environment is responsible for running the Battlefield.</a:t>
+              <a:t>The class Environment is responsible for running the Evaluater with the amount of Samples we preditermine.</a:t>
             </a:r>
           </a:p>
           <a:p>
@@ -12746,7 +12746,7 @@
           <a:p>
             <a:r>
               <a:rPr lang="pl-PL" dirty="0"/>
-              <a:t>Batlle observer is the battle listener for handing the battle events we are interested in,. Whenever a battle has finished, the class provideds an output of the scores of the robots in the console. This class is also responsible for creating the battlefield as it calls the robocode library to run.</a:t>
+              <a:t>Batlle observer is the battle listener for handing the battle events we are interested in. Whenever a battle has finished, the class provideds an output of the scores of the robots in the console. This class is also responsible for creating the battlefield as it calls the robocode library to run.</a:t>
             </a:r>
           </a:p>
           <a:p>
@@ -12831,7 +12831,9 @@
         </p:nvSpPr>
         <p:spPr/>
         <p:txBody>
-          <a:bodyPr/>
+          <a:bodyPr>
+            <a:normAutofit lnSpcReduction="10000"/>
+          </a:bodyPr>
           <a:lstStyle/>
           <a:p>
             <a:r>
@@ -12859,15 +12861,7 @@
           <a:p>
             <a:r>
               <a:rPr lang="en-GB" dirty="0"/>
-              <a:t>Nearly all neural networks contain layers. A layer is a group of neurons that behave similarly. There are many different layer types used by the different types of neural networks that are supported by </a:t>
-            </a:r>
-            <a:r>
-              <a:rPr lang="en-GB" dirty="0" err="1"/>
-              <a:t>Encog</a:t>
-            </a:r>
-            <a:r>
-              <a:rPr lang="en-GB" dirty="0"/>
-              <a:t>.</a:t>
+              <a:t>Nearly all neural networks contain layers. A layer is a group of neurons that behave similarly. There are many different layer types used by the different types of neural networks that are supported by Encog.</a:t>
             </a:r>
             <a:endParaRPr lang="en-IE" dirty="0"/>
           </a:p>
@@ -12928,7 +12922,7 @@
               <a:rPr lang="pl-PL"/>
               <a:t>Training explanation</a:t>
             </a:r>
-            <a:endParaRPr lang="en-IE"/>
+            <a:endParaRPr lang="en-IE" dirty="0"/>
           </a:p>
         </p:txBody>
       </p:sp>
@@ -13130,7 +13124,12 @@
             <p:ph type="title"/>
           </p:nvPr>
         </p:nvSpPr>
-        <p:spPr/>
+        <p:spPr>
+          <a:xfrm>
+            <a:off x="1141412" y="-419469"/>
+            <a:ext cx="9905998" cy="1478570"/>
+          </a:xfrm>
+        </p:spPr>
         <p:txBody>
           <a:bodyPr/>
           <a:lstStyle/>
@@ -13159,18 +13158,130 @@
             <p:ph idx="1"/>
           </p:nvPr>
         </p:nvSpPr>
-        <p:spPr/>
+        <p:spPr>
+          <a:xfrm>
+            <a:off x="3717508" y="1684421"/>
+            <a:ext cx="4736681" cy="5024592"/>
+          </a:xfrm>
+        </p:spPr>
         <p:txBody>
-          <a:bodyPr/>
+          <a:bodyPr>
+            <a:normAutofit/>
+          </a:bodyPr>
           <a:lstStyle/>
           <a:p>
             <a:endParaRPr lang="pl-PL" dirty="0"/>
           </a:p>
           <a:p>
-            <a:endParaRPr lang="pl-PL" dirty="0"/>
+            <a:r>
+              <a:rPr lang="pl-PL" dirty="0"/>
+              <a:t>The Results can be seen on the left, with different robots and on the right with robots from the lab, we can see the small pixels being the outliers and the different values When the properties were made perfect  and the robots were trained the dots seem to converge on the picture as it can be seen  </a:t>
+            </a:r>
           </a:p>
         </p:txBody>
       </p:sp>
+      <p:pic>
+        <p:nvPicPr>
+          <p:cNvPr id="4" name="Picture 3">
+            <a:extLst>
+              <a:ext uri="{FF2B5EF4-FFF2-40B4-BE49-F238E27FC236}">
+                <a16:creationId xmlns:a16="http://schemas.microsoft.com/office/drawing/2014/main" id="{1EC17DE0-1030-49DD-9607-5ED9C9B03601}"/>
+              </a:ext>
+            </a:extLst>
+          </p:cNvPr>
+          <p:cNvPicPr>
+            <a:picLocks noChangeAspect="1"/>
+          </p:cNvPicPr>
+          <p:nvPr/>
+        </p:nvPicPr>
+        <p:blipFill>
+          <a:blip r:embed="rId2"/>
+          <a:stretch>
+            <a:fillRect/>
+          </a:stretch>
+        </p:blipFill>
+        <p:spPr>
+          <a:xfrm>
+            <a:off x="0" y="599321"/>
+            <a:ext cx="12192000" cy="1650166"/>
+          </a:xfrm>
+          <a:prstGeom prst="rect">
+            <a:avLst/>
+          </a:prstGeom>
+        </p:spPr>
+      </p:pic>
+      <p:pic>
+        <p:nvPicPr>
+          <p:cNvPr id="6" name="Picture 5">
+            <a:extLst>
+              <a:ext uri="{FF2B5EF4-FFF2-40B4-BE49-F238E27FC236}">
+                <a16:creationId xmlns:a16="http://schemas.microsoft.com/office/drawing/2014/main" id="{4CD89EE4-34BE-4E3E-8EEB-84D0F229E0A5}"/>
+              </a:ext>
+            </a:extLst>
+          </p:cNvPr>
+          <p:cNvPicPr>
+            <a:picLocks noChangeAspect="1"/>
+          </p:cNvPicPr>
+          <p:nvPr/>
+        </p:nvPicPr>
+        <p:blipFill>
+          <a:blip r:embed="rId3">
+            <a:extLst>
+              <a:ext uri="{28A0092B-C50C-407E-A947-70E740481C1C}">
+                <a14:useLocalDpi xmlns:a14="http://schemas.microsoft.com/office/drawing/2010/main" val="0"/>
+              </a:ext>
+            </a:extLst>
+          </a:blip>
+          <a:stretch>
+            <a:fillRect/>
+          </a:stretch>
+        </p:blipFill>
+        <p:spPr>
+          <a:xfrm>
+            <a:off x="0" y="2249487"/>
+            <a:ext cx="3717508" cy="4459526"/>
+          </a:xfrm>
+          <a:prstGeom prst="rect">
+            <a:avLst/>
+          </a:prstGeom>
+        </p:spPr>
+      </p:pic>
+      <p:pic>
+        <p:nvPicPr>
+          <p:cNvPr id="9" name="Picture 8">
+            <a:extLst>
+              <a:ext uri="{FF2B5EF4-FFF2-40B4-BE49-F238E27FC236}">
+                <a16:creationId xmlns:a16="http://schemas.microsoft.com/office/drawing/2014/main" id="{9D4230BA-4BEB-4D03-83C7-5B1F3FCF99DB}"/>
+              </a:ext>
+            </a:extLst>
+          </p:cNvPr>
+          <p:cNvPicPr>
+            <a:picLocks noChangeAspect="1"/>
+          </p:cNvPicPr>
+          <p:nvPr/>
+        </p:nvPicPr>
+        <p:blipFill>
+          <a:blip r:embed="rId4">
+            <a:extLst>
+              <a:ext uri="{28A0092B-C50C-407E-A947-70E740481C1C}">
+                <a14:useLocalDpi xmlns:a14="http://schemas.microsoft.com/office/drawing/2010/main" val="0"/>
+              </a:ext>
+            </a:extLst>
+          </a:blip>
+          <a:stretch>
+            <a:fillRect/>
+          </a:stretch>
+        </p:blipFill>
+        <p:spPr>
+          <a:xfrm>
+            <a:off x="8454189" y="2225132"/>
+            <a:ext cx="3737811" cy="4483881"/>
+          </a:xfrm>
+          <a:prstGeom prst="rect">
+            <a:avLst/>
+          </a:prstGeom>
+        </p:spPr>
+      </p:pic>
     </p:spTree>
     <p:extLst>
       <p:ext uri="{BB962C8B-B14F-4D97-AF65-F5344CB8AC3E}">
@@ -13248,10 +13359,39 @@
         </p:nvSpPr>
         <p:spPr/>
         <p:txBody>
-          <a:bodyPr/>
+          <a:bodyPr>
+            <a:normAutofit fontScale="92500"/>
+          </a:bodyPr>
           <a:lstStyle/>
           <a:p>
-            <a:endParaRPr lang="en-IE" dirty="0"/>
+            <a:r>
+              <a:rPr lang="en-GB" dirty="0"/>
+              <a:t>One of the most striking facts about neural networks is that they can compute any function at all.</a:t>
+            </a:r>
+            <a:endParaRPr lang="pl-PL" dirty="0"/>
+          </a:p>
+          <a:p>
+            <a:r>
+              <a:rPr lang="pl-PL" dirty="0"/>
+              <a:t>In our case we run 1000 tests on two robots, we changed the robots to see the output for two different robots.  We had obtained two images to show the result of the evaluation.aa</a:t>
+            </a:r>
+          </a:p>
+          <a:p>
+            <a:r>
+              <a:rPr lang="pl-PL" dirty="0"/>
+              <a:t>As expected the more </a:t>
+            </a:r>
+            <a:r>
+              <a:rPr lang="pl-PL"/>
+              <a:t>trainings we had specified the better the robots became, as overtime the proporties are altered and outliers are eliminated to ge the best results.</a:t>
+            </a:r>
+            <a:endParaRPr lang="pl-PL" dirty="0"/>
+          </a:p>
+          <a:p>
+            <a:endParaRPr lang="pl-PL" dirty="0"/>
+          </a:p>
+          <a:p>
+            <a:endParaRPr lang="pl-PL" dirty="0"/>
           </a:p>
         </p:txBody>
       </p:sp>

--- a/Presentation 3.pptx
+++ b/Presentation 3.pptx
@@ -13175,7 +13175,21 @@
           <a:p>
             <a:r>
               <a:rPr lang="pl-PL" dirty="0"/>
-              <a:t>The Results can be seen on the left, with different robots and on the right with robots from the lab, we can see the small pixels being the outliers and the different values When the properties were made perfect  and the robots were trained the dots seem to converge on the picture as it can be seen  </a:t>
+              <a:t>The Results can be seen on the left, with different robots and on the right with robots from the lab, we can see the small pixels being </a:t>
+            </a:r>
+            <a:r>
+              <a:rPr lang="pl-PL"/>
+              <a:t>the robots not trained properly yet.</a:t>
+            </a:r>
+          </a:p>
+          <a:p>
+            <a:r>
+              <a:rPr lang="pl-PL"/>
+              <a:t>When </a:t>
+            </a:r>
+            <a:r>
+              <a:rPr lang="pl-PL" dirty="0"/>
+              <a:t>the properties were made perfect  and the robots were trained the dots seem to converge on the picture as it can be seen  </a:t>
             </a:r>
           </a:p>
         </p:txBody>
@@ -13379,13 +13393,8 @@
           <a:p>
             <a:r>
               <a:rPr lang="pl-PL" dirty="0"/>
-              <a:t>As expected the more </a:t>
+              <a:t>As expected the more trainings we had specified the better the robots became, as overtime the proporties are altered and outliers are eliminated to ge the best results.</a:t>
             </a:r>
-            <a:r>
-              <a:rPr lang="pl-PL"/>
-              <a:t>trainings we had specified the better the robots became, as overtime the proporties are altered and outliers are eliminated to ge the best results.</a:t>
-            </a:r>
-            <a:endParaRPr lang="pl-PL" dirty="0"/>
           </a:p>
           <a:p>
             <a:endParaRPr lang="pl-PL" dirty="0"/>

--- a/Presentation 3.pptx
+++ b/Presentation 3.pptx
@@ -185,7 +185,7 @@
           <a:noFill/>
           <a:extLst>
             <a:ext uri="{909E8E84-426E-40dd-AFC4-6F175D3DCCD1}">
-              <a14:hiddenFill xmlns="" xmlns:a14="http://schemas.microsoft.com/office/drawing/2010/main">
+              <a14:hiddenFill xmlns:a14="http://schemas.microsoft.com/office/drawing/2010/main" xmlns="">
                 <a:solidFill>
                   <a:srgbClr val="FFFFFF"/>
                 </a:solidFill>
@@ -245,7 +245,7 @@
             </a:ln>
             <a:extLst>
               <a:ext uri="{91240B29-F687-4f45-9708-019B960494DF}">
-                <a14:hiddenLine xmlns="" xmlns:a14="http://schemas.microsoft.com/office/drawing/2010/main" w="9525">
+                <a14:hiddenLine xmlns:a14="http://schemas.microsoft.com/office/drawing/2010/main" xmlns="" w="9525">
                   <a:solidFill>
                     <a:srgbClr val="000000"/>
                   </a:solidFill>
@@ -335,7 +335,7 @@
             </a:ln>
             <a:extLst>
               <a:ext uri="{91240B29-F687-4f45-9708-019B960494DF}">
-                <a14:hiddenLine xmlns="" xmlns:a14="http://schemas.microsoft.com/office/drawing/2010/main" w="9525">
+                <a14:hiddenLine xmlns:a14="http://schemas.microsoft.com/office/drawing/2010/main" xmlns="" w="9525">
                   <a:solidFill>
                     <a:srgbClr val="000000"/>
                   </a:solidFill>
@@ -425,7 +425,7 @@
             </a:ln>
             <a:extLst>
               <a:ext uri="{91240B29-F687-4f45-9708-019B960494DF}">
-                <a14:hiddenLine xmlns="" xmlns:a14="http://schemas.microsoft.com/office/drawing/2010/main" w="9525">
+                <a14:hiddenLine xmlns:a14="http://schemas.microsoft.com/office/drawing/2010/main" xmlns="" w="9525">
                   <a:solidFill>
                     <a:srgbClr val="000000"/>
                   </a:solidFill>
@@ -459,7 +459,7 @@
             </a:ln>
             <a:extLst>
               <a:ext uri="{91240B29-F687-4f45-9708-019B960494DF}">
-                <a14:hiddenLine xmlns="" xmlns:a14="http://schemas.microsoft.com/office/drawing/2010/main" w="9525">
+                <a14:hiddenLine xmlns:a14="http://schemas.microsoft.com/office/drawing/2010/main" xmlns="" w="9525">
                   <a:solidFill>
                     <a:srgbClr val="000000"/>
                   </a:solidFill>
@@ -549,7 +549,7 @@
             </a:ln>
             <a:extLst>
               <a:ext uri="{91240B29-F687-4f45-9708-019B960494DF}">
-                <a14:hiddenLine xmlns="" xmlns:a14="http://schemas.microsoft.com/office/drawing/2010/main" w="9525">
+                <a14:hiddenLine xmlns:a14="http://schemas.microsoft.com/office/drawing/2010/main" xmlns="" w="9525">
                   <a:solidFill>
                     <a:srgbClr val="000000"/>
                   </a:solidFill>
@@ -611,7 +611,7 @@
             </a:ln>
             <a:extLst>
               <a:ext uri="{91240B29-F687-4f45-9708-019B960494DF}">
-                <a14:hiddenLine xmlns="" xmlns:a14="http://schemas.microsoft.com/office/drawing/2010/main" w="9525">
+                <a14:hiddenLine xmlns:a14="http://schemas.microsoft.com/office/drawing/2010/main" xmlns="" w="9525">
                   <a:solidFill>
                     <a:srgbClr val="000000"/>
                   </a:solidFill>
@@ -673,7 +673,7 @@
             </a:ln>
             <a:extLst>
               <a:ext uri="{91240B29-F687-4f45-9708-019B960494DF}">
-                <a14:hiddenLine xmlns="" xmlns:a14="http://schemas.microsoft.com/office/drawing/2010/main" w="9525">
+                <a14:hiddenLine xmlns:a14="http://schemas.microsoft.com/office/drawing/2010/main" xmlns="" w="9525">
                   <a:solidFill>
                     <a:srgbClr val="000000"/>
                   </a:solidFill>
@@ -763,7 +763,7 @@
             </a:ln>
             <a:extLst>
               <a:ext uri="{91240B29-F687-4f45-9708-019B960494DF}">
-                <a14:hiddenLine xmlns="" xmlns:a14="http://schemas.microsoft.com/office/drawing/2010/main" w="9525">
+                <a14:hiddenLine xmlns:a14="http://schemas.microsoft.com/office/drawing/2010/main" xmlns="" w="9525">
                   <a:solidFill>
                     <a:srgbClr val="000000"/>
                   </a:solidFill>
@@ -825,7 +825,7 @@
             </a:ln>
             <a:extLst>
               <a:ext uri="{91240B29-F687-4f45-9708-019B960494DF}">
-                <a14:hiddenLine xmlns="" xmlns:a14="http://schemas.microsoft.com/office/drawing/2010/main" w="9525">
+                <a14:hiddenLine xmlns:a14="http://schemas.microsoft.com/office/drawing/2010/main" xmlns="" w="9525">
                   <a:solidFill>
                     <a:srgbClr val="000000"/>
                   </a:solidFill>
@@ -887,7 +887,7 @@
             </a:ln>
             <a:extLst>
               <a:ext uri="{91240B29-F687-4f45-9708-019B960494DF}">
-                <a14:hiddenLine xmlns="" xmlns:a14="http://schemas.microsoft.com/office/drawing/2010/main" w="9525">
+                <a14:hiddenLine xmlns:a14="http://schemas.microsoft.com/office/drawing/2010/main" xmlns="" w="9525">
                   <a:solidFill>
                     <a:srgbClr val="000000"/>
                   </a:solidFill>
@@ -977,7 +977,7 @@
             </a:ln>
             <a:extLst>
               <a:ext uri="{91240B29-F687-4f45-9708-019B960494DF}">
-                <a14:hiddenLine xmlns="" xmlns:a14="http://schemas.microsoft.com/office/drawing/2010/main" w="9525">
+                <a14:hiddenLine xmlns:a14="http://schemas.microsoft.com/office/drawing/2010/main" xmlns="" w="9525">
                   <a:solidFill>
                     <a:srgbClr val="000000"/>
                   </a:solidFill>
@@ -1067,7 +1067,7 @@
             </a:ln>
             <a:extLst>
               <a:ext uri="{91240B29-F687-4f45-9708-019B960494DF}">
-                <a14:hiddenLine xmlns="" xmlns:a14="http://schemas.microsoft.com/office/drawing/2010/main" w="9525">
+                <a14:hiddenLine xmlns:a14="http://schemas.microsoft.com/office/drawing/2010/main" xmlns="" w="9525">
                   <a:solidFill>
                     <a:srgbClr val="000000"/>
                   </a:solidFill>
@@ -1129,7 +1129,7 @@
             </a:ln>
             <a:extLst>
               <a:ext uri="{91240B29-F687-4f45-9708-019B960494DF}">
-                <a14:hiddenLine xmlns="" xmlns:a14="http://schemas.microsoft.com/office/drawing/2010/main" w="9525">
+                <a14:hiddenLine xmlns:a14="http://schemas.microsoft.com/office/drawing/2010/main" xmlns="" w="9525">
                   <a:solidFill>
                     <a:srgbClr val="000000"/>
                   </a:solidFill>
@@ -1239,7 +1239,7 @@
             </a:ln>
             <a:extLst>
               <a:ext uri="{91240B29-F687-4f45-9708-019B960494DF}">
-                <a14:hiddenLine xmlns="" xmlns:a14="http://schemas.microsoft.com/office/drawing/2010/main" w="9525">
+                <a14:hiddenLine xmlns:a14="http://schemas.microsoft.com/office/drawing/2010/main" xmlns="" w="9525">
                   <a:solidFill>
                     <a:srgbClr val="000000"/>
                   </a:solidFill>
@@ -1301,7 +1301,7 @@
             </a:ln>
             <a:extLst>
               <a:ext uri="{91240B29-F687-4f45-9708-019B960494DF}">
-                <a14:hiddenLine xmlns="" xmlns:a14="http://schemas.microsoft.com/office/drawing/2010/main" w="9525">
+                <a14:hiddenLine xmlns:a14="http://schemas.microsoft.com/office/drawing/2010/main" xmlns="" w="9525">
                   <a:solidFill>
                     <a:srgbClr val="000000"/>
                   </a:solidFill>
@@ -1391,7 +1391,7 @@
             </a:ln>
             <a:extLst>
               <a:ext uri="{91240B29-F687-4f45-9708-019B960494DF}">
-                <a14:hiddenLine xmlns="" xmlns:a14="http://schemas.microsoft.com/office/drawing/2010/main" w="9525">
+                <a14:hiddenLine xmlns:a14="http://schemas.microsoft.com/office/drawing/2010/main" xmlns="" w="9525">
                   <a:solidFill>
                     <a:srgbClr val="000000"/>
                   </a:solidFill>
@@ -1481,7 +1481,7 @@
             </a:ln>
             <a:extLst>
               <a:ext uri="{91240B29-F687-4f45-9708-019B960494DF}">
-                <a14:hiddenLine xmlns="" xmlns:a14="http://schemas.microsoft.com/office/drawing/2010/main" w="9525">
+                <a14:hiddenLine xmlns:a14="http://schemas.microsoft.com/office/drawing/2010/main" xmlns="" w="9525">
                   <a:solidFill>
                     <a:srgbClr val="000000"/>
                   </a:solidFill>
@@ -1543,7 +1543,7 @@
             </a:ln>
             <a:extLst>
               <a:ext uri="{91240B29-F687-4f45-9708-019B960494DF}">
-                <a14:hiddenLine xmlns="" xmlns:a14="http://schemas.microsoft.com/office/drawing/2010/main" w="9525">
+                <a14:hiddenLine xmlns:a14="http://schemas.microsoft.com/office/drawing/2010/main" xmlns="" w="9525">
                   <a:solidFill>
                     <a:srgbClr val="000000"/>
                   </a:solidFill>
@@ -1633,7 +1633,7 @@
             </a:ln>
             <a:extLst>
               <a:ext uri="{91240B29-F687-4f45-9708-019B960494DF}">
-                <a14:hiddenLine xmlns="" xmlns:a14="http://schemas.microsoft.com/office/drawing/2010/main" w="9525">
+                <a14:hiddenLine xmlns:a14="http://schemas.microsoft.com/office/drawing/2010/main" xmlns="" w="9525">
                   <a:solidFill>
                     <a:srgbClr val="000000"/>
                   </a:solidFill>
@@ -1723,7 +1723,7 @@
             </a:ln>
             <a:extLst>
               <a:ext uri="{91240B29-F687-4f45-9708-019B960494DF}">
-                <a14:hiddenLine xmlns="" xmlns:a14="http://schemas.microsoft.com/office/drawing/2010/main" w="9525">
+                <a14:hiddenLine xmlns:a14="http://schemas.microsoft.com/office/drawing/2010/main" xmlns="" w="9525">
                   <a:solidFill>
                     <a:srgbClr val="000000"/>
                   </a:solidFill>
@@ -1779,7 +1779,7 @@
             </a:ln>
             <a:extLst>
               <a:ext uri="{91240B29-F687-4f45-9708-019B960494DF}">
-                <a14:hiddenLine xmlns="" xmlns:a14="http://schemas.microsoft.com/office/drawing/2010/main" w="9525">
+                <a14:hiddenLine xmlns:a14="http://schemas.microsoft.com/office/drawing/2010/main" xmlns="" w="9525">
                   <a:solidFill>
                     <a:srgbClr val="000000"/>
                   </a:solidFill>
@@ -1869,7 +1869,7 @@
             </a:ln>
             <a:extLst>
               <a:ext uri="{91240B29-F687-4f45-9708-019B960494DF}">
-                <a14:hiddenLine xmlns="" xmlns:a14="http://schemas.microsoft.com/office/drawing/2010/main" w="9525">
+                <a14:hiddenLine xmlns:a14="http://schemas.microsoft.com/office/drawing/2010/main" xmlns="" w="9525">
                   <a:solidFill>
                     <a:srgbClr val="000000"/>
                   </a:solidFill>
@@ -1925,7 +1925,7 @@
             </a:ln>
             <a:extLst>
               <a:ext uri="{91240B29-F687-4f45-9708-019B960494DF}">
-                <a14:hiddenLine xmlns="" xmlns:a14="http://schemas.microsoft.com/office/drawing/2010/main" w="9525">
+                <a14:hiddenLine xmlns:a14="http://schemas.microsoft.com/office/drawing/2010/main" xmlns="" w="9525">
                   <a:solidFill>
                     <a:srgbClr val="000000"/>
                   </a:solidFill>
@@ -2015,7 +2015,7 @@
             </a:ln>
             <a:extLst>
               <a:ext uri="{91240B29-F687-4f45-9708-019B960494DF}">
-                <a14:hiddenLine xmlns="" xmlns:a14="http://schemas.microsoft.com/office/drawing/2010/main" w="9525">
+                <a14:hiddenLine xmlns:a14="http://schemas.microsoft.com/office/drawing/2010/main" xmlns="" w="9525">
                   <a:solidFill>
                     <a:srgbClr val="000000"/>
                   </a:solidFill>
@@ -2083,7 +2083,7 @@
             </a:ln>
             <a:extLst>
               <a:ext uri="{91240B29-F687-4f45-9708-019B960494DF}">
-                <a14:hiddenLine xmlns="" xmlns:a14="http://schemas.microsoft.com/office/drawing/2010/main" w="9525">
+                <a14:hiddenLine xmlns:a14="http://schemas.microsoft.com/office/drawing/2010/main" xmlns="" w="9525">
                   <a:solidFill>
                     <a:srgbClr val="000000"/>
                   </a:solidFill>
@@ -2173,7 +2173,7 @@
             </a:ln>
             <a:extLst>
               <a:ext uri="{91240B29-F687-4f45-9708-019B960494DF}">
-                <a14:hiddenLine xmlns="" xmlns:a14="http://schemas.microsoft.com/office/drawing/2010/main" w="9525">
+                <a14:hiddenLine xmlns:a14="http://schemas.microsoft.com/office/drawing/2010/main" xmlns="" w="9525">
                   <a:solidFill>
                     <a:srgbClr val="000000"/>
                   </a:solidFill>
@@ -2241,7 +2241,7 @@
             </a:ln>
             <a:extLst>
               <a:ext uri="{91240B29-F687-4f45-9708-019B960494DF}">
-                <a14:hiddenLine xmlns="" xmlns:a14="http://schemas.microsoft.com/office/drawing/2010/main" w="9525">
+                <a14:hiddenLine xmlns:a14="http://schemas.microsoft.com/office/drawing/2010/main" xmlns="" w="9525">
                   <a:solidFill>
                     <a:srgbClr val="000000"/>
                   </a:solidFill>
@@ -2331,7 +2331,7 @@
             </a:ln>
             <a:extLst>
               <a:ext uri="{91240B29-F687-4f45-9708-019B960494DF}">
-                <a14:hiddenLine xmlns="" xmlns:a14="http://schemas.microsoft.com/office/drawing/2010/main" w="9525">
+                <a14:hiddenLine xmlns:a14="http://schemas.microsoft.com/office/drawing/2010/main" xmlns="" w="9525">
                   <a:solidFill>
                     <a:srgbClr val="000000"/>
                   </a:solidFill>
@@ -2365,7 +2365,7 @@
             </a:ln>
             <a:extLst>
               <a:ext uri="{91240B29-F687-4f45-9708-019B960494DF}">
-                <a14:hiddenLine xmlns="" xmlns:a14="http://schemas.microsoft.com/office/drawing/2010/main" w="9525">
+                <a14:hiddenLine xmlns:a14="http://schemas.microsoft.com/office/drawing/2010/main" xmlns="" w="9525">
                   <a:solidFill>
                     <a:srgbClr val="000000"/>
                   </a:solidFill>
@@ -2455,7 +2455,7 @@
             </a:ln>
             <a:extLst>
               <a:ext uri="{91240B29-F687-4f45-9708-019B960494DF}">
-                <a14:hiddenLine xmlns="" xmlns:a14="http://schemas.microsoft.com/office/drawing/2010/main" w="9525">
+                <a14:hiddenLine xmlns:a14="http://schemas.microsoft.com/office/drawing/2010/main" xmlns="" w="9525">
                   <a:solidFill>
                     <a:srgbClr val="000000"/>
                   </a:solidFill>
@@ -2517,7 +2517,7 @@
             </a:ln>
             <a:extLst>
               <a:ext uri="{91240B29-F687-4f45-9708-019B960494DF}">
-                <a14:hiddenLine xmlns="" xmlns:a14="http://schemas.microsoft.com/office/drawing/2010/main" w="9525">
+                <a14:hiddenLine xmlns:a14="http://schemas.microsoft.com/office/drawing/2010/main" xmlns="" w="9525">
                   <a:solidFill>
                     <a:srgbClr val="000000"/>
                   </a:solidFill>
@@ -2579,7 +2579,7 @@
             </a:ln>
             <a:extLst>
               <a:ext uri="{91240B29-F687-4f45-9708-019B960494DF}">
-                <a14:hiddenLine xmlns="" xmlns:a14="http://schemas.microsoft.com/office/drawing/2010/main" w="9525">
+                <a14:hiddenLine xmlns:a14="http://schemas.microsoft.com/office/drawing/2010/main" xmlns="" w="9525">
                   <a:solidFill>
                     <a:srgbClr val="000000"/>
                   </a:solidFill>
@@ -2669,7 +2669,7 @@
             </a:ln>
             <a:extLst>
               <a:ext uri="{91240B29-F687-4f45-9708-019B960494DF}">
-                <a14:hiddenLine xmlns="" xmlns:a14="http://schemas.microsoft.com/office/drawing/2010/main" w="9525">
+                <a14:hiddenLine xmlns:a14="http://schemas.microsoft.com/office/drawing/2010/main" xmlns="" w="9525">
                   <a:solidFill>
                     <a:srgbClr val="000000"/>
                   </a:solidFill>
@@ -2737,7 +2737,7 @@
             </a:ln>
             <a:extLst>
               <a:ext uri="{91240B29-F687-4f45-9708-019B960494DF}">
-                <a14:hiddenLine xmlns="" xmlns:a14="http://schemas.microsoft.com/office/drawing/2010/main" w="9525">
+                <a14:hiddenLine xmlns:a14="http://schemas.microsoft.com/office/drawing/2010/main" xmlns="" w="9525">
                   <a:solidFill>
                     <a:srgbClr val="000000"/>
                   </a:solidFill>
@@ -2799,7 +2799,7 @@
             </a:ln>
             <a:extLst>
               <a:ext uri="{91240B29-F687-4f45-9708-019B960494DF}">
-                <a14:hiddenLine xmlns="" xmlns:a14="http://schemas.microsoft.com/office/drawing/2010/main" w="9525">
+                <a14:hiddenLine xmlns:a14="http://schemas.microsoft.com/office/drawing/2010/main" xmlns="" w="9525">
                   <a:solidFill>
                     <a:srgbClr val="000000"/>
                   </a:solidFill>
@@ -2889,7 +2889,7 @@
             </a:ln>
             <a:extLst>
               <a:ext uri="{91240B29-F687-4f45-9708-019B960494DF}">
-                <a14:hiddenLine xmlns="" xmlns:a14="http://schemas.microsoft.com/office/drawing/2010/main" w="9525">
+                <a14:hiddenLine xmlns:a14="http://schemas.microsoft.com/office/drawing/2010/main" xmlns="" w="9525">
                   <a:solidFill>
                     <a:srgbClr val="000000"/>
                   </a:solidFill>
@@ -2951,7 +2951,7 @@
             </a:ln>
             <a:extLst>
               <a:ext uri="{91240B29-F687-4f45-9708-019B960494DF}">
-                <a14:hiddenLine xmlns="" xmlns:a14="http://schemas.microsoft.com/office/drawing/2010/main" w="9525">
+                <a14:hiddenLine xmlns:a14="http://schemas.microsoft.com/office/drawing/2010/main" xmlns="" w="9525">
                   <a:solidFill>
                     <a:srgbClr val="000000"/>
                   </a:solidFill>
@@ -3041,7 +3041,7 @@
             </a:ln>
             <a:extLst>
               <a:ext uri="{91240B29-F687-4f45-9708-019B960494DF}">
-                <a14:hiddenLine xmlns="" xmlns:a14="http://schemas.microsoft.com/office/drawing/2010/main" w="9525">
+                <a14:hiddenLine xmlns:a14="http://schemas.microsoft.com/office/drawing/2010/main" xmlns="" w="9525">
                   <a:solidFill>
                     <a:srgbClr val="000000"/>
                   </a:solidFill>
@@ -3103,7 +3103,7 @@
             </a:ln>
             <a:extLst>
               <a:ext uri="{91240B29-F687-4f45-9708-019B960494DF}">
-                <a14:hiddenLine xmlns="" xmlns:a14="http://schemas.microsoft.com/office/drawing/2010/main" w="9525">
+                <a14:hiddenLine xmlns:a14="http://schemas.microsoft.com/office/drawing/2010/main" xmlns="" w="9525">
                   <a:solidFill>
                     <a:srgbClr val="000000"/>
                   </a:solidFill>
@@ -3193,7 +3193,7 @@
             </a:ln>
             <a:extLst>
               <a:ext uri="{91240B29-F687-4f45-9708-019B960494DF}">
-                <a14:hiddenLine xmlns="" xmlns:a14="http://schemas.microsoft.com/office/drawing/2010/main" w="9525">
+                <a14:hiddenLine xmlns:a14="http://schemas.microsoft.com/office/drawing/2010/main" xmlns="" w="9525">
                   <a:solidFill>
                     <a:srgbClr val="000000"/>
                   </a:solidFill>
@@ -3227,7 +3227,7 @@
             </a:ln>
             <a:extLst>
               <a:ext uri="{91240B29-F687-4f45-9708-019B960494DF}">
-                <a14:hiddenLine xmlns="" xmlns:a14="http://schemas.microsoft.com/office/drawing/2010/main" w="9525">
+                <a14:hiddenLine xmlns:a14="http://schemas.microsoft.com/office/drawing/2010/main" xmlns="" w="9525">
                   <a:solidFill>
                     <a:srgbClr val="000000"/>
                   </a:solidFill>
@@ -3292,7 +3292,7 @@
             </a:ln>
             <a:extLst>
               <a:ext uri="{91240B29-F687-4f45-9708-019B960494DF}">
-                <a14:hiddenLine xmlns="" xmlns:a14="http://schemas.microsoft.com/office/drawing/2010/main" w="9525">
+                <a14:hiddenLine xmlns:a14="http://schemas.microsoft.com/office/drawing/2010/main" xmlns="" w="9525">
                   <a:solidFill>
                     <a:srgbClr val="000000"/>
                   </a:solidFill>
@@ -3382,7 +3382,7 @@
             </a:ln>
             <a:extLst>
               <a:ext uri="{91240B29-F687-4f45-9708-019B960494DF}">
-                <a14:hiddenLine xmlns="" xmlns:a14="http://schemas.microsoft.com/office/drawing/2010/main" w="9525">
+                <a14:hiddenLine xmlns:a14="http://schemas.microsoft.com/office/drawing/2010/main" xmlns="" w="9525">
                   <a:solidFill>
                     <a:srgbClr val="000000"/>
                   </a:solidFill>
@@ -3444,7 +3444,7 @@
             </a:ln>
             <a:extLst>
               <a:ext uri="{91240B29-F687-4f45-9708-019B960494DF}">
-                <a14:hiddenLine xmlns="" xmlns:a14="http://schemas.microsoft.com/office/drawing/2010/main" w="9525">
+                <a14:hiddenLine xmlns:a14="http://schemas.microsoft.com/office/drawing/2010/main" xmlns="" w="9525">
                   <a:solidFill>
                     <a:srgbClr val="000000"/>
                   </a:solidFill>
@@ -3534,7 +3534,7 @@
             </a:ln>
             <a:extLst>
               <a:ext uri="{91240B29-F687-4f45-9708-019B960494DF}">
-                <a14:hiddenLine xmlns="" xmlns:a14="http://schemas.microsoft.com/office/drawing/2010/main" w="9525">
+                <a14:hiddenLine xmlns:a14="http://schemas.microsoft.com/office/drawing/2010/main" xmlns="" w="9525">
                   <a:solidFill>
                     <a:srgbClr val="000000"/>
                   </a:solidFill>
@@ -3624,7 +3624,7 @@
             </a:ln>
             <a:extLst>
               <a:ext uri="{91240B29-F687-4f45-9708-019B960494DF}">
-                <a14:hiddenLine xmlns="" xmlns:a14="http://schemas.microsoft.com/office/drawing/2010/main" w="9525">
+                <a14:hiddenLine xmlns:a14="http://schemas.microsoft.com/office/drawing/2010/main" xmlns="" w="9525">
                   <a:solidFill>
                     <a:srgbClr val="000000"/>
                   </a:solidFill>
@@ -3689,7 +3689,7 @@
             </a:ln>
             <a:extLst>
               <a:ext uri="{91240B29-F687-4f45-9708-019B960494DF}">
-                <a14:hiddenLine xmlns="" xmlns:a14="http://schemas.microsoft.com/office/drawing/2010/main" w="9525">
+                <a14:hiddenLine xmlns:a14="http://schemas.microsoft.com/office/drawing/2010/main" xmlns="" w="9525">
                   <a:solidFill>
                     <a:srgbClr val="000000"/>
                   </a:solidFill>
@@ -3751,7 +3751,7 @@
             </a:ln>
             <a:extLst>
               <a:ext uri="{91240B29-F687-4f45-9708-019B960494DF}">
-                <a14:hiddenLine xmlns="" xmlns:a14="http://schemas.microsoft.com/office/drawing/2010/main" w="9525">
+                <a14:hiddenLine xmlns:a14="http://schemas.microsoft.com/office/drawing/2010/main" xmlns="" w="9525">
                   <a:solidFill>
                     <a:srgbClr val="000000"/>
                   </a:solidFill>
@@ -3841,7 +3841,7 @@
             </a:ln>
             <a:extLst>
               <a:ext uri="{91240B29-F687-4f45-9708-019B960494DF}">
-                <a14:hiddenLine xmlns="" xmlns:a14="http://schemas.microsoft.com/office/drawing/2010/main" w="9525">
+                <a14:hiddenLine xmlns:a14="http://schemas.microsoft.com/office/drawing/2010/main" xmlns="" w="9525">
                   <a:solidFill>
                     <a:srgbClr val="000000"/>
                   </a:solidFill>
@@ -3931,7 +3931,7 @@
             </a:ln>
             <a:extLst>
               <a:ext uri="{91240B29-F687-4f45-9708-019B960494DF}">
-                <a14:hiddenLine xmlns="" xmlns:a14="http://schemas.microsoft.com/office/drawing/2010/main" w="9525">
+                <a14:hiddenLine xmlns:a14="http://schemas.microsoft.com/office/drawing/2010/main" xmlns="" w="9525">
                   <a:solidFill>
                     <a:srgbClr val="000000"/>
                   </a:solidFill>
@@ -3993,7 +3993,7 @@
             </a:ln>
             <a:extLst>
               <a:ext uri="{91240B29-F687-4f45-9708-019B960494DF}">
-                <a14:hiddenLine xmlns="" xmlns:a14="http://schemas.microsoft.com/office/drawing/2010/main" w="9525">
+                <a14:hiddenLine xmlns:a14="http://schemas.microsoft.com/office/drawing/2010/main" xmlns="" w="9525">
                   <a:solidFill>
                     <a:srgbClr val="000000"/>
                   </a:solidFill>
@@ -4113,7 +4113,7 @@
             </a:ln>
             <a:extLst>
               <a:ext uri="{91240B29-F687-4f45-9708-019B960494DF}">
-                <a14:hiddenLine xmlns="" xmlns:a14="http://schemas.microsoft.com/office/drawing/2010/main" w="9525">
+                <a14:hiddenLine xmlns:a14="http://schemas.microsoft.com/office/drawing/2010/main" xmlns="" w="9525">
                   <a:solidFill>
                     <a:srgbClr val="000000"/>
                   </a:solidFill>
@@ -4181,7 +4181,7 @@
             </a:ln>
             <a:extLst>
               <a:ext uri="{91240B29-F687-4f45-9708-019B960494DF}">
-                <a14:hiddenLine xmlns="" xmlns:a14="http://schemas.microsoft.com/office/drawing/2010/main" w="9525">
+                <a14:hiddenLine xmlns:a14="http://schemas.microsoft.com/office/drawing/2010/main" xmlns="" w="9525">
                   <a:solidFill>
                     <a:srgbClr val="000000"/>
                   </a:solidFill>
@@ -4271,7 +4271,7 @@
             </a:ln>
             <a:extLst>
               <a:ext uri="{91240B29-F687-4f45-9708-019B960494DF}">
-                <a14:hiddenLine xmlns="" xmlns:a14="http://schemas.microsoft.com/office/drawing/2010/main" w="9525">
+                <a14:hiddenLine xmlns:a14="http://schemas.microsoft.com/office/drawing/2010/main" xmlns="" w="9525">
                   <a:solidFill>
                     <a:srgbClr val="000000"/>
                   </a:solidFill>
@@ -9073,7 +9073,7 @@
           <a:noFill/>
           <a:extLst>
             <a:ext uri="{909E8E84-426E-40dd-AFC4-6F175D3DCCD1}">
-              <a14:hiddenFill xmlns="" xmlns:a14="http://schemas.microsoft.com/office/drawing/2010/main">
+              <a14:hiddenFill xmlns:a14="http://schemas.microsoft.com/office/drawing/2010/main" xmlns="">
                 <a:solidFill>
                   <a:srgbClr val="FFFFFF"/>
                 </a:solidFill>
@@ -9147,7 +9147,7 @@
               </a:ln>
               <a:extLst>
                 <a:ext uri="{91240B29-F687-4f45-9708-019B960494DF}">
-                  <a14:hiddenLine xmlns="" xmlns:a14="http://schemas.microsoft.com/office/drawing/2010/main" w="9525">
+                  <a14:hiddenLine xmlns:a14="http://schemas.microsoft.com/office/drawing/2010/main" xmlns="" w="9525">
                     <a:solidFill>
                       <a:srgbClr val="000000"/>
                     </a:solidFill>
@@ -9237,7 +9237,7 @@
               </a:ln>
               <a:extLst>
                 <a:ext uri="{91240B29-F687-4f45-9708-019B960494DF}">
-                  <a14:hiddenLine xmlns="" xmlns:a14="http://schemas.microsoft.com/office/drawing/2010/main" w="9525">
+                  <a14:hiddenLine xmlns:a14="http://schemas.microsoft.com/office/drawing/2010/main" xmlns="" w="9525">
                     <a:solidFill>
                       <a:srgbClr val="000000"/>
                     </a:solidFill>
@@ -9327,7 +9327,7 @@
               </a:ln>
               <a:extLst>
                 <a:ext uri="{91240B29-F687-4f45-9708-019B960494DF}">
-                  <a14:hiddenLine xmlns="" xmlns:a14="http://schemas.microsoft.com/office/drawing/2010/main" w="9525">
+                  <a14:hiddenLine xmlns:a14="http://schemas.microsoft.com/office/drawing/2010/main" xmlns="" w="9525">
                     <a:solidFill>
                       <a:srgbClr val="000000"/>
                     </a:solidFill>
@@ -9389,7 +9389,7 @@
               </a:ln>
               <a:extLst>
                 <a:ext uri="{91240B29-F687-4f45-9708-019B960494DF}">
-                  <a14:hiddenLine xmlns="" xmlns:a14="http://schemas.microsoft.com/office/drawing/2010/main" w="9525">
+                  <a14:hiddenLine xmlns:a14="http://schemas.microsoft.com/office/drawing/2010/main" xmlns="" w="9525">
                     <a:solidFill>
                       <a:srgbClr val="000000"/>
                     </a:solidFill>
@@ -9479,7 +9479,7 @@
               </a:ln>
               <a:extLst>
                 <a:ext uri="{91240B29-F687-4f45-9708-019B960494DF}">
-                  <a14:hiddenLine xmlns="" xmlns:a14="http://schemas.microsoft.com/office/drawing/2010/main" w="9525">
+                  <a14:hiddenLine xmlns:a14="http://schemas.microsoft.com/office/drawing/2010/main" xmlns="" w="9525">
                     <a:solidFill>
                       <a:srgbClr val="000000"/>
                     </a:solidFill>
@@ -9541,7 +9541,7 @@
               </a:ln>
               <a:extLst>
                 <a:ext uri="{91240B29-F687-4f45-9708-019B960494DF}">
-                  <a14:hiddenLine xmlns="" xmlns:a14="http://schemas.microsoft.com/office/drawing/2010/main" w="9525">
+                  <a14:hiddenLine xmlns:a14="http://schemas.microsoft.com/office/drawing/2010/main" xmlns="" w="9525">
                     <a:solidFill>
                       <a:srgbClr val="000000"/>
                     </a:solidFill>
@@ -9603,7 +9603,7 @@
               </a:ln>
               <a:extLst>
                 <a:ext uri="{91240B29-F687-4f45-9708-019B960494DF}">
-                  <a14:hiddenLine xmlns="" xmlns:a14="http://schemas.microsoft.com/office/drawing/2010/main" w="9525">
+                  <a14:hiddenLine xmlns:a14="http://schemas.microsoft.com/office/drawing/2010/main" xmlns="" w="9525">
                     <a:solidFill>
                       <a:srgbClr val="000000"/>
                     </a:solidFill>
@@ -9693,7 +9693,7 @@
               </a:ln>
               <a:extLst>
                 <a:ext uri="{91240B29-F687-4f45-9708-019B960494DF}">
-                  <a14:hiddenLine xmlns="" xmlns:a14="http://schemas.microsoft.com/office/drawing/2010/main" w="9525">
+                  <a14:hiddenLine xmlns:a14="http://schemas.microsoft.com/office/drawing/2010/main" xmlns="" w="9525">
                     <a:solidFill>
                       <a:srgbClr val="000000"/>
                     </a:solidFill>
@@ -9783,7 +9783,7 @@
               </a:ln>
               <a:extLst>
                 <a:ext uri="{91240B29-F687-4f45-9708-019B960494DF}">
-                  <a14:hiddenLine xmlns="" xmlns:a14="http://schemas.microsoft.com/office/drawing/2010/main" w="9525">
+                  <a14:hiddenLine xmlns:a14="http://schemas.microsoft.com/office/drawing/2010/main" xmlns="" w="9525">
                     <a:solidFill>
                       <a:srgbClr val="000000"/>
                     </a:solidFill>
@@ -9845,7 +9845,7 @@
               </a:ln>
               <a:extLst>
                 <a:ext uri="{91240B29-F687-4f45-9708-019B960494DF}">
-                  <a14:hiddenLine xmlns="" xmlns:a14="http://schemas.microsoft.com/office/drawing/2010/main" w="9525">
+                  <a14:hiddenLine xmlns:a14="http://schemas.microsoft.com/office/drawing/2010/main" xmlns="" w="9525">
                     <a:solidFill>
                       <a:srgbClr val="000000"/>
                     </a:solidFill>
@@ -9955,7 +9955,7 @@
               </a:ln>
               <a:extLst>
                 <a:ext uri="{91240B29-F687-4f45-9708-019B960494DF}">
-                  <a14:hiddenLine xmlns="" xmlns:a14="http://schemas.microsoft.com/office/drawing/2010/main" w="9525">
+                  <a14:hiddenLine xmlns:a14="http://schemas.microsoft.com/office/drawing/2010/main" xmlns="" w="9525">
                     <a:solidFill>
                       <a:srgbClr val="000000"/>
                     </a:solidFill>
@@ -10039,7 +10039,7 @@
               </a:ln>
               <a:extLst>
                 <a:ext uri="{91240B29-F687-4f45-9708-019B960494DF}">
-                  <a14:hiddenLine xmlns="" xmlns:a14="http://schemas.microsoft.com/office/drawing/2010/main" w="9525">
+                  <a14:hiddenLine xmlns:a14="http://schemas.microsoft.com/office/drawing/2010/main" xmlns="" w="9525">
                     <a:solidFill>
                       <a:srgbClr val="000000"/>
                     </a:solidFill>
@@ -10101,7 +10101,7 @@
               </a:ln>
               <a:extLst>
                 <a:ext uri="{91240B29-F687-4f45-9708-019B960494DF}">
-                  <a14:hiddenLine xmlns="" xmlns:a14="http://schemas.microsoft.com/office/drawing/2010/main" w="9525">
+                  <a14:hiddenLine xmlns:a14="http://schemas.microsoft.com/office/drawing/2010/main" xmlns="" w="9525">
                     <a:solidFill>
                       <a:srgbClr val="000000"/>
                     </a:solidFill>
@@ -10163,7 +10163,7 @@
               </a:ln>
               <a:extLst>
                 <a:ext uri="{91240B29-F687-4f45-9708-019B960494DF}">
-                  <a14:hiddenLine xmlns="" xmlns:a14="http://schemas.microsoft.com/office/drawing/2010/main" w="9525">
+                  <a14:hiddenLine xmlns:a14="http://schemas.microsoft.com/office/drawing/2010/main" xmlns="" w="9525">
                     <a:solidFill>
                       <a:srgbClr val="000000"/>
                     </a:solidFill>
@@ -10253,7 +10253,7 @@
               </a:ln>
               <a:extLst>
                 <a:ext uri="{91240B29-F687-4f45-9708-019B960494DF}">
-                  <a14:hiddenLine xmlns="" xmlns:a14="http://schemas.microsoft.com/office/drawing/2010/main" w="9525">
+                  <a14:hiddenLine xmlns:a14="http://schemas.microsoft.com/office/drawing/2010/main" xmlns="" w="9525">
                     <a:solidFill>
                       <a:srgbClr val="000000"/>
                     </a:solidFill>
@@ -10287,7 +10287,7 @@
               </a:ln>
               <a:extLst>
                 <a:ext uri="{91240B29-F687-4f45-9708-019B960494DF}">
-                  <a14:hiddenLine xmlns="" xmlns:a14="http://schemas.microsoft.com/office/drawing/2010/main" w="9525">
+                  <a14:hiddenLine xmlns:a14="http://schemas.microsoft.com/office/drawing/2010/main" xmlns="" w="9525">
                     <a:solidFill>
                       <a:srgbClr val="000000"/>
                     </a:solidFill>
@@ -10352,7 +10352,7 @@
               </a:ln>
               <a:extLst>
                 <a:ext uri="{91240B29-F687-4f45-9708-019B960494DF}">
-                  <a14:hiddenLine xmlns="" xmlns:a14="http://schemas.microsoft.com/office/drawing/2010/main" w="9525">
+                  <a14:hiddenLine xmlns:a14="http://schemas.microsoft.com/office/drawing/2010/main" xmlns="" w="9525">
                     <a:solidFill>
                       <a:srgbClr val="000000"/>
                     </a:solidFill>
@@ -10442,7 +10442,7 @@
               </a:ln>
               <a:extLst>
                 <a:ext uri="{91240B29-F687-4f45-9708-019B960494DF}">
-                  <a14:hiddenLine xmlns="" xmlns:a14="http://schemas.microsoft.com/office/drawing/2010/main" w="9525">
+                  <a14:hiddenLine xmlns:a14="http://schemas.microsoft.com/office/drawing/2010/main" xmlns="" w="9525">
                     <a:solidFill>
                       <a:srgbClr val="000000"/>
                     </a:solidFill>
@@ -10504,7 +10504,7 @@
               </a:ln>
               <a:extLst>
                 <a:ext uri="{91240B29-F687-4f45-9708-019B960494DF}">
-                  <a14:hiddenLine xmlns="" xmlns:a14="http://schemas.microsoft.com/office/drawing/2010/main" w="9525">
+                  <a14:hiddenLine xmlns:a14="http://schemas.microsoft.com/office/drawing/2010/main" xmlns="" w="9525">
                     <a:solidFill>
                       <a:srgbClr val="000000"/>
                     </a:solidFill>
@@ -10594,7 +10594,7 @@
               </a:ln>
               <a:extLst>
                 <a:ext uri="{91240B29-F687-4f45-9708-019B960494DF}">
-                  <a14:hiddenLine xmlns="" xmlns:a14="http://schemas.microsoft.com/office/drawing/2010/main" w="9525">
+                  <a14:hiddenLine xmlns:a14="http://schemas.microsoft.com/office/drawing/2010/main" xmlns="" w="9525">
                     <a:solidFill>
                       <a:srgbClr val="000000"/>
                     </a:solidFill>
@@ -10659,7 +10659,7 @@
               </a:ln>
               <a:extLst>
                 <a:ext uri="{91240B29-F687-4f45-9708-019B960494DF}">
-                  <a14:hiddenLine xmlns="" xmlns:a14="http://schemas.microsoft.com/office/drawing/2010/main" w="9525">
+                  <a14:hiddenLine xmlns:a14="http://schemas.microsoft.com/office/drawing/2010/main" xmlns="" w="9525">
                     <a:solidFill>
                       <a:srgbClr val="000000"/>
                     </a:solidFill>
@@ -10721,7 +10721,7 @@
               </a:ln>
               <a:extLst>
                 <a:ext uri="{91240B29-F687-4f45-9708-019B960494DF}">
-                  <a14:hiddenLine xmlns="" xmlns:a14="http://schemas.microsoft.com/office/drawing/2010/main" w="9525">
+                  <a14:hiddenLine xmlns:a14="http://schemas.microsoft.com/office/drawing/2010/main" xmlns="" w="9525">
                     <a:solidFill>
                       <a:srgbClr val="000000"/>
                     </a:solidFill>
@@ -10811,7 +10811,7 @@
               </a:ln>
               <a:extLst>
                 <a:ext uri="{91240B29-F687-4f45-9708-019B960494DF}">
-                  <a14:hiddenLine xmlns="" xmlns:a14="http://schemas.microsoft.com/office/drawing/2010/main" w="9525">
+                  <a14:hiddenLine xmlns:a14="http://schemas.microsoft.com/office/drawing/2010/main" xmlns="" w="9525">
                     <a:solidFill>
                       <a:srgbClr val="000000"/>
                     </a:solidFill>
@@ -10901,7 +10901,7 @@
               </a:ln>
               <a:extLst>
                 <a:ext uri="{91240B29-F687-4f45-9708-019B960494DF}">
-                  <a14:hiddenLine xmlns="" xmlns:a14="http://schemas.microsoft.com/office/drawing/2010/main" w="9525">
+                  <a14:hiddenLine xmlns:a14="http://schemas.microsoft.com/office/drawing/2010/main" xmlns="" w="9525">
                     <a:solidFill>
                       <a:srgbClr val="000000"/>
                     </a:solidFill>
@@ -10966,7 +10966,7 @@
               </a:ln>
               <a:extLst>
                 <a:ext uri="{91240B29-F687-4f45-9708-019B960494DF}">
-                  <a14:hiddenLine xmlns="" xmlns:a14="http://schemas.microsoft.com/office/drawing/2010/main" w="9525">
+                  <a14:hiddenLine xmlns:a14="http://schemas.microsoft.com/office/drawing/2010/main" xmlns="" w="9525">
                     <a:solidFill>
                       <a:srgbClr val="000000"/>
                     </a:solidFill>
@@ -11086,7 +11086,7 @@
               </a:ln>
               <a:extLst>
                 <a:ext uri="{91240B29-F687-4f45-9708-019B960494DF}">
-                  <a14:hiddenLine xmlns="" xmlns:a14="http://schemas.microsoft.com/office/drawing/2010/main" w="9525">
+                  <a14:hiddenLine xmlns:a14="http://schemas.microsoft.com/office/drawing/2010/main" xmlns="" w="9525">
                     <a:solidFill>
                       <a:srgbClr val="000000"/>
                     </a:solidFill>
@@ -11184,7 +11184,7 @@
               </a:ln>
               <a:extLst>
                 <a:ext uri="{91240B29-F687-4f45-9708-019B960494DF}">
-                  <a14:hiddenLine xmlns="" xmlns:a14="http://schemas.microsoft.com/office/drawing/2010/main" w="9525">
+                  <a14:hiddenLine xmlns:a14="http://schemas.microsoft.com/office/drawing/2010/main" xmlns="" w="9525">
                     <a:solidFill>
                       <a:srgbClr val="000000"/>
                     </a:solidFill>
@@ -11299,7 +11299,7 @@
               </a:ln>
               <a:extLst>
                 <a:ext uri="{91240B29-F687-4f45-9708-019B960494DF}">
-                  <a14:hiddenLine xmlns="" xmlns:a14="http://schemas.microsoft.com/office/drawing/2010/main" w="9525">
+                  <a14:hiddenLine xmlns:a14="http://schemas.microsoft.com/office/drawing/2010/main" xmlns="" w="9525">
                     <a:solidFill>
                       <a:srgbClr val="000000"/>
                     </a:solidFill>
@@ -11389,7 +11389,7 @@
               </a:ln>
               <a:extLst>
                 <a:ext uri="{91240B29-F687-4f45-9708-019B960494DF}">
-                  <a14:hiddenLine xmlns="" xmlns:a14="http://schemas.microsoft.com/office/drawing/2010/main" w="9525">
+                  <a14:hiddenLine xmlns:a14="http://schemas.microsoft.com/office/drawing/2010/main" xmlns="" w="9525">
                     <a:solidFill>
                       <a:srgbClr val="000000"/>
                     </a:solidFill>
@@ -11454,7 +11454,7 @@
               </a:ln>
               <a:extLst>
                 <a:ext uri="{91240B29-F687-4f45-9708-019B960494DF}">
-                  <a14:hiddenLine xmlns="" xmlns:a14="http://schemas.microsoft.com/office/drawing/2010/main" w="9525">
+                  <a14:hiddenLine xmlns:a14="http://schemas.microsoft.com/office/drawing/2010/main" xmlns="" w="9525">
                     <a:solidFill>
                       <a:srgbClr val="000000"/>
                     </a:solidFill>
@@ -11544,7 +11544,7 @@
               </a:ln>
               <a:extLst>
                 <a:ext uri="{91240B29-F687-4f45-9708-019B960494DF}">
-                  <a14:hiddenLine xmlns="" xmlns:a14="http://schemas.microsoft.com/office/drawing/2010/main" w="9525">
+                  <a14:hiddenLine xmlns:a14="http://schemas.microsoft.com/office/drawing/2010/main" xmlns="" w="9525">
                     <a:solidFill>
                       <a:srgbClr val="000000"/>
                     </a:solidFill>
@@ -11612,7 +11612,7 @@
               </a:ln>
               <a:extLst>
                 <a:ext uri="{91240B29-F687-4f45-9708-019B960494DF}">
-                  <a14:hiddenLine xmlns="" xmlns:a14="http://schemas.microsoft.com/office/drawing/2010/main" w="9525">
+                  <a14:hiddenLine xmlns:a14="http://schemas.microsoft.com/office/drawing/2010/main" xmlns="" w="9525">
                     <a:solidFill>
                       <a:srgbClr val="000000"/>
                     </a:solidFill>
@@ -11702,7 +11702,7 @@
               </a:ln>
               <a:extLst>
                 <a:ext uri="{91240B29-F687-4f45-9708-019B960494DF}">
-                  <a14:hiddenLine xmlns="" xmlns:a14="http://schemas.microsoft.com/office/drawing/2010/main" w="9525">
+                  <a14:hiddenLine xmlns:a14="http://schemas.microsoft.com/office/drawing/2010/main" xmlns="" w="9525">
                     <a:solidFill>
                       <a:srgbClr val="000000"/>
                     </a:solidFill>
@@ -11770,7 +11770,7 @@
               </a:ln>
               <a:extLst>
                 <a:ext uri="{91240B29-F687-4f45-9708-019B960494DF}">
-                  <a14:hiddenLine xmlns="" xmlns:a14="http://schemas.microsoft.com/office/drawing/2010/main" w="9525">
+                  <a14:hiddenLine xmlns:a14="http://schemas.microsoft.com/office/drawing/2010/main" xmlns="" w="9525">
                     <a:solidFill>
                       <a:srgbClr val="000000"/>
                     </a:solidFill>
@@ -11860,7 +11860,7 @@
               </a:ln>
               <a:extLst>
                 <a:ext uri="{91240B29-F687-4f45-9708-019B960494DF}">
-                  <a14:hiddenLine xmlns="" xmlns:a14="http://schemas.microsoft.com/office/drawing/2010/main" w="9525">
+                  <a14:hiddenLine xmlns:a14="http://schemas.microsoft.com/office/drawing/2010/main" xmlns="" w="9525">
                     <a:solidFill>
                       <a:srgbClr val="000000"/>
                     </a:solidFill>
@@ -11894,7 +11894,7 @@
               </a:ln>
               <a:extLst>
                 <a:ext uri="{91240B29-F687-4f45-9708-019B960494DF}">
-                  <a14:hiddenLine xmlns="" xmlns:a14="http://schemas.microsoft.com/office/drawing/2010/main" w="9525">
+                  <a14:hiddenLine xmlns:a14="http://schemas.microsoft.com/office/drawing/2010/main" xmlns="" w="9525">
                     <a:solidFill>
                       <a:srgbClr val="000000"/>
                     </a:solidFill>
@@ -12601,7 +12601,7 @@
           <a:p>
             <a:r>
               <a:rPr lang="pl-PL" dirty="0"/>
-              <a:t>In this assignment we had two robots that were fighting, and all of the battles were simulated, we had 1000 battles that took place. The expected result of this assignment is that we will obtain a result of two robots as they are trained so that we find out their strenghts and weeknesses.</a:t>
+              <a:t>In this assignment we had two robots that were fighting, all of the battles were simulated, we had 1000 battles that took place. The expected result of this assignment is that we will obtain a prediction of behaviour of a robot based on these battles.</a:t>
             </a:r>
           </a:p>
           <a:p>
@@ -12701,7 +12701,7 @@
         </p:spPr>
         <p:txBody>
           <a:bodyPr>
-            <a:normAutofit fontScale="77500" lnSpcReduction="20000"/>
+            <a:normAutofit fontScale="85000" lnSpcReduction="20000"/>
           </a:bodyPr>
           <a:lstStyle/>
           <a:p>
@@ -12740,17 +12740,14 @@
           <a:p>
             <a:r>
               <a:rPr lang="pl-PL" dirty="0"/>
-              <a:t>The Battlefield Parameter Evaluator creates a dataset for the robots, it created a network to be trained, it trains the dataset and does this over the sample specified, it then creates samples and evaluates them. The samples are used for plotting the graph i.e. The image at the end we obtain. In this class the image is created also.</a:t>
+              <a:t>The Battlefield Parameter Evaluator creates a dataset for the network by running sample battles, then a network is created and trained using the dataset. Then samples are created and evaluated by the neural network. The outputs given by the network are used for plotting the graph i.e. The image at the end we obtain. In this class the image is created also.</a:t>
             </a:r>
           </a:p>
           <a:p>
             <a:r>
               <a:rPr lang="pl-PL" dirty="0"/>
-              <a:t>Batlle observer is the battle listener for handing the battle events we are interested in. Whenever a battle has finished, the class provideds an output of the scores of the robots in the console. This class is also responsible for creating the battlefield as it calls the robocode library to run.</a:t>
+              <a:t>Battle observer is the battle listener for handing the battle events we are interested in. Whenever a battle has finished, the class provides an output of the scores of the robots in the console.</a:t>
             </a:r>
-          </a:p>
-          <a:p>
-            <a:endParaRPr lang="pl-PL" dirty="0"/>
           </a:p>
         </p:txBody>
       </p:sp>
@@ -12919,7 +12916,7 @@
           <a:lstStyle/>
           <a:p>
             <a:r>
-              <a:rPr lang="pl-PL"/>
+              <a:rPr lang="pl-PL" dirty="0"/>
               <a:t>Training explanation</a:t>
             </a:r>
             <a:endParaRPr lang="en-IE" dirty="0"/>
@@ -12950,7 +12947,7 @@
         </p:spPr>
         <p:txBody>
           <a:bodyPr>
-            <a:normAutofit lnSpcReduction="10000"/>
+            <a:normAutofit fontScale="85000" lnSpcReduction="20000"/>
           </a:bodyPr>
           <a:lstStyle/>
           <a:p>
@@ -12968,7 +12965,13 @@
           <a:p>
             <a:r>
               <a:rPr lang="pl-PL" dirty="0"/>
-              <a:t>The Propagation is then used to train the network that we have created and also the dataset. </a:t>
+              <a:t>Our network has one hidden layer consisting of 50 hidden units with no bias, output is a single value - normalized score of a robot.</a:t>
+            </a:r>
+          </a:p>
+          <a:p>
+            <a:r>
+              <a:rPr lang="pl-PL" dirty="0"/>
+              <a:t>The Propagation technique is then used to train the network that we have created and also the dataset. </a:t>
             </a:r>
           </a:p>
           <a:p>
@@ -13160,13 +13163,13 @@
         </p:nvSpPr>
         <p:spPr>
           <a:xfrm>
-            <a:off x="3717508" y="1684421"/>
-            <a:ext cx="4736681" cy="5024592"/>
+            <a:off x="3717508" y="1763485"/>
+            <a:ext cx="4736681" cy="4945527"/>
           </a:xfrm>
         </p:spPr>
         <p:txBody>
           <a:bodyPr>
-            <a:normAutofit/>
+            <a:normAutofit fontScale="85000" lnSpcReduction="20000"/>
           </a:bodyPr>
           <a:lstStyle/>
           <a:p>
@@ -13175,21 +13178,19 @@
           <a:p>
             <a:r>
               <a:rPr lang="pl-PL" dirty="0"/>
-              <a:t>The Results can be seen on the left, with different robots and on the right with robots from the lab, we can see the small pixels being </a:t>
+              <a:t>The brighter the pixel is, the better score should the second robot(on the left, on the right the exact opposite) achieve in a battle with corresponding configuration of battlefield size and gun cooling rate.</a:t>
             </a:r>
-            <a:r>
-              <a:rPr lang="pl-PL"/>
-              <a:t>the robots not trained properly yet.</a:t>
-            </a:r>
-          </a:p>
-          <a:p>
-            <a:r>
-              <a:rPr lang="pl-PL"/>
-              <a:t>When </a:t>
-            </a:r>
+          </a:p>
+          <a:p>
             <a:r>
               <a:rPr lang="pl-PL" dirty="0"/>
-              <a:t>the properties were made perfect  and the robots were trained the dots seem to converge on the picture as it can be seen  </a:t>
+              <a:t>We can see that based on the training data the neural network expects the second robot to achieve much better results than the first one.</a:t>
+            </a:r>
+          </a:p>
+          <a:p>
+            <a:r>
+              <a:rPr lang="pl-PL" dirty="0"/>
+              <a:t>On console we can see the set ups for who the network has been trained and also the scores of the robots in the battles with those set ups</a:t>
             </a:r>
           </a:p>
         </p:txBody>
@@ -13252,8 +13253,8 @@
         </p:blipFill>
         <p:spPr>
           <a:xfrm>
-            <a:off x="0" y="2249487"/>
-            <a:ext cx="3717508" cy="4459526"/>
+            <a:off x="0" y="2743199"/>
+            <a:ext cx="3717508" cy="3965813"/>
           </a:xfrm>
           <a:prstGeom prst="rect">
             <a:avLst/>
@@ -13288,14 +13289,109 @@
         </p:blipFill>
         <p:spPr>
           <a:xfrm>
-            <a:off x="8454189" y="2225132"/>
-            <a:ext cx="3737811" cy="4483881"/>
+            <a:off x="8454189" y="2743200"/>
+            <a:ext cx="3737811" cy="3965813"/>
           </a:xfrm>
           <a:prstGeom prst="rect">
             <a:avLst/>
           </a:prstGeom>
         </p:spPr>
       </p:pic>
+      <p:sp>
+        <p:nvSpPr>
+          <p:cNvPr id="3" name="TextBox 2">
+            <a:extLst>
+              <a:ext uri="{FF2B5EF4-FFF2-40B4-BE49-F238E27FC236}">
+                <a16:creationId xmlns:a16="http://schemas.microsoft.com/office/drawing/2014/main" id="{E644713F-E8AB-40F7-8D7E-B0B89DC5CC14}"/>
+              </a:ext>
+            </a:extLst>
+          </p:cNvPr>
+          <p:cNvSpPr txBox="1"/>
+          <p:nvPr/>
+        </p:nvSpPr>
+        <p:spPr>
+          <a:xfrm>
+            <a:off x="-1" y="2249487"/>
+            <a:ext cx="4058653" cy="338554"/>
+          </a:xfrm>
+          <a:prstGeom prst="rect">
+            <a:avLst/>
+          </a:prstGeom>
+          <a:noFill/>
+        </p:spPr>
+        <p:txBody>
+          <a:bodyPr wrap="square" rtlCol="0">
+            <a:spAutoFit/>
+          </a:bodyPr>
+          <a:lstStyle/>
+          <a:p>
+            <a:r>
+              <a:rPr lang="pl-PL" sz="1600" dirty="0">
+                <a:solidFill>
+                  <a:srgbClr val="FF0000"/>
+                </a:solidFill>
+              </a:rPr>
+              <a:t>Solution </a:t>
+            </a:r>
+            <a:r>
+              <a:rPr lang="en-GB" sz="1600" dirty="0">
+                <a:solidFill>
+                  <a:srgbClr val="FF0000"/>
+                </a:solidFill>
+              </a:rPr>
+              <a:t>after observing first robot scores</a:t>
+            </a:r>
+            <a:endParaRPr lang="en-IE" sz="1600" dirty="0">
+              <a:solidFill>
+                <a:srgbClr val="FF0000"/>
+              </a:solidFill>
+            </a:endParaRPr>
+          </a:p>
+        </p:txBody>
+      </p:sp>
+      <p:sp>
+        <p:nvSpPr>
+          <p:cNvPr id="5" name="Rectangle 4">
+            <a:extLst>
+              <a:ext uri="{FF2B5EF4-FFF2-40B4-BE49-F238E27FC236}">
+                <a16:creationId xmlns:a16="http://schemas.microsoft.com/office/drawing/2014/main" id="{E5FFEE18-FF3D-4631-92C8-68E97CC1104B}"/>
+              </a:ext>
+            </a:extLst>
+          </p:cNvPr>
+          <p:cNvSpPr/>
+          <p:nvPr/>
+        </p:nvSpPr>
+        <p:spPr>
+          <a:xfrm>
+            <a:off x="8846650" y="2311677"/>
+            <a:ext cx="2640466" cy="369332"/>
+          </a:xfrm>
+          <a:prstGeom prst="rect">
+            <a:avLst/>
+          </a:prstGeom>
+        </p:spPr>
+        <p:txBody>
+          <a:bodyPr wrap="none">
+            <a:spAutoFit/>
+          </a:bodyPr>
+          <a:lstStyle/>
+          <a:p>
+            <a:r>
+              <a:rPr lang="pl-PL" dirty="0">
+                <a:solidFill>
+                  <a:srgbClr val="FF0000"/>
+                </a:solidFill>
+              </a:rPr>
+              <a:t>Solution with current config</a:t>
+            </a:r>
+            <a:endParaRPr lang="en-IE" dirty="0">
+              <a:solidFill>
+                <a:srgbClr val="FF0000"/>
+              </a:solidFill>
+            </a:endParaRPr>
+          </a:p>
+        </p:txBody>
+      </p:sp>
     </p:spTree>
     <p:extLst>
       <p:ext uri="{BB962C8B-B14F-4D97-AF65-F5344CB8AC3E}">
@@ -13374,26 +13470,34 @@
         <p:spPr/>
         <p:txBody>
           <a:bodyPr>
-            <a:normAutofit fontScale="92500"/>
+            <a:normAutofit fontScale="92500" lnSpcReduction="10000"/>
           </a:bodyPr>
           <a:lstStyle/>
           <a:p>
             <a:r>
               <a:rPr lang="en-GB" dirty="0"/>
-              <a:t>One of the most striking facts about neural networks is that they can compute any function at all.</a:t>
+              <a:t>One of the most striking facts about neural networks is that they can </a:t>
+            </a:r>
+            <a:r>
+              <a:rPr lang="pl-PL" dirty="0"/>
+              <a:t>simulate</a:t>
+            </a:r>
+            <a:r>
+              <a:rPr lang="en-GB" dirty="0"/>
+              <a:t> any function.</a:t>
             </a:r>
             <a:endParaRPr lang="pl-PL" dirty="0"/>
           </a:p>
           <a:p>
             <a:r>
               <a:rPr lang="pl-PL" dirty="0"/>
-              <a:t>In our case we run 1000 tests on two robots, we changed the robots to see the output for two different robots.  We had obtained two images to show the result of the evaluation.aa</a:t>
+              <a:t>In our case we run 1000 tests on two robots, we changed the observed robot to see the output for two each of the battling sides.  So we had obtained two images to show the result of the evaluation.</a:t>
             </a:r>
           </a:p>
           <a:p>
             <a:r>
               <a:rPr lang="pl-PL" dirty="0"/>
-              <a:t>As expected the more trainings we had specified the better the robots became, as overtime the proporties are altered and outliers are eliminated to ge the best results.</a:t>
+              <a:t>As expected the more trainings we had specified the more precise the evaluation gets, as overtime the proporties are altered and outliers are eliminated to get the best results.</a:t>
             </a:r>
           </a:p>
           <a:p>

--- a/Presentation 3.pptx
+++ b/Presentation 3.pptx
@@ -4,6 +4,9 @@
   <p:sldMasterIdLst>
     <p:sldMasterId id="2147483660" r:id="rId1"/>
   </p:sldMasterIdLst>
+  <p:notesMasterIdLst>
+    <p:notesMasterId r:id="rId10"/>
+  </p:notesMasterIdLst>
   <p:sldIdLst>
     <p:sldId id="256" r:id="rId2"/>
     <p:sldId id="257" r:id="rId3"/>
@@ -135,6 +138,440 @@
 <p1510:revInfo xmlns:a="http://schemas.openxmlformats.org/drawingml/2006/main" xmlns:r="http://schemas.openxmlformats.org/officeDocument/2006/relationships" xmlns:p1510="http://schemas.microsoft.com/office/powerpoint/2015/10/main"/>
 </file>
 
+<file path=ppt/notesMasters/notesMaster1.xml><?xml version="1.0" encoding="utf-8"?>
+<p:notesMaster xmlns:a="http://schemas.openxmlformats.org/drawingml/2006/main" xmlns:r="http://schemas.openxmlformats.org/officeDocument/2006/relationships" xmlns:p="http://schemas.openxmlformats.org/presentationml/2006/main">
+  <p:cSld>
+    <p:bg>
+      <p:bgRef idx="1001">
+        <a:schemeClr val="bg1"/>
+      </p:bgRef>
+    </p:bg>
+    <p:spTree>
+      <p:nvGrpSpPr>
+        <p:cNvPr id="1" name=""/>
+        <p:cNvGrpSpPr/>
+        <p:nvPr/>
+      </p:nvGrpSpPr>
+      <p:grpSpPr>
+        <a:xfrm>
+          <a:off x="0" y="0"/>
+          <a:ext cx="0" cy="0"/>
+          <a:chOff x="0" y="0"/>
+          <a:chExt cx="0" cy="0"/>
+        </a:xfrm>
+      </p:grpSpPr>
+      <p:sp>
+        <p:nvSpPr>
+          <p:cNvPr id="2" name="Header Placeholder 1"/>
+          <p:cNvSpPr>
+            <a:spLocks noGrp="1"/>
+          </p:cNvSpPr>
+          <p:nvPr>
+            <p:ph type="hdr" sz="quarter"/>
+          </p:nvPr>
+        </p:nvSpPr>
+        <p:spPr>
+          <a:xfrm>
+            <a:off x="0" y="0"/>
+            <a:ext cx="2971800" cy="458788"/>
+          </a:xfrm>
+          <a:prstGeom prst="rect">
+            <a:avLst/>
+          </a:prstGeom>
+        </p:spPr>
+        <p:txBody>
+          <a:bodyPr vert="horz" lIns="91440" tIns="45720" rIns="91440" bIns="45720" rtlCol="0"/>
+          <a:lstStyle>
+            <a:lvl1pPr algn="l">
+              <a:defRPr sz="1200"/>
+            </a:lvl1pPr>
+          </a:lstStyle>
+          <a:p>
+            <a:endParaRPr lang="en-IE"/>
+          </a:p>
+        </p:txBody>
+      </p:sp>
+      <p:sp>
+        <p:nvSpPr>
+          <p:cNvPr id="3" name="Date Placeholder 2"/>
+          <p:cNvSpPr>
+            <a:spLocks noGrp="1"/>
+          </p:cNvSpPr>
+          <p:nvPr>
+            <p:ph type="dt" idx="1"/>
+          </p:nvPr>
+        </p:nvSpPr>
+        <p:spPr>
+          <a:xfrm>
+            <a:off x="3884613" y="0"/>
+            <a:ext cx="2971800" cy="458788"/>
+          </a:xfrm>
+          <a:prstGeom prst="rect">
+            <a:avLst/>
+          </a:prstGeom>
+        </p:spPr>
+        <p:txBody>
+          <a:bodyPr vert="horz" lIns="91440" tIns="45720" rIns="91440" bIns="45720" rtlCol="0"/>
+          <a:lstStyle>
+            <a:lvl1pPr algn="r">
+              <a:defRPr sz="1200"/>
+            </a:lvl1pPr>
+          </a:lstStyle>
+          <a:p>
+            <a:fld id="{F85FF508-DDB5-4C37-9D6E-3EBB18A03910}" type="datetimeFigureOut">
+              <a:rPr lang="en-IE" smtClean="0"/>
+              <a:t>08/06/2018</a:t>
+            </a:fld>
+            <a:endParaRPr lang="en-IE"/>
+          </a:p>
+        </p:txBody>
+      </p:sp>
+      <p:sp>
+        <p:nvSpPr>
+          <p:cNvPr id="4" name="Slide Image Placeholder 3"/>
+          <p:cNvSpPr>
+            <a:spLocks noGrp="1" noRot="1" noChangeAspect="1"/>
+          </p:cNvSpPr>
+          <p:nvPr>
+            <p:ph type="sldImg" idx="2"/>
+          </p:nvPr>
+        </p:nvSpPr>
+        <p:spPr>
+          <a:xfrm>
+            <a:off x="685800" y="1143000"/>
+            <a:ext cx="5486400" cy="3086100"/>
+          </a:xfrm>
+          <a:prstGeom prst="rect">
+            <a:avLst/>
+          </a:prstGeom>
+          <a:noFill/>
+          <a:ln w="12700">
+            <a:solidFill>
+              <a:prstClr val="black"/>
+            </a:solidFill>
+          </a:ln>
+        </p:spPr>
+        <p:txBody>
+          <a:bodyPr vert="horz" lIns="91440" tIns="45720" rIns="91440" bIns="45720" rtlCol="0" anchor="ctr"/>
+          <a:lstStyle/>
+          <a:p>
+            <a:endParaRPr lang="en-IE"/>
+          </a:p>
+        </p:txBody>
+      </p:sp>
+      <p:sp>
+        <p:nvSpPr>
+          <p:cNvPr id="5" name="Notes Placeholder 4"/>
+          <p:cNvSpPr>
+            <a:spLocks noGrp="1"/>
+          </p:cNvSpPr>
+          <p:nvPr>
+            <p:ph type="body" sz="quarter" idx="3"/>
+          </p:nvPr>
+        </p:nvSpPr>
+        <p:spPr>
+          <a:xfrm>
+            <a:off x="685800" y="4400550"/>
+            <a:ext cx="5486400" cy="3600450"/>
+          </a:xfrm>
+          <a:prstGeom prst="rect">
+            <a:avLst/>
+          </a:prstGeom>
+        </p:spPr>
+        <p:txBody>
+          <a:bodyPr vert="horz" lIns="91440" tIns="45720" rIns="91440" bIns="45720" rtlCol="0"/>
+          <a:lstStyle/>
+          <a:p>
+            <a:pPr lvl="0"/>
+            <a:r>
+              <a:rPr lang="en-US"/>
+              <a:t>Edit Master text styles</a:t>
+            </a:r>
+          </a:p>
+          <a:p>
+            <a:pPr lvl="1"/>
+            <a:r>
+              <a:rPr lang="en-US"/>
+              <a:t>Second level</a:t>
+            </a:r>
+          </a:p>
+          <a:p>
+            <a:pPr lvl="2"/>
+            <a:r>
+              <a:rPr lang="en-US"/>
+              <a:t>Third level</a:t>
+            </a:r>
+          </a:p>
+          <a:p>
+            <a:pPr lvl="3"/>
+            <a:r>
+              <a:rPr lang="en-US"/>
+              <a:t>Fourth level</a:t>
+            </a:r>
+          </a:p>
+          <a:p>
+            <a:pPr lvl="4"/>
+            <a:r>
+              <a:rPr lang="en-US"/>
+              <a:t>Fifth level</a:t>
+            </a:r>
+            <a:endParaRPr lang="en-IE"/>
+          </a:p>
+        </p:txBody>
+      </p:sp>
+      <p:sp>
+        <p:nvSpPr>
+          <p:cNvPr id="6" name="Footer Placeholder 5"/>
+          <p:cNvSpPr>
+            <a:spLocks noGrp="1"/>
+          </p:cNvSpPr>
+          <p:nvPr>
+            <p:ph type="ftr" sz="quarter" idx="4"/>
+          </p:nvPr>
+        </p:nvSpPr>
+        <p:spPr>
+          <a:xfrm>
+            <a:off x="0" y="8685213"/>
+            <a:ext cx="2971800" cy="458787"/>
+          </a:xfrm>
+          <a:prstGeom prst="rect">
+            <a:avLst/>
+          </a:prstGeom>
+        </p:spPr>
+        <p:txBody>
+          <a:bodyPr vert="horz" lIns="91440" tIns="45720" rIns="91440" bIns="45720" rtlCol="0" anchor="b"/>
+          <a:lstStyle>
+            <a:lvl1pPr algn="l">
+              <a:defRPr sz="1200"/>
+            </a:lvl1pPr>
+          </a:lstStyle>
+          <a:p>
+            <a:endParaRPr lang="en-IE"/>
+          </a:p>
+        </p:txBody>
+      </p:sp>
+      <p:sp>
+        <p:nvSpPr>
+          <p:cNvPr id="7" name="Slide Number Placeholder 6"/>
+          <p:cNvSpPr>
+            <a:spLocks noGrp="1"/>
+          </p:cNvSpPr>
+          <p:nvPr>
+            <p:ph type="sldNum" sz="quarter" idx="5"/>
+          </p:nvPr>
+        </p:nvSpPr>
+        <p:spPr>
+          <a:xfrm>
+            <a:off x="3884613" y="8685213"/>
+            <a:ext cx="2971800" cy="458787"/>
+          </a:xfrm>
+          <a:prstGeom prst="rect">
+            <a:avLst/>
+          </a:prstGeom>
+        </p:spPr>
+        <p:txBody>
+          <a:bodyPr vert="horz" lIns="91440" tIns="45720" rIns="91440" bIns="45720" rtlCol="0" anchor="b"/>
+          <a:lstStyle>
+            <a:lvl1pPr algn="r">
+              <a:defRPr sz="1200"/>
+            </a:lvl1pPr>
+          </a:lstStyle>
+          <a:p>
+            <a:fld id="{66CAFAC6-2555-49B1-A953-9ECF9545D860}" type="slidenum">
+              <a:rPr lang="en-IE" smtClean="0"/>
+              <a:t>‹#›</a:t>
+            </a:fld>
+            <a:endParaRPr lang="en-IE"/>
+          </a:p>
+        </p:txBody>
+      </p:sp>
+    </p:spTree>
+    <p:extLst>
+      <p:ext uri="{BB962C8B-B14F-4D97-AF65-F5344CB8AC3E}">
+        <p14:creationId xmlns:p14="http://schemas.microsoft.com/office/powerpoint/2010/main" val="1451968772"/>
+      </p:ext>
+    </p:extLst>
+  </p:cSld>
+  <p:clrMap bg1="lt1" tx1="dk1" bg2="lt2" tx2="dk2" accent1="accent1" accent2="accent2" accent3="accent3" accent4="accent4" accent5="accent5" accent6="accent6" hlink="hlink" folHlink="folHlink"/>
+  <p:notesStyle>
+    <a:lvl1pPr marL="0" algn="l" defTabSz="914400" rtl="0" eaLnBrk="1" latinLnBrk="0" hangingPunct="1">
+      <a:defRPr sz="1200" kern="1200">
+        <a:solidFill>
+          <a:schemeClr val="tx1"/>
+        </a:solidFill>
+        <a:latin typeface="+mn-lt"/>
+        <a:ea typeface="+mn-ea"/>
+        <a:cs typeface="+mn-cs"/>
+      </a:defRPr>
+    </a:lvl1pPr>
+    <a:lvl2pPr marL="457200" algn="l" defTabSz="914400" rtl="0" eaLnBrk="1" latinLnBrk="0" hangingPunct="1">
+      <a:defRPr sz="1200" kern="1200">
+        <a:solidFill>
+          <a:schemeClr val="tx1"/>
+        </a:solidFill>
+        <a:latin typeface="+mn-lt"/>
+        <a:ea typeface="+mn-ea"/>
+        <a:cs typeface="+mn-cs"/>
+      </a:defRPr>
+    </a:lvl2pPr>
+    <a:lvl3pPr marL="914400" algn="l" defTabSz="914400" rtl="0" eaLnBrk="1" latinLnBrk="0" hangingPunct="1">
+      <a:defRPr sz="1200" kern="1200">
+        <a:solidFill>
+          <a:schemeClr val="tx1"/>
+        </a:solidFill>
+        <a:latin typeface="+mn-lt"/>
+        <a:ea typeface="+mn-ea"/>
+        <a:cs typeface="+mn-cs"/>
+      </a:defRPr>
+    </a:lvl3pPr>
+    <a:lvl4pPr marL="1371600" algn="l" defTabSz="914400" rtl="0" eaLnBrk="1" latinLnBrk="0" hangingPunct="1">
+      <a:defRPr sz="1200" kern="1200">
+        <a:solidFill>
+          <a:schemeClr val="tx1"/>
+        </a:solidFill>
+        <a:latin typeface="+mn-lt"/>
+        <a:ea typeface="+mn-ea"/>
+        <a:cs typeface="+mn-cs"/>
+      </a:defRPr>
+    </a:lvl4pPr>
+    <a:lvl5pPr marL="1828800" algn="l" defTabSz="914400" rtl="0" eaLnBrk="1" latinLnBrk="0" hangingPunct="1">
+      <a:defRPr sz="1200" kern="1200">
+        <a:solidFill>
+          <a:schemeClr val="tx1"/>
+        </a:solidFill>
+        <a:latin typeface="+mn-lt"/>
+        <a:ea typeface="+mn-ea"/>
+        <a:cs typeface="+mn-cs"/>
+      </a:defRPr>
+    </a:lvl5pPr>
+    <a:lvl6pPr marL="2286000" algn="l" defTabSz="914400" rtl="0" eaLnBrk="1" latinLnBrk="0" hangingPunct="1">
+      <a:defRPr sz="1200" kern="1200">
+        <a:solidFill>
+          <a:schemeClr val="tx1"/>
+        </a:solidFill>
+        <a:latin typeface="+mn-lt"/>
+        <a:ea typeface="+mn-ea"/>
+        <a:cs typeface="+mn-cs"/>
+      </a:defRPr>
+    </a:lvl6pPr>
+    <a:lvl7pPr marL="2743200" algn="l" defTabSz="914400" rtl="0" eaLnBrk="1" latinLnBrk="0" hangingPunct="1">
+      <a:defRPr sz="1200" kern="1200">
+        <a:solidFill>
+          <a:schemeClr val="tx1"/>
+        </a:solidFill>
+        <a:latin typeface="+mn-lt"/>
+        <a:ea typeface="+mn-ea"/>
+        <a:cs typeface="+mn-cs"/>
+      </a:defRPr>
+    </a:lvl7pPr>
+    <a:lvl8pPr marL="3200400" algn="l" defTabSz="914400" rtl="0" eaLnBrk="1" latinLnBrk="0" hangingPunct="1">
+      <a:defRPr sz="1200" kern="1200">
+        <a:solidFill>
+          <a:schemeClr val="tx1"/>
+        </a:solidFill>
+        <a:latin typeface="+mn-lt"/>
+        <a:ea typeface="+mn-ea"/>
+        <a:cs typeface="+mn-cs"/>
+      </a:defRPr>
+    </a:lvl8pPr>
+    <a:lvl9pPr marL="3657600" algn="l" defTabSz="914400" rtl="0" eaLnBrk="1" latinLnBrk="0" hangingPunct="1">
+      <a:defRPr sz="1200" kern="1200">
+        <a:solidFill>
+          <a:schemeClr val="tx1"/>
+        </a:solidFill>
+        <a:latin typeface="+mn-lt"/>
+        <a:ea typeface="+mn-ea"/>
+        <a:cs typeface="+mn-cs"/>
+      </a:defRPr>
+    </a:lvl9pPr>
+  </p:notesStyle>
+</p:notesMaster>
+</file>
+
+<file path=ppt/notesSlides/notesSlide1.xml><?xml version="1.0" encoding="utf-8"?>
+<p:notes xmlns:a="http://schemas.openxmlformats.org/drawingml/2006/main" xmlns:r="http://schemas.openxmlformats.org/officeDocument/2006/relationships" xmlns:p="http://schemas.openxmlformats.org/presentationml/2006/main">
+  <p:cSld>
+    <p:spTree>
+      <p:nvGrpSpPr>
+        <p:cNvPr id="1" name=""/>
+        <p:cNvGrpSpPr/>
+        <p:nvPr/>
+      </p:nvGrpSpPr>
+      <p:grpSpPr>
+        <a:xfrm>
+          <a:off x="0" y="0"/>
+          <a:ext cx="0" cy="0"/>
+          <a:chOff x="0" y="0"/>
+          <a:chExt cx="0" cy="0"/>
+        </a:xfrm>
+      </p:grpSpPr>
+      <p:sp>
+        <p:nvSpPr>
+          <p:cNvPr id="2" name="Slide Image Placeholder 1"/>
+          <p:cNvSpPr>
+            <a:spLocks noGrp="1" noRot="1" noChangeAspect="1"/>
+          </p:cNvSpPr>
+          <p:nvPr>
+            <p:ph type="sldImg"/>
+          </p:nvPr>
+        </p:nvSpPr>
+        <p:spPr/>
+      </p:sp>
+      <p:sp>
+        <p:nvSpPr>
+          <p:cNvPr id="3" name="Notes Placeholder 2"/>
+          <p:cNvSpPr>
+            <a:spLocks noGrp="1"/>
+          </p:cNvSpPr>
+          <p:nvPr>
+            <p:ph type="body" idx="1"/>
+          </p:nvPr>
+        </p:nvSpPr>
+        <p:spPr/>
+        <p:txBody>
+          <a:bodyPr/>
+          <a:lstStyle/>
+          <a:p>
+            <a:endParaRPr lang="en-IE" dirty="0"/>
+          </a:p>
+        </p:txBody>
+      </p:sp>
+      <p:sp>
+        <p:nvSpPr>
+          <p:cNvPr id="4" name="Slide Number Placeholder 3"/>
+          <p:cNvSpPr>
+            <a:spLocks noGrp="1"/>
+          </p:cNvSpPr>
+          <p:nvPr>
+            <p:ph type="sldNum" sz="quarter" idx="10"/>
+          </p:nvPr>
+        </p:nvSpPr>
+        <p:spPr/>
+        <p:txBody>
+          <a:bodyPr/>
+          <a:lstStyle/>
+          <a:p>
+            <a:fld id="{66CAFAC6-2555-49B1-A953-9ECF9545D860}" type="slidenum">
+              <a:rPr lang="en-IE" smtClean="0"/>
+              <a:t>7</a:t>
+            </a:fld>
+            <a:endParaRPr lang="en-IE"/>
+          </a:p>
+        </p:txBody>
+      </p:sp>
+    </p:spTree>
+    <p:extLst>
+      <p:ext uri="{BB962C8B-B14F-4D97-AF65-F5344CB8AC3E}">
+        <p14:creationId xmlns:p14="http://schemas.microsoft.com/office/powerpoint/2010/main" val="2134496635"/>
+      </p:ext>
+    </p:extLst>
+  </p:cSld>
+  <p:clrMapOvr>
+    <a:masterClrMapping/>
+  </p:clrMapOvr>
+</p:notes>
+</file>
+
 <file path=ppt/slideLayouts/slideLayout1.xml><?xml version="1.0" encoding="utf-8"?>
 <p:sldLayout xmlns:a="http://schemas.openxmlformats.org/drawingml/2006/main" xmlns:r="http://schemas.openxmlformats.org/officeDocument/2006/relationships" xmlns:p="http://schemas.openxmlformats.org/presentationml/2006/main" showMasterSp="0" type="title" preserve="1">
   <p:cSld name="Title Slide">
@@ -185,7 +622,7 @@
           <a:noFill/>
           <a:extLst>
             <a:ext uri="{909E8E84-426E-40dd-AFC4-6F175D3DCCD1}">
-              <a14:hiddenFill xmlns:a14="http://schemas.microsoft.com/office/drawing/2010/main" xmlns="">
+              <a14:hiddenFill xmlns="" xmlns:a14="http://schemas.microsoft.com/office/drawing/2010/main">
                 <a:solidFill>
                   <a:srgbClr val="FFFFFF"/>
                 </a:solidFill>
@@ -245,7 +682,7 @@
             </a:ln>
             <a:extLst>
               <a:ext uri="{91240B29-F687-4f45-9708-019B960494DF}">
-                <a14:hiddenLine xmlns:a14="http://schemas.microsoft.com/office/drawing/2010/main" xmlns="" w="9525">
+                <a14:hiddenLine xmlns="" xmlns:a14="http://schemas.microsoft.com/office/drawing/2010/main" w="9525">
                   <a:solidFill>
                     <a:srgbClr val="000000"/>
                   </a:solidFill>
@@ -335,7 +772,7 @@
             </a:ln>
             <a:extLst>
               <a:ext uri="{91240B29-F687-4f45-9708-019B960494DF}">
-                <a14:hiddenLine xmlns:a14="http://schemas.microsoft.com/office/drawing/2010/main" xmlns="" w="9525">
+                <a14:hiddenLine xmlns="" xmlns:a14="http://schemas.microsoft.com/office/drawing/2010/main" w="9525">
                   <a:solidFill>
                     <a:srgbClr val="000000"/>
                   </a:solidFill>
@@ -425,7 +862,7 @@
             </a:ln>
             <a:extLst>
               <a:ext uri="{91240B29-F687-4f45-9708-019B960494DF}">
-                <a14:hiddenLine xmlns:a14="http://schemas.microsoft.com/office/drawing/2010/main" xmlns="" w="9525">
+                <a14:hiddenLine xmlns="" xmlns:a14="http://schemas.microsoft.com/office/drawing/2010/main" w="9525">
                   <a:solidFill>
                     <a:srgbClr val="000000"/>
                   </a:solidFill>
@@ -459,7 +896,7 @@
             </a:ln>
             <a:extLst>
               <a:ext uri="{91240B29-F687-4f45-9708-019B960494DF}">
-                <a14:hiddenLine xmlns:a14="http://schemas.microsoft.com/office/drawing/2010/main" xmlns="" w="9525">
+                <a14:hiddenLine xmlns="" xmlns:a14="http://schemas.microsoft.com/office/drawing/2010/main" w="9525">
                   <a:solidFill>
                     <a:srgbClr val="000000"/>
                   </a:solidFill>
@@ -549,7 +986,7 @@
             </a:ln>
             <a:extLst>
               <a:ext uri="{91240B29-F687-4f45-9708-019B960494DF}">
-                <a14:hiddenLine xmlns:a14="http://schemas.microsoft.com/office/drawing/2010/main" xmlns="" w="9525">
+                <a14:hiddenLine xmlns="" xmlns:a14="http://schemas.microsoft.com/office/drawing/2010/main" w="9525">
                   <a:solidFill>
                     <a:srgbClr val="000000"/>
                   </a:solidFill>
@@ -611,7 +1048,7 @@
             </a:ln>
             <a:extLst>
               <a:ext uri="{91240B29-F687-4f45-9708-019B960494DF}">
-                <a14:hiddenLine xmlns:a14="http://schemas.microsoft.com/office/drawing/2010/main" xmlns="" w="9525">
+                <a14:hiddenLine xmlns="" xmlns:a14="http://schemas.microsoft.com/office/drawing/2010/main" w="9525">
                   <a:solidFill>
                     <a:srgbClr val="000000"/>
                   </a:solidFill>
@@ -673,7 +1110,7 @@
             </a:ln>
             <a:extLst>
               <a:ext uri="{91240B29-F687-4f45-9708-019B960494DF}">
-                <a14:hiddenLine xmlns:a14="http://schemas.microsoft.com/office/drawing/2010/main" xmlns="" w="9525">
+                <a14:hiddenLine xmlns="" xmlns:a14="http://schemas.microsoft.com/office/drawing/2010/main" w="9525">
                   <a:solidFill>
                     <a:srgbClr val="000000"/>
                   </a:solidFill>
@@ -763,7 +1200,7 @@
             </a:ln>
             <a:extLst>
               <a:ext uri="{91240B29-F687-4f45-9708-019B960494DF}">
-                <a14:hiddenLine xmlns:a14="http://schemas.microsoft.com/office/drawing/2010/main" xmlns="" w="9525">
+                <a14:hiddenLine xmlns="" xmlns:a14="http://schemas.microsoft.com/office/drawing/2010/main" w="9525">
                   <a:solidFill>
                     <a:srgbClr val="000000"/>
                   </a:solidFill>
@@ -825,7 +1262,7 @@
             </a:ln>
             <a:extLst>
               <a:ext uri="{91240B29-F687-4f45-9708-019B960494DF}">
-                <a14:hiddenLine xmlns:a14="http://schemas.microsoft.com/office/drawing/2010/main" xmlns="" w="9525">
+                <a14:hiddenLine xmlns="" xmlns:a14="http://schemas.microsoft.com/office/drawing/2010/main" w="9525">
                   <a:solidFill>
                     <a:srgbClr val="000000"/>
                   </a:solidFill>
@@ -887,7 +1324,7 @@
             </a:ln>
             <a:extLst>
               <a:ext uri="{91240B29-F687-4f45-9708-019B960494DF}">
-                <a14:hiddenLine xmlns:a14="http://schemas.microsoft.com/office/drawing/2010/main" xmlns="" w="9525">
+                <a14:hiddenLine xmlns="" xmlns:a14="http://schemas.microsoft.com/office/drawing/2010/main" w="9525">
                   <a:solidFill>
                     <a:srgbClr val="000000"/>
                   </a:solidFill>
@@ -977,7 +1414,7 @@
             </a:ln>
             <a:extLst>
               <a:ext uri="{91240B29-F687-4f45-9708-019B960494DF}">
-                <a14:hiddenLine xmlns:a14="http://schemas.microsoft.com/office/drawing/2010/main" xmlns="" w="9525">
+                <a14:hiddenLine xmlns="" xmlns:a14="http://schemas.microsoft.com/office/drawing/2010/main" w="9525">
                   <a:solidFill>
                     <a:srgbClr val="000000"/>
                   </a:solidFill>
@@ -1067,7 +1504,7 @@
             </a:ln>
             <a:extLst>
               <a:ext uri="{91240B29-F687-4f45-9708-019B960494DF}">
-                <a14:hiddenLine xmlns:a14="http://schemas.microsoft.com/office/drawing/2010/main" xmlns="" w="9525">
+                <a14:hiddenLine xmlns="" xmlns:a14="http://schemas.microsoft.com/office/drawing/2010/main" w="9525">
                   <a:solidFill>
                     <a:srgbClr val="000000"/>
                   </a:solidFill>
@@ -1129,7 +1566,7 @@
             </a:ln>
             <a:extLst>
               <a:ext uri="{91240B29-F687-4f45-9708-019B960494DF}">
-                <a14:hiddenLine xmlns:a14="http://schemas.microsoft.com/office/drawing/2010/main" xmlns="" w="9525">
+                <a14:hiddenLine xmlns="" xmlns:a14="http://schemas.microsoft.com/office/drawing/2010/main" w="9525">
                   <a:solidFill>
                     <a:srgbClr val="000000"/>
                   </a:solidFill>
@@ -1239,7 +1676,7 @@
             </a:ln>
             <a:extLst>
               <a:ext uri="{91240B29-F687-4f45-9708-019B960494DF}">
-                <a14:hiddenLine xmlns:a14="http://schemas.microsoft.com/office/drawing/2010/main" xmlns="" w="9525">
+                <a14:hiddenLine xmlns="" xmlns:a14="http://schemas.microsoft.com/office/drawing/2010/main" w="9525">
                   <a:solidFill>
                     <a:srgbClr val="000000"/>
                   </a:solidFill>
@@ -1301,7 +1738,7 @@
             </a:ln>
             <a:extLst>
               <a:ext uri="{91240B29-F687-4f45-9708-019B960494DF}">
-                <a14:hiddenLine xmlns:a14="http://schemas.microsoft.com/office/drawing/2010/main" xmlns="" w="9525">
+                <a14:hiddenLine xmlns="" xmlns:a14="http://schemas.microsoft.com/office/drawing/2010/main" w="9525">
                   <a:solidFill>
                     <a:srgbClr val="000000"/>
                   </a:solidFill>
@@ -1391,7 +1828,7 @@
             </a:ln>
             <a:extLst>
               <a:ext uri="{91240B29-F687-4f45-9708-019B960494DF}">
-                <a14:hiddenLine xmlns:a14="http://schemas.microsoft.com/office/drawing/2010/main" xmlns="" w="9525">
+                <a14:hiddenLine xmlns="" xmlns:a14="http://schemas.microsoft.com/office/drawing/2010/main" w="9525">
                   <a:solidFill>
                     <a:srgbClr val="000000"/>
                   </a:solidFill>
@@ -1481,7 +1918,7 @@
             </a:ln>
             <a:extLst>
               <a:ext uri="{91240B29-F687-4f45-9708-019B960494DF}">
-                <a14:hiddenLine xmlns:a14="http://schemas.microsoft.com/office/drawing/2010/main" xmlns="" w="9525">
+                <a14:hiddenLine xmlns="" xmlns:a14="http://schemas.microsoft.com/office/drawing/2010/main" w="9525">
                   <a:solidFill>
                     <a:srgbClr val="000000"/>
                   </a:solidFill>
@@ -1543,7 +1980,7 @@
             </a:ln>
             <a:extLst>
               <a:ext uri="{91240B29-F687-4f45-9708-019B960494DF}">
-                <a14:hiddenLine xmlns:a14="http://schemas.microsoft.com/office/drawing/2010/main" xmlns="" w="9525">
+                <a14:hiddenLine xmlns="" xmlns:a14="http://schemas.microsoft.com/office/drawing/2010/main" w="9525">
                   <a:solidFill>
                     <a:srgbClr val="000000"/>
                   </a:solidFill>
@@ -1633,7 +2070,7 @@
             </a:ln>
             <a:extLst>
               <a:ext uri="{91240B29-F687-4f45-9708-019B960494DF}">
-                <a14:hiddenLine xmlns:a14="http://schemas.microsoft.com/office/drawing/2010/main" xmlns="" w="9525">
+                <a14:hiddenLine xmlns="" xmlns:a14="http://schemas.microsoft.com/office/drawing/2010/main" w="9525">
                   <a:solidFill>
                     <a:srgbClr val="000000"/>
                   </a:solidFill>
@@ -1723,7 +2160,7 @@
             </a:ln>
             <a:extLst>
               <a:ext uri="{91240B29-F687-4f45-9708-019B960494DF}">
-                <a14:hiddenLine xmlns:a14="http://schemas.microsoft.com/office/drawing/2010/main" xmlns="" w="9525">
+                <a14:hiddenLine xmlns="" xmlns:a14="http://schemas.microsoft.com/office/drawing/2010/main" w="9525">
                   <a:solidFill>
                     <a:srgbClr val="000000"/>
                   </a:solidFill>
@@ -1779,7 +2216,7 @@
             </a:ln>
             <a:extLst>
               <a:ext uri="{91240B29-F687-4f45-9708-019B960494DF}">
-                <a14:hiddenLine xmlns:a14="http://schemas.microsoft.com/office/drawing/2010/main" xmlns="" w="9525">
+                <a14:hiddenLine xmlns="" xmlns:a14="http://schemas.microsoft.com/office/drawing/2010/main" w="9525">
                   <a:solidFill>
                     <a:srgbClr val="000000"/>
                   </a:solidFill>
@@ -1869,7 +2306,7 @@
             </a:ln>
             <a:extLst>
               <a:ext uri="{91240B29-F687-4f45-9708-019B960494DF}">
-                <a14:hiddenLine xmlns:a14="http://schemas.microsoft.com/office/drawing/2010/main" xmlns="" w="9525">
+                <a14:hiddenLine xmlns="" xmlns:a14="http://schemas.microsoft.com/office/drawing/2010/main" w="9525">
                   <a:solidFill>
                     <a:srgbClr val="000000"/>
                   </a:solidFill>
@@ -1925,7 +2362,7 @@
             </a:ln>
             <a:extLst>
               <a:ext uri="{91240B29-F687-4f45-9708-019B960494DF}">
-                <a14:hiddenLine xmlns:a14="http://schemas.microsoft.com/office/drawing/2010/main" xmlns="" w="9525">
+                <a14:hiddenLine xmlns="" xmlns:a14="http://schemas.microsoft.com/office/drawing/2010/main" w="9525">
                   <a:solidFill>
                     <a:srgbClr val="000000"/>
                   </a:solidFill>
@@ -2015,7 +2452,7 @@
             </a:ln>
             <a:extLst>
               <a:ext uri="{91240B29-F687-4f45-9708-019B960494DF}">
-                <a14:hiddenLine xmlns:a14="http://schemas.microsoft.com/office/drawing/2010/main" xmlns="" w="9525">
+                <a14:hiddenLine xmlns="" xmlns:a14="http://schemas.microsoft.com/office/drawing/2010/main" w="9525">
                   <a:solidFill>
                     <a:srgbClr val="000000"/>
                   </a:solidFill>
@@ -2083,7 +2520,7 @@
             </a:ln>
             <a:extLst>
               <a:ext uri="{91240B29-F687-4f45-9708-019B960494DF}">
-                <a14:hiddenLine xmlns:a14="http://schemas.microsoft.com/office/drawing/2010/main" xmlns="" w="9525">
+                <a14:hiddenLine xmlns="" xmlns:a14="http://schemas.microsoft.com/office/drawing/2010/main" w="9525">
                   <a:solidFill>
                     <a:srgbClr val="000000"/>
                   </a:solidFill>
@@ -2173,7 +2610,7 @@
             </a:ln>
             <a:extLst>
               <a:ext uri="{91240B29-F687-4f45-9708-019B960494DF}">
-                <a14:hiddenLine xmlns:a14="http://schemas.microsoft.com/office/drawing/2010/main" xmlns="" w="9525">
+                <a14:hiddenLine xmlns="" xmlns:a14="http://schemas.microsoft.com/office/drawing/2010/main" w="9525">
                   <a:solidFill>
                     <a:srgbClr val="000000"/>
                   </a:solidFill>
@@ -2241,7 +2678,7 @@
             </a:ln>
             <a:extLst>
               <a:ext uri="{91240B29-F687-4f45-9708-019B960494DF}">
-                <a14:hiddenLine xmlns:a14="http://schemas.microsoft.com/office/drawing/2010/main" xmlns="" w="9525">
+                <a14:hiddenLine xmlns="" xmlns:a14="http://schemas.microsoft.com/office/drawing/2010/main" w="9525">
                   <a:solidFill>
                     <a:srgbClr val="000000"/>
                   </a:solidFill>
@@ -2331,7 +2768,7 @@
             </a:ln>
             <a:extLst>
               <a:ext uri="{91240B29-F687-4f45-9708-019B960494DF}">
-                <a14:hiddenLine xmlns:a14="http://schemas.microsoft.com/office/drawing/2010/main" xmlns="" w="9525">
+                <a14:hiddenLine xmlns="" xmlns:a14="http://schemas.microsoft.com/office/drawing/2010/main" w="9525">
                   <a:solidFill>
                     <a:srgbClr val="000000"/>
                   </a:solidFill>
@@ -2365,7 +2802,7 @@
             </a:ln>
             <a:extLst>
               <a:ext uri="{91240B29-F687-4f45-9708-019B960494DF}">
-                <a14:hiddenLine xmlns:a14="http://schemas.microsoft.com/office/drawing/2010/main" xmlns="" w="9525">
+                <a14:hiddenLine xmlns="" xmlns:a14="http://schemas.microsoft.com/office/drawing/2010/main" w="9525">
                   <a:solidFill>
                     <a:srgbClr val="000000"/>
                   </a:solidFill>
@@ -2455,7 +2892,7 @@
             </a:ln>
             <a:extLst>
               <a:ext uri="{91240B29-F687-4f45-9708-019B960494DF}">
-                <a14:hiddenLine xmlns:a14="http://schemas.microsoft.com/office/drawing/2010/main" xmlns="" w="9525">
+                <a14:hiddenLine xmlns="" xmlns:a14="http://schemas.microsoft.com/office/drawing/2010/main" w="9525">
                   <a:solidFill>
                     <a:srgbClr val="000000"/>
                   </a:solidFill>
@@ -2517,7 +2954,7 @@
             </a:ln>
             <a:extLst>
               <a:ext uri="{91240B29-F687-4f45-9708-019B960494DF}">
-                <a14:hiddenLine xmlns:a14="http://schemas.microsoft.com/office/drawing/2010/main" xmlns="" w="9525">
+                <a14:hiddenLine xmlns="" xmlns:a14="http://schemas.microsoft.com/office/drawing/2010/main" w="9525">
                   <a:solidFill>
                     <a:srgbClr val="000000"/>
                   </a:solidFill>
@@ -2579,7 +3016,7 @@
             </a:ln>
             <a:extLst>
               <a:ext uri="{91240B29-F687-4f45-9708-019B960494DF}">
-                <a14:hiddenLine xmlns:a14="http://schemas.microsoft.com/office/drawing/2010/main" xmlns="" w="9525">
+                <a14:hiddenLine xmlns="" xmlns:a14="http://schemas.microsoft.com/office/drawing/2010/main" w="9525">
                   <a:solidFill>
                     <a:srgbClr val="000000"/>
                   </a:solidFill>
@@ -2669,7 +3106,7 @@
             </a:ln>
             <a:extLst>
               <a:ext uri="{91240B29-F687-4f45-9708-019B960494DF}">
-                <a14:hiddenLine xmlns:a14="http://schemas.microsoft.com/office/drawing/2010/main" xmlns="" w="9525">
+                <a14:hiddenLine xmlns="" xmlns:a14="http://schemas.microsoft.com/office/drawing/2010/main" w="9525">
                   <a:solidFill>
                     <a:srgbClr val="000000"/>
                   </a:solidFill>
@@ -2737,7 +3174,7 @@
             </a:ln>
             <a:extLst>
               <a:ext uri="{91240B29-F687-4f45-9708-019B960494DF}">
-                <a14:hiddenLine xmlns:a14="http://schemas.microsoft.com/office/drawing/2010/main" xmlns="" w="9525">
+                <a14:hiddenLine xmlns="" xmlns:a14="http://schemas.microsoft.com/office/drawing/2010/main" w="9525">
                   <a:solidFill>
                     <a:srgbClr val="000000"/>
                   </a:solidFill>
@@ -2799,7 +3236,7 @@
             </a:ln>
             <a:extLst>
               <a:ext uri="{91240B29-F687-4f45-9708-019B960494DF}">
-                <a14:hiddenLine xmlns:a14="http://schemas.microsoft.com/office/drawing/2010/main" xmlns="" w="9525">
+                <a14:hiddenLine xmlns="" xmlns:a14="http://schemas.microsoft.com/office/drawing/2010/main" w="9525">
                   <a:solidFill>
                     <a:srgbClr val="000000"/>
                   </a:solidFill>
@@ -2889,7 +3326,7 @@
             </a:ln>
             <a:extLst>
               <a:ext uri="{91240B29-F687-4f45-9708-019B960494DF}">
-                <a14:hiddenLine xmlns:a14="http://schemas.microsoft.com/office/drawing/2010/main" xmlns="" w="9525">
+                <a14:hiddenLine xmlns="" xmlns:a14="http://schemas.microsoft.com/office/drawing/2010/main" w="9525">
                   <a:solidFill>
                     <a:srgbClr val="000000"/>
                   </a:solidFill>
@@ -2951,7 +3388,7 @@
             </a:ln>
             <a:extLst>
               <a:ext uri="{91240B29-F687-4f45-9708-019B960494DF}">
-                <a14:hiddenLine xmlns:a14="http://schemas.microsoft.com/office/drawing/2010/main" xmlns="" w="9525">
+                <a14:hiddenLine xmlns="" xmlns:a14="http://schemas.microsoft.com/office/drawing/2010/main" w="9525">
                   <a:solidFill>
                     <a:srgbClr val="000000"/>
                   </a:solidFill>
@@ -3041,7 +3478,7 @@
             </a:ln>
             <a:extLst>
               <a:ext uri="{91240B29-F687-4f45-9708-019B960494DF}">
-                <a14:hiddenLine xmlns:a14="http://schemas.microsoft.com/office/drawing/2010/main" xmlns="" w="9525">
+                <a14:hiddenLine xmlns="" xmlns:a14="http://schemas.microsoft.com/office/drawing/2010/main" w="9525">
                   <a:solidFill>
                     <a:srgbClr val="000000"/>
                   </a:solidFill>
@@ -3103,7 +3540,7 @@
             </a:ln>
             <a:extLst>
               <a:ext uri="{91240B29-F687-4f45-9708-019B960494DF}">
-                <a14:hiddenLine xmlns:a14="http://schemas.microsoft.com/office/drawing/2010/main" xmlns="" w="9525">
+                <a14:hiddenLine xmlns="" xmlns:a14="http://schemas.microsoft.com/office/drawing/2010/main" w="9525">
                   <a:solidFill>
                     <a:srgbClr val="000000"/>
                   </a:solidFill>
@@ -3193,7 +3630,7 @@
             </a:ln>
             <a:extLst>
               <a:ext uri="{91240B29-F687-4f45-9708-019B960494DF}">
-                <a14:hiddenLine xmlns:a14="http://schemas.microsoft.com/office/drawing/2010/main" xmlns="" w="9525">
+                <a14:hiddenLine xmlns="" xmlns:a14="http://schemas.microsoft.com/office/drawing/2010/main" w="9525">
                   <a:solidFill>
                     <a:srgbClr val="000000"/>
                   </a:solidFill>
@@ -3227,7 +3664,7 @@
             </a:ln>
             <a:extLst>
               <a:ext uri="{91240B29-F687-4f45-9708-019B960494DF}">
-                <a14:hiddenLine xmlns:a14="http://schemas.microsoft.com/office/drawing/2010/main" xmlns="" w="9525">
+                <a14:hiddenLine xmlns="" xmlns:a14="http://schemas.microsoft.com/office/drawing/2010/main" w="9525">
                   <a:solidFill>
                     <a:srgbClr val="000000"/>
                   </a:solidFill>
@@ -3292,7 +3729,7 @@
             </a:ln>
             <a:extLst>
               <a:ext uri="{91240B29-F687-4f45-9708-019B960494DF}">
-                <a14:hiddenLine xmlns:a14="http://schemas.microsoft.com/office/drawing/2010/main" xmlns="" w="9525">
+                <a14:hiddenLine xmlns="" xmlns:a14="http://schemas.microsoft.com/office/drawing/2010/main" w="9525">
                   <a:solidFill>
                     <a:srgbClr val="000000"/>
                   </a:solidFill>
@@ -3382,7 +3819,7 @@
             </a:ln>
             <a:extLst>
               <a:ext uri="{91240B29-F687-4f45-9708-019B960494DF}">
-                <a14:hiddenLine xmlns:a14="http://schemas.microsoft.com/office/drawing/2010/main" xmlns="" w="9525">
+                <a14:hiddenLine xmlns="" xmlns:a14="http://schemas.microsoft.com/office/drawing/2010/main" w="9525">
                   <a:solidFill>
                     <a:srgbClr val="000000"/>
                   </a:solidFill>
@@ -3444,7 +3881,7 @@
             </a:ln>
             <a:extLst>
               <a:ext uri="{91240B29-F687-4f45-9708-019B960494DF}">
-                <a14:hiddenLine xmlns:a14="http://schemas.microsoft.com/office/drawing/2010/main" xmlns="" w="9525">
+                <a14:hiddenLine xmlns="" xmlns:a14="http://schemas.microsoft.com/office/drawing/2010/main" w="9525">
                   <a:solidFill>
                     <a:srgbClr val="000000"/>
                   </a:solidFill>
@@ -3534,7 +3971,7 @@
             </a:ln>
             <a:extLst>
               <a:ext uri="{91240B29-F687-4f45-9708-019B960494DF}">
-                <a14:hiddenLine xmlns:a14="http://schemas.microsoft.com/office/drawing/2010/main" xmlns="" w="9525">
+                <a14:hiddenLine xmlns="" xmlns:a14="http://schemas.microsoft.com/office/drawing/2010/main" w="9525">
                   <a:solidFill>
                     <a:srgbClr val="000000"/>
                   </a:solidFill>
@@ -3624,7 +4061,7 @@
             </a:ln>
             <a:extLst>
               <a:ext uri="{91240B29-F687-4f45-9708-019B960494DF}">
-                <a14:hiddenLine xmlns:a14="http://schemas.microsoft.com/office/drawing/2010/main" xmlns="" w="9525">
+                <a14:hiddenLine xmlns="" xmlns:a14="http://schemas.microsoft.com/office/drawing/2010/main" w="9525">
                   <a:solidFill>
                     <a:srgbClr val="000000"/>
                   </a:solidFill>
@@ -3689,7 +4126,7 @@
             </a:ln>
             <a:extLst>
               <a:ext uri="{91240B29-F687-4f45-9708-019B960494DF}">
-                <a14:hiddenLine xmlns:a14="http://schemas.microsoft.com/office/drawing/2010/main" xmlns="" w="9525">
+                <a14:hiddenLine xmlns="" xmlns:a14="http://schemas.microsoft.com/office/drawing/2010/main" w="9525">
                   <a:solidFill>
                     <a:srgbClr val="000000"/>
                   </a:solidFill>
@@ -3751,7 +4188,7 @@
             </a:ln>
             <a:extLst>
               <a:ext uri="{91240B29-F687-4f45-9708-019B960494DF}">
-                <a14:hiddenLine xmlns:a14="http://schemas.microsoft.com/office/drawing/2010/main" xmlns="" w="9525">
+                <a14:hiddenLine xmlns="" xmlns:a14="http://schemas.microsoft.com/office/drawing/2010/main" w="9525">
                   <a:solidFill>
                     <a:srgbClr val="000000"/>
                   </a:solidFill>
@@ -3841,7 +4278,7 @@
             </a:ln>
             <a:extLst>
               <a:ext uri="{91240B29-F687-4f45-9708-019B960494DF}">
-                <a14:hiddenLine xmlns:a14="http://schemas.microsoft.com/office/drawing/2010/main" xmlns="" w="9525">
+                <a14:hiddenLine xmlns="" xmlns:a14="http://schemas.microsoft.com/office/drawing/2010/main" w="9525">
                   <a:solidFill>
                     <a:srgbClr val="000000"/>
                   </a:solidFill>
@@ -3931,7 +4368,7 @@
             </a:ln>
             <a:extLst>
               <a:ext uri="{91240B29-F687-4f45-9708-019B960494DF}">
-                <a14:hiddenLine xmlns:a14="http://schemas.microsoft.com/office/drawing/2010/main" xmlns="" w="9525">
+                <a14:hiddenLine xmlns="" xmlns:a14="http://schemas.microsoft.com/office/drawing/2010/main" w="9525">
                   <a:solidFill>
                     <a:srgbClr val="000000"/>
                   </a:solidFill>
@@ -3993,7 +4430,7 @@
             </a:ln>
             <a:extLst>
               <a:ext uri="{91240B29-F687-4f45-9708-019B960494DF}">
-                <a14:hiddenLine xmlns:a14="http://schemas.microsoft.com/office/drawing/2010/main" xmlns="" w="9525">
+                <a14:hiddenLine xmlns="" xmlns:a14="http://schemas.microsoft.com/office/drawing/2010/main" w="9525">
                   <a:solidFill>
                     <a:srgbClr val="000000"/>
                   </a:solidFill>
@@ -4113,7 +4550,7 @@
             </a:ln>
             <a:extLst>
               <a:ext uri="{91240B29-F687-4f45-9708-019B960494DF}">
-                <a14:hiddenLine xmlns:a14="http://schemas.microsoft.com/office/drawing/2010/main" xmlns="" w="9525">
+                <a14:hiddenLine xmlns="" xmlns:a14="http://schemas.microsoft.com/office/drawing/2010/main" w="9525">
                   <a:solidFill>
                     <a:srgbClr val="000000"/>
                   </a:solidFill>
@@ -4181,7 +4618,7 @@
             </a:ln>
             <a:extLst>
               <a:ext uri="{91240B29-F687-4f45-9708-019B960494DF}">
-                <a14:hiddenLine xmlns:a14="http://schemas.microsoft.com/office/drawing/2010/main" xmlns="" w="9525">
+                <a14:hiddenLine xmlns="" xmlns:a14="http://schemas.microsoft.com/office/drawing/2010/main" w="9525">
                   <a:solidFill>
                     <a:srgbClr val="000000"/>
                   </a:solidFill>
@@ -4271,7 +4708,7 @@
             </a:ln>
             <a:extLst>
               <a:ext uri="{91240B29-F687-4f45-9708-019B960494DF}">
-                <a14:hiddenLine xmlns:a14="http://schemas.microsoft.com/office/drawing/2010/main" xmlns="" w="9525">
+                <a14:hiddenLine xmlns="" xmlns:a14="http://schemas.microsoft.com/office/drawing/2010/main" w="9525">
                   <a:solidFill>
                     <a:srgbClr val="000000"/>
                   </a:solidFill>
@@ -9073,7 +9510,7 @@
           <a:noFill/>
           <a:extLst>
             <a:ext uri="{909E8E84-426E-40dd-AFC4-6F175D3DCCD1}">
-              <a14:hiddenFill xmlns:a14="http://schemas.microsoft.com/office/drawing/2010/main" xmlns="">
+              <a14:hiddenFill xmlns="" xmlns:a14="http://schemas.microsoft.com/office/drawing/2010/main">
                 <a:solidFill>
                   <a:srgbClr val="FFFFFF"/>
                 </a:solidFill>
@@ -9147,7 +9584,7 @@
               </a:ln>
               <a:extLst>
                 <a:ext uri="{91240B29-F687-4f45-9708-019B960494DF}">
-                  <a14:hiddenLine xmlns:a14="http://schemas.microsoft.com/office/drawing/2010/main" xmlns="" w="9525">
+                  <a14:hiddenLine xmlns="" xmlns:a14="http://schemas.microsoft.com/office/drawing/2010/main" w="9525">
                     <a:solidFill>
                       <a:srgbClr val="000000"/>
                     </a:solidFill>
@@ -9237,7 +9674,7 @@
               </a:ln>
               <a:extLst>
                 <a:ext uri="{91240B29-F687-4f45-9708-019B960494DF}">
-                  <a14:hiddenLine xmlns:a14="http://schemas.microsoft.com/office/drawing/2010/main" xmlns="" w="9525">
+                  <a14:hiddenLine xmlns="" xmlns:a14="http://schemas.microsoft.com/office/drawing/2010/main" w="9525">
                     <a:solidFill>
                       <a:srgbClr val="000000"/>
                     </a:solidFill>
@@ -9327,7 +9764,7 @@
               </a:ln>
               <a:extLst>
                 <a:ext uri="{91240B29-F687-4f45-9708-019B960494DF}">
-                  <a14:hiddenLine xmlns:a14="http://schemas.microsoft.com/office/drawing/2010/main" xmlns="" w="9525">
+                  <a14:hiddenLine xmlns="" xmlns:a14="http://schemas.microsoft.com/office/drawing/2010/main" w="9525">
                     <a:solidFill>
                       <a:srgbClr val="000000"/>
                     </a:solidFill>
@@ -9389,7 +9826,7 @@
               </a:ln>
               <a:extLst>
                 <a:ext uri="{91240B29-F687-4f45-9708-019B960494DF}">
-                  <a14:hiddenLine xmlns:a14="http://schemas.microsoft.com/office/drawing/2010/main" xmlns="" w="9525">
+                  <a14:hiddenLine xmlns="" xmlns:a14="http://schemas.microsoft.com/office/drawing/2010/main" w="9525">
                     <a:solidFill>
                       <a:srgbClr val="000000"/>
                     </a:solidFill>
@@ -9479,7 +9916,7 @@
               </a:ln>
               <a:extLst>
                 <a:ext uri="{91240B29-F687-4f45-9708-019B960494DF}">
-                  <a14:hiddenLine xmlns:a14="http://schemas.microsoft.com/office/drawing/2010/main" xmlns="" w="9525">
+                  <a14:hiddenLine xmlns="" xmlns:a14="http://schemas.microsoft.com/office/drawing/2010/main" w="9525">
                     <a:solidFill>
                       <a:srgbClr val="000000"/>
                     </a:solidFill>
@@ -9541,7 +9978,7 @@
               </a:ln>
               <a:extLst>
                 <a:ext uri="{91240B29-F687-4f45-9708-019B960494DF}">
-                  <a14:hiddenLine xmlns:a14="http://schemas.microsoft.com/office/drawing/2010/main" xmlns="" w="9525">
+                  <a14:hiddenLine xmlns="" xmlns:a14="http://schemas.microsoft.com/office/drawing/2010/main" w="9525">
                     <a:solidFill>
                       <a:srgbClr val="000000"/>
                     </a:solidFill>
@@ -9603,7 +10040,7 @@
               </a:ln>
               <a:extLst>
                 <a:ext uri="{91240B29-F687-4f45-9708-019B960494DF}">
-                  <a14:hiddenLine xmlns:a14="http://schemas.microsoft.com/office/drawing/2010/main" xmlns="" w="9525">
+                  <a14:hiddenLine xmlns="" xmlns:a14="http://schemas.microsoft.com/office/drawing/2010/main" w="9525">
                     <a:solidFill>
                       <a:srgbClr val="000000"/>
                     </a:solidFill>
@@ -9693,7 +10130,7 @@
               </a:ln>
               <a:extLst>
                 <a:ext uri="{91240B29-F687-4f45-9708-019B960494DF}">
-                  <a14:hiddenLine xmlns:a14="http://schemas.microsoft.com/office/drawing/2010/main" xmlns="" w="9525">
+                  <a14:hiddenLine xmlns="" xmlns:a14="http://schemas.microsoft.com/office/drawing/2010/main" w="9525">
                     <a:solidFill>
                       <a:srgbClr val="000000"/>
                     </a:solidFill>
@@ -9783,7 +10220,7 @@
               </a:ln>
               <a:extLst>
                 <a:ext uri="{91240B29-F687-4f45-9708-019B960494DF}">
-                  <a14:hiddenLine xmlns:a14="http://schemas.microsoft.com/office/drawing/2010/main" xmlns="" w="9525">
+                  <a14:hiddenLine xmlns="" xmlns:a14="http://schemas.microsoft.com/office/drawing/2010/main" w="9525">
                     <a:solidFill>
                       <a:srgbClr val="000000"/>
                     </a:solidFill>
@@ -9845,7 +10282,7 @@
               </a:ln>
               <a:extLst>
                 <a:ext uri="{91240B29-F687-4f45-9708-019B960494DF}">
-                  <a14:hiddenLine xmlns:a14="http://schemas.microsoft.com/office/drawing/2010/main" xmlns="" w="9525">
+                  <a14:hiddenLine xmlns="" xmlns:a14="http://schemas.microsoft.com/office/drawing/2010/main" w="9525">
                     <a:solidFill>
                       <a:srgbClr val="000000"/>
                     </a:solidFill>
@@ -9955,7 +10392,7 @@
               </a:ln>
               <a:extLst>
                 <a:ext uri="{91240B29-F687-4f45-9708-019B960494DF}">
-                  <a14:hiddenLine xmlns:a14="http://schemas.microsoft.com/office/drawing/2010/main" xmlns="" w="9525">
+                  <a14:hiddenLine xmlns="" xmlns:a14="http://schemas.microsoft.com/office/drawing/2010/main" w="9525">
                     <a:solidFill>
                       <a:srgbClr val="000000"/>
                     </a:solidFill>
@@ -10039,7 +10476,7 @@
               </a:ln>
               <a:extLst>
                 <a:ext uri="{91240B29-F687-4f45-9708-019B960494DF}">
-                  <a14:hiddenLine xmlns:a14="http://schemas.microsoft.com/office/drawing/2010/main" xmlns="" w="9525">
+                  <a14:hiddenLine xmlns="" xmlns:a14="http://schemas.microsoft.com/office/drawing/2010/main" w="9525">
                     <a:solidFill>
                       <a:srgbClr val="000000"/>
                     </a:solidFill>
@@ -10101,7 +10538,7 @@
               </a:ln>
               <a:extLst>
                 <a:ext uri="{91240B29-F687-4f45-9708-019B960494DF}">
-                  <a14:hiddenLine xmlns:a14="http://schemas.microsoft.com/office/drawing/2010/main" xmlns="" w="9525">
+                  <a14:hiddenLine xmlns="" xmlns:a14="http://schemas.microsoft.com/office/drawing/2010/main" w="9525">
                     <a:solidFill>
                       <a:srgbClr val="000000"/>
                     </a:solidFill>
@@ -10163,7 +10600,7 @@
               </a:ln>
               <a:extLst>
                 <a:ext uri="{91240B29-F687-4f45-9708-019B960494DF}">
-                  <a14:hiddenLine xmlns:a14="http://schemas.microsoft.com/office/drawing/2010/main" xmlns="" w="9525">
+                  <a14:hiddenLine xmlns="" xmlns:a14="http://schemas.microsoft.com/office/drawing/2010/main" w="9525">
                     <a:solidFill>
                       <a:srgbClr val="000000"/>
                     </a:solidFill>
@@ -10253,7 +10690,7 @@
               </a:ln>
               <a:extLst>
                 <a:ext uri="{91240B29-F687-4f45-9708-019B960494DF}">
-                  <a14:hiddenLine xmlns:a14="http://schemas.microsoft.com/office/drawing/2010/main" xmlns="" w="9525">
+                  <a14:hiddenLine xmlns="" xmlns:a14="http://schemas.microsoft.com/office/drawing/2010/main" w="9525">
                     <a:solidFill>
                       <a:srgbClr val="000000"/>
                     </a:solidFill>
@@ -10287,7 +10724,7 @@
               </a:ln>
               <a:extLst>
                 <a:ext uri="{91240B29-F687-4f45-9708-019B960494DF}">
-                  <a14:hiddenLine xmlns:a14="http://schemas.microsoft.com/office/drawing/2010/main" xmlns="" w="9525">
+                  <a14:hiddenLine xmlns="" xmlns:a14="http://schemas.microsoft.com/office/drawing/2010/main" w="9525">
                     <a:solidFill>
                       <a:srgbClr val="000000"/>
                     </a:solidFill>
@@ -10352,7 +10789,7 @@
               </a:ln>
               <a:extLst>
                 <a:ext uri="{91240B29-F687-4f45-9708-019B960494DF}">
-                  <a14:hiddenLine xmlns:a14="http://schemas.microsoft.com/office/drawing/2010/main" xmlns="" w="9525">
+                  <a14:hiddenLine xmlns="" xmlns:a14="http://schemas.microsoft.com/office/drawing/2010/main" w="9525">
                     <a:solidFill>
                       <a:srgbClr val="000000"/>
                     </a:solidFill>
@@ -10442,7 +10879,7 @@
               </a:ln>
               <a:extLst>
                 <a:ext uri="{91240B29-F687-4f45-9708-019B960494DF}">
-                  <a14:hiddenLine xmlns:a14="http://schemas.microsoft.com/office/drawing/2010/main" xmlns="" w="9525">
+                  <a14:hiddenLine xmlns="" xmlns:a14="http://schemas.microsoft.com/office/drawing/2010/main" w="9525">
                     <a:solidFill>
                       <a:srgbClr val="000000"/>
                     </a:solidFill>
@@ -10504,7 +10941,7 @@
               </a:ln>
               <a:extLst>
                 <a:ext uri="{91240B29-F687-4f45-9708-019B960494DF}">
-                  <a14:hiddenLine xmlns:a14="http://schemas.microsoft.com/office/drawing/2010/main" xmlns="" w="9525">
+                  <a14:hiddenLine xmlns="" xmlns:a14="http://schemas.microsoft.com/office/drawing/2010/main" w="9525">
                     <a:solidFill>
                       <a:srgbClr val="000000"/>
                     </a:solidFill>
@@ -10594,7 +11031,7 @@
               </a:ln>
               <a:extLst>
                 <a:ext uri="{91240B29-F687-4f45-9708-019B960494DF}">
-                  <a14:hiddenLine xmlns:a14="http://schemas.microsoft.com/office/drawing/2010/main" xmlns="" w="9525">
+                  <a14:hiddenLine xmlns="" xmlns:a14="http://schemas.microsoft.com/office/drawing/2010/main" w="9525">
                     <a:solidFill>
                       <a:srgbClr val="000000"/>
                     </a:solidFill>
@@ -10659,7 +11096,7 @@
               </a:ln>
               <a:extLst>
                 <a:ext uri="{91240B29-F687-4f45-9708-019B960494DF}">
-                  <a14:hiddenLine xmlns:a14="http://schemas.microsoft.com/office/drawing/2010/main" xmlns="" w="9525">
+                  <a14:hiddenLine xmlns="" xmlns:a14="http://schemas.microsoft.com/office/drawing/2010/main" w="9525">
                     <a:solidFill>
                       <a:srgbClr val="000000"/>
                     </a:solidFill>
@@ -10721,7 +11158,7 @@
               </a:ln>
               <a:extLst>
                 <a:ext uri="{91240B29-F687-4f45-9708-019B960494DF}">
-                  <a14:hiddenLine xmlns:a14="http://schemas.microsoft.com/office/drawing/2010/main" xmlns="" w="9525">
+                  <a14:hiddenLine xmlns="" xmlns:a14="http://schemas.microsoft.com/office/drawing/2010/main" w="9525">
                     <a:solidFill>
                       <a:srgbClr val="000000"/>
                     </a:solidFill>
@@ -10811,7 +11248,7 @@
               </a:ln>
               <a:extLst>
                 <a:ext uri="{91240B29-F687-4f45-9708-019B960494DF}">
-                  <a14:hiddenLine xmlns:a14="http://schemas.microsoft.com/office/drawing/2010/main" xmlns="" w="9525">
+                  <a14:hiddenLine xmlns="" xmlns:a14="http://schemas.microsoft.com/office/drawing/2010/main" w="9525">
                     <a:solidFill>
                       <a:srgbClr val="000000"/>
                     </a:solidFill>
@@ -10901,7 +11338,7 @@
               </a:ln>
               <a:extLst>
                 <a:ext uri="{91240B29-F687-4f45-9708-019B960494DF}">
-                  <a14:hiddenLine xmlns:a14="http://schemas.microsoft.com/office/drawing/2010/main" xmlns="" w="9525">
+                  <a14:hiddenLine xmlns="" xmlns:a14="http://schemas.microsoft.com/office/drawing/2010/main" w="9525">
                     <a:solidFill>
                       <a:srgbClr val="000000"/>
                     </a:solidFill>
@@ -10966,7 +11403,7 @@
               </a:ln>
               <a:extLst>
                 <a:ext uri="{91240B29-F687-4f45-9708-019B960494DF}">
-                  <a14:hiddenLine xmlns:a14="http://schemas.microsoft.com/office/drawing/2010/main" xmlns="" w="9525">
+                  <a14:hiddenLine xmlns="" xmlns:a14="http://schemas.microsoft.com/office/drawing/2010/main" w="9525">
                     <a:solidFill>
                       <a:srgbClr val="000000"/>
                     </a:solidFill>
@@ -11086,7 +11523,7 @@
               </a:ln>
               <a:extLst>
                 <a:ext uri="{91240B29-F687-4f45-9708-019B960494DF}">
-                  <a14:hiddenLine xmlns:a14="http://schemas.microsoft.com/office/drawing/2010/main" xmlns="" w="9525">
+                  <a14:hiddenLine xmlns="" xmlns:a14="http://schemas.microsoft.com/office/drawing/2010/main" w="9525">
                     <a:solidFill>
                       <a:srgbClr val="000000"/>
                     </a:solidFill>
@@ -11184,7 +11621,7 @@
               </a:ln>
               <a:extLst>
                 <a:ext uri="{91240B29-F687-4f45-9708-019B960494DF}">
-                  <a14:hiddenLine xmlns:a14="http://schemas.microsoft.com/office/drawing/2010/main" xmlns="" w="9525">
+                  <a14:hiddenLine xmlns="" xmlns:a14="http://schemas.microsoft.com/office/drawing/2010/main" w="9525">
                     <a:solidFill>
                       <a:srgbClr val="000000"/>
                     </a:solidFill>
@@ -11299,7 +11736,7 @@
               </a:ln>
               <a:extLst>
                 <a:ext uri="{91240B29-F687-4f45-9708-019B960494DF}">
-                  <a14:hiddenLine xmlns:a14="http://schemas.microsoft.com/office/drawing/2010/main" xmlns="" w="9525">
+                  <a14:hiddenLine xmlns="" xmlns:a14="http://schemas.microsoft.com/office/drawing/2010/main" w="9525">
                     <a:solidFill>
                       <a:srgbClr val="000000"/>
                     </a:solidFill>
@@ -11389,7 +11826,7 @@
               </a:ln>
               <a:extLst>
                 <a:ext uri="{91240B29-F687-4f45-9708-019B960494DF}">
-                  <a14:hiddenLine xmlns:a14="http://schemas.microsoft.com/office/drawing/2010/main" xmlns="" w="9525">
+                  <a14:hiddenLine xmlns="" xmlns:a14="http://schemas.microsoft.com/office/drawing/2010/main" w="9525">
                     <a:solidFill>
                       <a:srgbClr val="000000"/>
                     </a:solidFill>
@@ -11454,7 +11891,7 @@
               </a:ln>
               <a:extLst>
                 <a:ext uri="{91240B29-F687-4f45-9708-019B960494DF}">
-                  <a14:hiddenLine xmlns:a14="http://schemas.microsoft.com/office/drawing/2010/main" xmlns="" w="9525">
+                  <a14:hiddenLine xmlns="" xmlns:a14="http://schemas.microsoft.com/office/drawing/2010/main" w="9525">
                     <a:solidFill>
                       <a:srgbClr val="000000"/>
                     </a:solidFill>
@@ -11544,7 +11981,7 @@
               </a:ln>
               <a:extLst>
                 <a:ext uri="{91240B29-F687-4f45-9708-019B960494DF}">
-                  <a14:hiddenLine xmlns:a14="http://schemas.microsoft.com/office/drawing/2010/main" xmlns="" w="9525">
+                  <a14:hiddenLine xmlns="" xmlns:a14="http://schemas.microsoft.com/office/drawing/2010/main" w="9525">
                     <a:solidFill>
                       <a:srgbClr val="000000"/>
                     </a:solidFill>
@@ -11612,7 +12049,7 @@
               </a:ln>
               <a:extLst>
                 <a:ext uri="{91240B29-F687-4f45-9708-019B960494DF}">
-                  <a14:hiddenLine xmlns:a14="http://schemas.microsoft.com/office/drawing/2010/main" xmlns="" w="9525">
+                  <a14:hiddenLine xmlns="" xmlns:a14="http://schemas.microsoft.com/office/drawing/2010/main" w="9525">
                     <a:solidFill>
                       <a:srgbClr val="000000"/>
                     </a:solidFill>
@@ -11702,7 +12139,7 @@
               </a:ln>
               <a:extLst>
                 <a:ext uri="{91240B29-F687-4f45-9708-019B960494DF}">
-                  <a14:hiddenLine xmlns:a14="http://schemas.microsoft.com/office/drawing/2010/main" xmlns="" w="9525">
+                  <a14:hiddenLine xmlns="" xmlns:a14="http://schemas.microsoft.com/office/drawing/2010/main" w="9525">
                     <a:solidFill>
                       <a:srgbClr val="000000"/>
                     </a:solidFill>
@@ -11770,7 +12207,7 @@
               </a:ln>
               <a:extLst>
                 <a:ext uri="{91240B29-F687-4f45-9708-019B960494DF}">
-                  <a14:hiddenLine xmlns:a14="http://schemas.microsoft.com/office/drawing/2010/main" xmlns="" w="9525">
+                  <a14:hiddenLine xmlns="" xmlns:a14="http://schemas.microsoft.com/office/drawing/2010/main" w="9525">
                     <a:solidFill>
                       <a:srgbClr val="000000"/>
                     </a:solidFill>
@@ -11860,7 +12297,7 @@
               </a:ln>
               <a:extLst>
                 <a:ext uri="{91240B29-F687-4f45-9708-019B960494DF}">
-                  <a14:hiddenLine xmlns:a14="http://schemas.microsoft.com/office/drawing/2010/main" xmlns="" w="9525">
+                  <a14:hiddenLine xmlns="" xmlns:a14="http://schemas.microsoft.com/office/drawing/2010/main" w="9525">
                     <a:solidFill>
                       <a:srgbClr val="000000"/>
                     </a:solidFill>
@@ -11894,7 +12331,7 @@
               </a:ln>
               <a:extLst>
                 <a:ext uri="{91240B29-F687-4f45-9708-019B960494DF}">
-                  <a14:hiddenLine xmlns:a14="http://schemas.microsoft.com/office/drawing/2010/main" xmlns="" w="9525">
+                  <a14:hiddenLine xmlns="" xmlns:a14="http://schemas.microsoft.com/office/drawing/2010/main" w="9525">
                     <a:solidFill>
                       <a:srgbClr val="000000"/>
                     </a:solidFill>
@@ -13163,13 +13600,13 @@
         </p:nvSpPr>
         <p:spPr>
           <a:xfrm>
-            <a:off x="3717508" y="1763485"/>
-            <a:ext cx="4736681" cy="4945527"/>
+            <a:off x="3717508" y="1764632"/>
+            <a:ext cx="4736681" cy="4944380"/>
           </a:xfrm>
         </p:spPr>
         <p:txBody>
           <a:bodyPr>
-            <a:normAutofit fontScale="85000" lnSpcReduction="20000"/>
+            <a:normAutofit fontScale="77500" lnSpcReduction="20000"/>
           </a:bodyPr>
           <a:lstStyle/>
           <a:p>
@@ -13178,7 +13615,15 @@
           <a:p>
             <a:r>
               <a:rPr lang="pl-PL" dirty="0"/>
-              <a:t>The brighter the pixel is, the better score should the second robot(on the left, on the right the exact opposite) achieve in a battle with corresponding configuration of battlefield size and gun cooling rate.</a:t>
+              <a:t>The brighter the pixel is, the better score should the second robot</a:t>
+            </a:r>
+            <a:r>
+              <a:rPr lang="en-GB" dirty="0"/>
+              <a:t>(The second robot - on the left image, the first robot - on the right one respectively)</a:t>
+            </a:r>
+            <a:r>
+              <a:rPr lang="pl-PL" dirty="0"/>
+              <a:t>achieve in a battle with corresponding configuration of battlefield size and gun cooling rate.</a:t>
             </a:r>
           </a:p>
           <a:p>
@@ -13210,7 +13655,7 @@
           <p:nvPr/>
         </p:nvPicPr>
         <p:blipFill>
-          <a:blip r:embed="rId2"/>
+          <a:blip r:embed="rId3"/>
           <a:stretch>
             <a:fillRect/>
           </a:stretch>
@@ -13240,7 +13685,7 @@
           <p:nvPr/>
         </p:nvPicPr>
         <p:blipFill>
-          <a:blip r:embed="rId3">
+          <a:blip r:embed="rId4">
             <a:extLst>
               <a:ext uri="{28A0092B-C50C-407E-A947-70E740481C1C}">
                 <a14:useLocalDpi xmlns:a14="http://schemas.microsoft.com/office/drawing/2010/main" val="0"/>
@@ -13276,7 +13721,7 @@
           <p:nvPr/>
         </p:nvPicPr>
         <p:blipFill>
-          <a:blip r:embed="rId4">
+          <a:blip r:embed="rId5">
             <a:extLst>
               <a:ext uri="{28A0092B-C50C-407E-A947-70E740481C1C}">
                 <a14:useLocalDpi xmlns:a14="http://schemas.microsoft.com/office/drawing/2010/main" val="0"/>
@@ -13770,4 +14215,299 @@
     </a:ext>
   </a:extLst>
 </a:theme>
+</file>
+
+<file path=ppt/theme/theme2.xml><?xml version="1.0" encoding="utf-8"?>
+<a:theme xmlns:a="http://schemas.openxmlformats.org/drawingml/2006/main" name="Office Theme">
+  <a:themeElements>
+    <a:clrScheme name="Office">
+      <a:dk1>
+        <a:sysClr val="windowText" lastClr="000000"/>
+      </a:dk1>
+      <a:lt1>
+        <a:sysClr val="window" lastClr="FFFFFF"/>
+      </a:lt1>
+      <a:dk2>
+        <a:srgbClr val="44546A"/>
+      </a:dk2>
+      <a:lt2>
+        <a:srgbClr val="E7E6E6"/>
+      </a:lt2>
+      <a:accent1>
+        <a:srgbClr val="4472C4"/>
+      </a:accent1>
+      <a:accent2>
+        <a:srgbClr val="ED7D31"/>
+      </a:accent2>
+      <a:accent3>
+        <a:srgbClr val="A5A5A5"/>
+      </a:accent3>
+      <a:accent4>
+        <a:srgbClr val="FFC000"/>
+      </a:accent4>
+      <a:accent5>
+        <a:srgbClr val="5B9BD5"/>
+      </a:accent5>
+      <a:accent6>
+        <a:srgbClr val="70AD47"/>
+      </a:accent6>
+      <a:hlink>
+        <a:srgbClr val="0563C1"/>
+      </a:hlink>
+      <a:folHlink>
+        <a:srgbClr val="954F72"/>
+      </a:folHlink>
+    </a:clrScheme>
+    <a:fontScheme name="Office">
+      <a:majorFont>
+        <a:latin typeface="Calibri Light" panose="020F0302020204030204"/>
+        <a:ea typeface=""/>
+        <a:cs typeface=""/>
+        <a:font script="Jpan" typeface="游ゴシック Light"/>
+        <a:font script="Hang" typeface="맑은 고딕"/>
+        <a:font script="Hans" typeface="等线 Light"/>
+        <a:font script="Hant" typeface="新細明體"/>
+        <a:font script="Arab" typeface="Times New Roman"/>
+        <a:font script="Hebr" typeface="Times New Roman"/>
+        <a:font script="Thai" typeface="Angsana New"/>
+        <a:font script="Ethi" typeface="Nyala"/>
+        <a:font script="Beng" typeface="Vrinda"/>
+        <a:font script="Gujr" typeface="Shruti"/>
+        <a:font script="Khmr" typeface="MoolBoran"/>
+        <a:font script="Knda" typeface="Tunga"/>
+        <a:font script="Guru" typeface="Raavi"/>
+        <a:font script="Cans" typeface="Euphemia"/>
+        <a:font script="Cher" typeface="Plantagenet Cherokee"/>
+        <a:font script="Yiii" typeface="Microsoft Yi Baiti"/>
+        <a:font script="Tibt" typeface="Microsoft Himalaya"/>
+        <a:font script="Thaa" typeface="MV Boli"/>
+        <a:font script="Deva" typeface="Mangal"/>
+        <a:font script="Telu" typeface="Gautami"/>
+        <a:font script="Taml" typeface="Latha"/>
+        <a:font script="Syrc" typeface="Estrangelo Edessa"/>
+        <a:font script="Orya" typeface="Kalinga"/>
+        <a:font script="Mlym" typeface="Kartika"/>
+        <a:font script="Laoo" typeface="DokChampa"/>
+        <a:font script="Sinh" typeface="Iskoola Pota"/>
+        <a:font script="Mong" typeface="Mongolian Baiti"/>
+        <a:font script="Viet" typeface="Times New Roman"/>
+        <a:font script="Uigh" typeface="Microsoft Uighur"/>
+        <a:font script="Geor" typeface="Sylfaen"/>
+        <a:font script="Armn" typeface="Arial"/>
+        <a:font script="Bugi" typeface="Leelawadee UI"/>
+        <a:font script="Bopo" typeface="Microsoft JhengHei"/>
+        <a:font script="Java" typeface="Javanese Text"/>
+        <a:font script="Lisu" typeface="Segoe UI"/>
+        <a:font script="Mymr" typeface="Myanmar Text"/>
+        <a:font script="Nkoo" typeface="Ebrima"/>
+        <a:font script="Olck" typeface="Nirmala UI"/>
+        <a:font script="Osma" typeface="Ebrima"/>
+        <a:font script="Phag" typeface="Phagspa"/>
+        <a:font script="Syrn" typeface="Estrangelo Edessa"/>
+        <a:font script="Syrj" typeface="Estrangelo Edessa"/>
+        <a:font script="Syre" typeface="Estrangelo Edessa"/>
+        <a:font script="Sora" typeface="Nirmala UI"/>
+        <a:font script="Tale" typeface="Microsoft Tai Le"/>
+        <a:font script="Talu" typeface="Microsoft New Tai Lue"/>
+        <a:font script="Tfng" typeface="Ebrima"/>
+      </a:majorFont>
+      <a:minorFont>
+        <a:latin typeface="Calibri" panose="020F0502020204030204"/>
+        <a:ea typeface=""/>
+        <a:cs typeface=""/>
+        <a:font script="Jpan" typeface="游ゴシック"/>
+        <a:font script="Hang" typeface="맑은 고딕"/>
+        <a:font script="Hans" typeface="等线"/>
+        <a:font script="Hant" typeface="新細明體"/>
+        <a:font script="Arab" typeface="Arial"/>
+        <a:font script="Hebr" typeface="Arial"/>
+        <a:font script="Thai" typeface="Cordia New"/>
+        <a:font script="Ethi" typeface="Nyala"/>
+        <a:font script="Beng" typeface="Vrinda"/>
+        <a:font script="Gujr" typeface="Shruti"/>
+        <a:font script="Khmr" typeface="DaunPenh"/>
+        <a:font script="Knda" typeface="Tunga"/>
+        <a:font script="Guru" typeface="Raavi"/>
+        <a:font script="Cans" typeface="Euphemia"/>
+        <a:font script="Cher" typeface="Plantagenet Cherokee"/>
+        <a:font script="Yiii" typeface="Microsoft Yi Baiti"/>
+        <a:font script="Tibt" typeface="Microsoft Himalaya"/>
+        <a:font script="Thaa" typeface="MV Boli"/>
+        <a:font script="Deva" typeface="Mangal"/>
+        <a:font script="Telu" typeface="Gautami"/>
+        <a:font script="Taml" typeface="Latha"/>
+        <a:font script="Syrc" typeface="Estrangelo Edessa"/>
+        <a:font script="Orya" typeface="Kalinga"/>
+        <a:font script="Mlym" typeface="Kartika"/>
+        <a:font script="Laoo" typeface="DokChampa"/>
+        <a:font script="Sinh" typeface="Iskoola Pota"/>
+        <a:font script="Mong" typeface="Mongolian Baiti"/>
+        <a:font script="Viet" typeface="Arial"/>
+        <a:font script="Uigh" typeface="Microsoft Uighur"/>
+        <a:font script="Geor" typeface="Sylfaen"/>
+        <a:font script="Armn" typeface="Arial"/>
+        <a:font script="Bugi" typeface="Leelawadee UI"/>
+        <a:font script="Bopo" typeface="Microsoft JhengHei"/>
+        <a:font script="Java" typeface="Javanese Text"/>
+        <a:font script="Lisu" typeface="Segoe UI"/>
+        <a:font script="Mymr" typeface="Myanmar Text"/>
+        <a:font script="Nkoo" typeface="Ebrima"/>
+        <a:font script="Olck" typeface="Nirmala UI"/>
+        <a:font script="Osma" typeface="Ebrima"/>
+        <a:font script="Phag" typeface="Phagspa"/>
+        <a:font script="Syrn" typeface="Estrangelo Edessa"/>
+        <a:font script="Syrj" typeface="Estrangelo Edessa"/>
+        <a:font script="Syre" typeface="Estrangelo Edessa"/>
+        <a:font script="Sora" typeface="Nirmala UI"/>
+        <a:font script="Tale" typeface="Microsoft Tai Le"/>
+        <a:font script="Talu" typeface="Microsoft New Tai Lue"/>
+        <a:font script="Tfng" typeface="Ebrima"/>
+      </a:minorFont>
+    </a:fontScheme>
+    <a:fmtScheme name="Office">
+      <a:fillStyleLst>
+        <a:solidFill>
+          <a:schemeClr val="phClr"/>
+        </a:solidFill>
+        <a:gradFill rotWithShape="1">
+          <a:gsLst>
+            <a:gs pos="0">
+              <a:schemeClr val="phClr">
+                <a:lumMod val="110000"/>
+                <a:satMod val="105000"/>
+                <a:tint val="67000"/>
+              </a:schemeClr>
+            </a:gs>
+            <a:gs pos="50000">
+              <a:schemeClr val="phClr">
+                <a:lumMod val="105000"/>
+                <a:satMod val="103000"/>
+                <a:tint val="73000"/>
+              </a:schemeClr>
+            </a:gs>
+            <a:gs pos="100000">
+              <a:schemeClr val="phClr">
+                <a:lumMod val="105000"/>
+                <a:satMod val="109000"/>
+                <a:tint val="81000"/>
+              </a:schemeClr>
+            </a:gs>
+          </a:gsLst>
+          <a:lin ang="5400000" scaled="0"/>
+        </a:gradFill>
+        <a:gradFill rotWithShape="1">
+          <a:gsLst>
+            <a:gs pos="0">
+              <a:schemeClr val="phClr">
+                <a:satMod val="103000"/>
+                <a:lumMod val="102000"/>
+                <a:tint val="94000"/>
+              </a:schemeClr>
+            </a:gs>
+            <a:gs pos="50000">
+              <a:schemeClr val="phClr">
+                <a:satMod val="110000"/>
+                <a:lumMod val="100000"/>
+                <a:shade val="100000"/>
+              </a:schemeClr>
+            </a:gs>
+            <a:gs pos="100000">
+              <a:schemeClr val="phClr">
+                <a:lumMod val="99000"/>
+                <a:satMod val="120000"/>
+                <a:shade val="78000"/>
+              </a:schemeClr>
+            </a:gs>
+          </a:gsLst>
+          <a:lin ang="5400000" scaled="0"/>
+        </a:gradFill>
+      </a:fillStyleLst>
+      <a:lnStyleLst>
+        <a:ln w="6350" cap="flat" cmpd="sng" algn="ctr">
+          <a:solidFill>
+            <a:schemeClr val="phClr"/>
+          </a:solidFill>
+          <a:prstDash val="solid"/>
+          <a:miter lim="800000"/>
+        </a:ln>
+        <a:ln w="12700" cap="flat" cmpd="sng" algn="ctr">
+          <a:solidFill>
+            <a:schemeClr val="phClr"/>
+          </a:solidFill>
+          <a:prstDash val="solid"/>
+          <a:miter lim="800000"/>
+        </a:ln>
+        <a:ln w="19050" cap="flat" cmpd="sng" algn="ctr">
+          <a:solidFill>
+            <a:schemeClr val="phClr"/>
+          </a:solidFill>
+          <a:prstDash val="solid"/>
+          <a:miter lim="800000"/>
+        </a:ln>
+      </a:lnStyleLst>
+      <a:effectStyleLst>
+        <a:effectStyle>
+          <a:effectLst/>
+        </a:effectStyle>
+        <a:effectStyle>
+          <a:effectLst/>
+        </a:effectStyle>
+        <a:effectStyle>
+          <a:effectLst>
+            <a:outerShdw blurRad="57150" dist="19050" dir="5400000" algn="ctr" rotWithShape="0">
+              <a:srgbClr val="000000">
+                <a:alpha val="63000"/>
+              </a:srgbClr>
+            </a:outerShdw>
+          </a:effectLst>
+        </a:effectStyle>
+      </a:effectStyleLst>
+      <a:bgFillStyleLst>
+        <a:solidFill>
+          <a:schemeClr val="phClr"/>
+        </a:solidFill>
+        <a:solidFill>
+          <a:schemeClr val="phClr">
+            <a:tint val="95000"/>
+            <a:satMod val="170000"/>
+          </a:schemeClr>
+        </a:solidFill>
+        <a:gradFill rotWithShape="1">
+          <a:gsLst>
+            <a:gs pos="0">
+              <a:schemeClr val="phClr">
+                <a:tint val="93000"/>
+                <a:satMod val="150000"/>
+                <a:shade val="98000"/>
+                <a:lumMod val="102000"/>
+              </a:schemeClr>
+            </a:gs>
+            <a:gs pos="50000">
+              <a:schemeClr val="phClr">
+                <a:tint val="98000"/>
+                <a:satMod val="130000"/>
+                <a:shade val="90000"/>
+                <a:lumMod val="103000"/>
+              </a:schemeClr>
+            </a:gs>
+            <a:gs pos="100000">
+              <a:schemeClr val="phClr">
+                <a:shade val="63000"/>
+                <a:satMod val="120000"/>
+              </a:schemeClr>
+            </a:gs>
+          </a:gsLst>
+          <a:lin ang="5400000" scaled="0"/>
+        </a:gradFill>
+      </a:bgFillStyleLst>
+    </a:fmtScheme>
+  </a:themeElements>
+  <a:objectDefaults/>
+  <a:extraClrSchemeLst/>
+  <a:extLst>
+    <a:ext uri="{05A4C25C-085E-4340-85A3-A5531E510DB2}">
+      <thm15:themeFamily xmlns:thm15="http://schemas.microsoft.com/office/thememl/2012/main" name="Office Theme" id="{62F939B6-93AF-4DB8-9C6B-D6C7DFDC589F}" vid="{4A3C46E8-61CC-4603-A589-7422A47A8E4A}"/>
+    </a:ext>
+  </a:extLst>
+</a:theme>
 </file>